--- a/Security is for Everyone/Part One/Hear Me Code - Security is for Everyone - Part One.pptx
+++ b/Security is for Everyone/Part One/Hear Me Code - Security is for Everyone - Part One.pptx
@@ -61,6 +61,11 @@
     <p:sldId id="306" r:id="rId58"/>
     <p:sldId id="307" r:id="rId59"/>
     <p:sldId id="308" r:id="rId60"/>
+    <p:sldId id="309" r:id="rId61"/>
+    <p:sldId id="310" r:id="rId62"/>
+    <p:sldId id="311" r:id="rId63"/>
+    <p:sldId id="312" r:id="rId64"/>
+    <p:sldId id="313" r:id="rId65"/>
   </p:sldIdLst>
   <p:sldSz cx="9144000" cy="6858000"/>
   <p:notesSz cx="6858000" cy="9144000"/>
@@ -1215,7 +1220,7 @@
       </p:grpSpPr>
       <p:sp>
         <p:nvSpPr>
-          <p:cNvPr id="167" name="Shape 167"/>
+          <p:cNvPr id="182" name="Shape 182"/>
           <p:cNvSpPr/>
           <p:nvPr>
             <p:ph type="sldImg"/>
@@ -1236,7 +1241,7 @@
       </p:sp>
       <p:sp>
         <p:nvSpPr>
-          <p:cNvPr id="168" name="Shape 168"/>
+          <p:cNvPr id="183" name="Shape 183"/>
           <p:cNvSpPr/>
           <p:nvPr>
             <p:ph type="body" sz="quarter" idx="1"/>
@@ -1294,7 +1299,7 @@
       </p:grpSpPr>
       <p:sp>
         <p:nvSpPr>
-          <p:cNvPr id="173" name="Shape 173"/>
+          <p:cNvPr id="188" name="Shape 188"/>
           <p:cNvSpPr/>
           <p:nvPr>
             <p:ph type="sldImg"/>
@@ -1315,7 +1320,7 @@
       </p:sp>
       <p:sp>
         <p:nvSpPr>
-          <p:cNvPr id="174" name="Shape 174"/>
+          <p:cNvPr id="189" name="Shape 189"/>
           <p:cNvSpPr/>
           <p:nvPr>
             <p:ph type="body" sz="quarter" idx="1"/>
@@ -1364,7 +1369,7 @@
       </p:grpSpPr>
       <p:sp>
         <p:nvSpPr>
-          <p:cNvPr id="184" name="Shape 184"/>
+          <p:cNvPr id="199" name="Shape 199"/>
           <p:cNvSpPr/>
           <p:nvPr>
             <p:ph type="sldImg"/>
@@ -1385,7 +1390,7 @@
       </p:sp>
       <p:sp>
         <p:nvSpPr>
-          <p:cNvPr id="185" name="Shape 185"/>
+          <p:cNvPr id="200" name="Shape 200"/>
           <p:cNvSpPr/>
           <p:nvPr>
             <p:ph type="body" sz="quarter" idx="1"/>
@@ -1508,7 +1513,7 @@
       </p:grpSpPr>
       <p:sp>
         <p:nvSpPr>
-          <p:cNvPr id="191" name="Shape 191"/>
+          <p:cNvPr id="206" name="Shape 206"/>
           <p:cNvSpPr/>
           <p:nvPr>
             <p:ph type="sldImg"/>
@@ -1529,7 +1534,7 @@
       </p:sp>
       <p:sp>
         <p:nvSpPr>
-          <p:cNvPr id="192" name="Shape 192"/>
+          <p:cNvPr id="207" name="Shape 207"/>
           <p:cNvSpPr/>
           <p:nvPr>
             <p:ph type="body" sz="quarter" idx="1"/>
@@ -1617,7 +1622,7 @@
       </p:grpSpPr>
       <p:sp>
         <p:nvSpPr>
-          <p:cNvPr id="197" name="Shape 197"/>
+          <p:cNvPr id="213" name="Shape 213"/>
           <p:cNvSpPr/>
           <p:nvPr>
             <p:ph type="sldImg"/>
@@ -1638,7 +1643,7 @@
       </p:sp>
       <p:sp>
         <p:nvSpPr>
-          <p:cNvPr id="198" name="Shape 198"/>
+          <p:cNvPr id="214" name="Shape 214"/>
           <p:cNvSpPr/>
           <p:nvPr>
             <p:ph type="body" sz="quarter" idx="1"/>
@@ -1655,7 +1660,7 @@
           <a:p>
             <a:pPr/>
             <a:r>
-              <a:t>Keep in mind that if you’re checking your email on your phone, it’s very difficult to verify the sender, and you can’t really hover over the link to see where it’s going first. So use extra caution when checking email on your phone, and verify when you’re on your computer.</a:t>
+              <a:t>Keep in mind that fraudulent emails will often use slight misspellings or spellings that are just a letter off that may look “close enough” if you’re not reading closely, going too quickly, or have impaired vision.</a:t>
             </a:r>
           </a:p>
         </p:txBody>
@@ -1687,7 +1692,7 @@
       </p:grpSpPr>
       <p:sp>
         <p:nvSpPr>
-          <p:cNvPr id="204" name="Shape 204"/>
+          <p:cNvPr id="220" name="Shape 220"/>
           <p:cNvSpPr/>
           <p:nvPr>
             <p:ph type="sldImg"/>
@@ -1708,7 +1713,7 @@
       </p:sp>
       <p:sp>
         <p:nvSpPr>
-          <p:cNvPr id="205" name="Shape 205"/>
+          <p:cNvPr id="221" name="Shape 221"/>
           <p:cNvSpPr/>
           <p:nvPr>
             <p:ph type="body" sz="quarter" idx="1"/>
@@ -1725,16 +1730,7 @@
           <a:p>
             <a:pPr/>
             <a:r>
-              <a:t>Here is an example of a phishing text message - a text from an unrecognized number, asking you to sign in to “verify” your account, a link to click on and open. This is not a legitimate way of verifying any account. </a:t>
-            </a:r>
-          </a:p>
-          <a:p>
-            <a:pPr/>
-          </a:p>
-          <a:p>
-            <a:pPr/>
-            <a:r>
-              <a:t>Instead of clicking the link here - you could go to your account’s website directly.</a:t>
+              <a:t>One nice feature of Gmail is emails that are reported as being phishing messages will get a warning banner at the top of the email, and they’ll remove the images and the links so you can’t click on them.</a:t>
             </a:r>
           </a:p>
         </p:txBody>
@@ -1766,7 +1762,7 @@
       </p:grpSpPr>
       <p:sp>
         <p:nvSpPr>
-          <p:cNvPr id="211" name="Shape 211"/>
+          <p:cNvPr id="226" name="Shape 226"/>
           <p:cNvSpPr/>
           <p:nvPr>
             <p:ph type="sldImg"/>
@@ -1787,7 +1783,7 @@
       </p:sp>
       <p:sp>
         <p:nvSpPr>
-          <p:cNvPr id="212" name="Shape 212"/>
+          <p:cNvPr id="227" name="Shape 227"/>
           <p:cNvSpPr/>
           <p:nvPr>
             <p:ph type="body" sz="quarter" idx="1"/>
@@ -1804,43 +1800,7 @@
           <a:p>
             <a:pPr/>
             <a:r>
-              <a:t>This email looks like I need to change my password right away!</a:t>
-            </a:r>
-          </a:p>
-          <a:p>
-            <a:pPr/>
-            <a:r>
-              <a:t>Someone just used my password to sign into my Google Account!</a:t>
-            </a:r>
-          </a:p>
-          <a:p>
-            <a:pPr/>
-            <a:r>
-              <a:t>What do I do?</a:t>
-            </a:r>
-          </a:p>
-          <a:p>
-            <a:pPr marL="401052" indent="-401052">
-              <a:buSzPct val="100000"/>
-              <a:buAutoNum type="arabicParenR" startAt="1"/>
-            </a:pPr>
-            <a:r>
-              <a:t>Verify the sender’s address.</a:t>
-            </a:r>
-          </a:p>
-          <a:p>
-            <a:pPr marL="401052" indent="-401052">
-              <a:buSzPct val="100000"/>
-              <a:buAutoNum type="arabicParenR" startAt="1"/>
-            </a:pPr>
-            <a:r>
-              <a:t>Verify the link the “Change Password” button would go to.</a:t>
-            </a:r>
-          </a:p>
-          <a:p>
-            <a:pPr/>
-            <a:r>
-              <a:t>This was the exact email that was sent to staff at the DNC - and because someone clicked and entered in their password, hackers were able to gain access to their whole email account.</a:t>
+              <a:t>Keep in mind that if you’re checking your email on your phone, it’s very difficult to verify the sender, and you can’t really hover over the link to see where it’s going first. So use extra caution when checking email on your phone, and verify when you’re on your computer.</a:t>
             </a:r>
           </a:p>
         </p:txBody>
@@ -1872,7 +1832,7 @@
       </p:grpSpPr>
       <p:sp>
         <p:nvSpPr>
-          <p:cNvPr id="218" name="Shape 218"/>
+          <p:cNvPr id="233" name="Shape 233"/>
           <p:cNvSpPr/>
           <p:nvPr>
             <p:ph type="sldImg"/>
@@ -1893,7 +1853,7 @@
       </p:sp>
       <p:sp>
         <p:nvSpPr>
-          <p:cNvPr id="219" name="Shape 219"/>
+          <p:cNvPr id="234" name="Shape 234"/>
           <p:cNvSpPr/>
           <p:nvPr>
             <p:ph type="body" sz="quarter" idx="1"/>
@@ -1910,7 +1870,16 @@
           <a:p>
             <a:pPr/>
             <a:r>
-              <a:t>And if you clicked through, it would look just like Google’s page. You probably wouldn’t be able to tell. Think of all of the sensitive information in your email: everyone you’ve ever communicated with, thinking your conversations were private. Addresses, phone numbers, all of your contacts, where you are, where you’ve been, what you’ve bought, everything.</a:t>
+              <a:t>Here is an example of a phishing text message - a text from an unrecognized number, asking you to sign in to “verify” your account, a link to click on and open. This is not a legitimate way of verifying any account. </a:t>
+            </a:r>
+          </a:p>
+          <a:p>
+            <a:pPr/>
+          </a:p>
+          <a:p>
+            <a:pPr/>
+            <a:r>
+              <a:t>Instead of clicking the link here - you could go to your account’s website directly.</a:t>
             </a:r>
           </a:p>
         </p:txBody>
@@ -1942,7 +1911,7 @@
       </p:grpSpPr>
       <p:sp>
         <p:nvSpPr>
-          <p:cNvPr id="228" name="Shape 228"/>
+          <p:cNvPr id="240" name="Shape 240"/>
           <p:cNvSpPr/>
           <p:nvPr>
             <p:ph type="sldImg"/>
@@ -1963,7 +1932,7 @@
       </p:sp>
       <p:sp>
         <p:nvSpPr>
-          <p:cNvPr id="229" name="Shape 229"/>
+          <p:cNvPr id="241" name="Shape 241"/>
           <p:cNvSpPr/>
           <p:nvPr>
             <p:ph type="body" sz="quarter" idx="1"/>
@@ -1980,13 +1949,43 @@
           <a:p>
             <a:pPr/>
             <a:r>
-              <a:t>This is a fraudulent site, but looks just like the Bank of America website.</a:t>
-            </a:r>
-          </a:p>
-          <a:p>
-            <a:pPr/>
-            <a:r>
-              <a:t>If I received a fraudulent email, and it got me to click, and I put in my login credentials, I’d be giving away access to my bank account.  This is a fraudulent site, and you can tell by the URL.</a:t>
+              <a:t>This email looks like I need to change my password right away!</a:t>
+            </a:r>
+          </a:p>
+          <a:p>
+            <a:pPr/>
+            <a:r>
+              <a:t>Someone just used my password to sign into my Google Account!</a:t>
+            </a:r>
+          </a:p>
+          <a:p>
+            <a:pPr/>
+            <a:r>
+              <a:t>What do I do?</a:t>
+            </a:r>
+          </a:p>
+          <a:p>
+            <a:pPr marL="401052" indent="-401052">
+              <a:buSzPct val="100000"/>
+              <a:buAutoNum type="arabicParenR" startAt="1"/>
+            </a:pPr>
+            <a:r>
+              <a:t>Verify the sender’s address.</a:t>
+            </a:r>
+          </a:p>
+          <a:p>
+            <a:pPr marL="401052" indent="-401052">
+              <a:buSzPct val="100000"/>
+              <a:buAutoNum type="arabicParenR" startAt="1"/>
+            </a:pPr>
+            <a:r>
+              <a:t>Verify the link the “Change Password” button would go to.</a:t>
+            </a:r>
+          </a:p>
+          <a:p>
+            <a:pPr/>
+            <a:r>
+              <a:t>This was the exact email that was sent to staff at the DNC - and because someone clicked and entered in their password, hackers were able to gain access to their whole email account.</a:t>
             </a:r>
           </a:p>
         </p:txBody>
@@ -2018,7 +2017,7 @@
       </p:grpSpPr>
       <p:sp>
         <p:nvSpPr>
-          <p:cNvPr id="235" name="Shape 235"/>
+          <p:cNvPr id="247" name="Shape 247"/>
           <p:cNvSpPr/>
           <p:nvPr>
             <p:ph type="sldImg"/>
@@ -2039,7 +2038,7 @@
       </p:sp>
       <p:sp>
         <p:nvSpPr>
-          <p:cNvPr id="236" name="Shape 236"/>
+          <p:cNvPr id="248" name="Shape 248"/>
           <p:cNvSpPr/>
           <p:nvPr>
             <p:ph type="body" sz="quarter" idx="1"/>
@@ -2056,7 +2055,7 @@
           <a:p>
             <a:pPr/>
             <a:r>
-              <a:t>If there isn’t a padlock, it’s not a secure connection, even if it says https.</a:t>
+              <a:t>And if you clicked through, it would look just like Google’s page. You probably wouldn’t be able to tell. Think of all of the sensitive information in your email: everyone you’ve ever communicated with, thinking your conversations were private. Addresses, phone numbers, all of your contacts, where you are, where you’ve been, what you’ve bought, everything.</a:t>
             </a:r>
           </a:p>
         </p:txBody>
@@ -2088,7 +2087,7 @@
       </p:grpSpPr>
       <p:sp>
         <p:nvSpPr>
-          <p:cNvPr id="242" name="Shape 242"/>
+          <p:cNvPr id="257" name="Shape 257"/>
           <p:cNvSpPr/>
           <p:nvPr>
             <p:ph type="sldImg"/>
@@ -2109,7 +2108,7 @@
       </p:sp>
       <p:sp>
         <p:nvSpPr>
-          <p:cNvPr id="243" name="Shape 243"/>
+          <p:cNvPr id="258" name="Shape 258"/>
           <p:cNvSpPr/>
           <p:nvPr>
             <p:ph type="body" sz="quarter" idx="1"/>
@@ -2126,7 +2125,13 @@
           <a:p>
             <a:pPr/>
             <a:r>
-              <a:t>Without the padlock, it’s possible in theory for a hacker to intercept and read the webpage when communicating between your computer and that website.</a:t>
+              <a:t>This is a fraudulent site, but looks just like the Bank of America website.</a:t>
+            </a:r>
+          </a:p>
+          <a:p>
+            <a:pPr/>
+            <a:r>
+              <a:t>If I received a fraudulent email, and it got me to click, and I put in my login credentials, I’d be giving away access to my bank account.  This is a fraudulent site, and you can tell by the URL.</a:t>
             </a:r>
           </a:p>
         </p:txBody>
@@ -2158,7 +2163,7 @@
       </p:grpSpPr>
       <p:sp>
         <p:nvSpPr>
-          <p:cNvPr id="249" name="Shape 249"/>
+          <p:cNvPr id="264" name="Shape 264"/>
           <p:cNvSpPr/>
           <p:nvPr>
             <p:ph type="sldImg"/>
@@ -2179,7 +2184,7 @@
       </p:sp>
       <p:sp>
         <p:nvSpPr>
-          <p:cNvPr id="250" name="Shape 250"/>
+          <p:cNvPr id="265" name="Shape 265"/>
           <p:cNvSpPr/>
           <p:nvPr>
             <p:ph type="body" sz="quarter" idx="1"/>
@@ -2196,48 +2201,7 @@
           <a:p>
             <a:pPr/>
             <a:r>
-              <a:t>There’s a lot of jargon here but it’s important, because this is the most important part of verifying a URL.</a:t>
-            </a:r>
-          </a:p>
-          <a:p>
-            <a:pPr/>
-            <a:r>
-              <a:t>What you’re going to look for is the </a:t>
-            </a:r>
-            <a:r>
-              <a:rPr>
-                <a:latin typeface="Avenir Heavy"/>
-                <a:ea typeface="Avenir Heavy"/>
-                <a:cs typeface="Avenir Heavy"/>
-                <a:sym typeface="Avenir Heavy"/>
-              </a:rPr>
-              <a:t>domain, </a:t>
-            </a:r>
-            <a:r>
-              <a:t>which appears between the https:// (or http://) and the first slash you see after that. In this example, the full domain is </a:t>
-            </a:r>
-            <a:r>
-              <a:rPr u="sng">
-                <a:solidFill>
-                  <a:srgbClr val="0000FF"/>
-                </a:solidFill>
-                <a:uFill>
-                  <a:solidFill>
-                    <a:srgbClr val="0000FF"/>
-                  </a:solidFill>
-                </a:uFill>
-                <a:hlinkClick r:id="rId3" invalidUrl="" action="" tgtFrame="" tooltip="" history="1" highlightClick="0" endSnd="0"/>
-              </a:rPr>
-              <a:t>myaccount.google.com</a:t>
-            </a:r>
-            <a:r>
-              <a:t>.  Once you know that full domain, you can figure out the top-level and second-level domains by moving from right to left.</a:t>
-            </a:r>
-          </a:p>
-          <a:p>
-            <a:pPr/>
-            <a:r>
-              <a:t>(Spend less time on this slide and more time on the examples.)</a:t>
+              <a:t>If there isn’t a padlock, it’s not a secure connection, even if it says https.</a:t>
             </a:r>
           </a:p>
         </p:txBody>
@@ -2269,7 +2233,7 @@
       </p:grpSpPr>
       <p:sp>
         <p:nvSpPr>
-          <p:cNvPr id="255" name="Shape 255"/>
+          <p:cNvPr id="271" name="Shape 271"/>
           <p:cNvSpPr/>
           <p:nvPr>
             <p:ph type="sldImg"/>
@@ -2290,7 +2254,7 @@
       </p:sp>
       <p:sp>
         <p:nvSpPr>
-          <p:cNvPr id="256" name="Shape 256"/>
+          <p:cNvPr id="272" name="Shape 272"/>
           <p:cNvSpPr/>
           <p:nvPr>
             <p:ph type="body" sz="quarter" idx="1"/>
@@ -2307,75 +2271,7 @@
           <a:p>
             <a:pPr/>
             <a:r>
-              <a:t>DISCLAIMER: I MADE ALL OF THESE LINKS UP, DON’T VISIT THESE SITES, I DON’T KNOW WHAT IS THERE BUT YOU SHOULD NOT FIND OUT</a:t>
-            </a:r>
-          </a:p>
-          <a:p>
-            <a:pPr/>
-            <a:r>
-              <a:t>How do we know each of these is fake? The top-level and second-level domains is not the correct URL in any of these examples.</a:t>
-            </a:r>
-          </a:p>
-          <a:p>
-            <a:pPr marL="401052" indent="-401052">
-              <a:buSzPct val="100000"/>
-              <a:buAutoNum type="arabicParenR" startAt="1"/>
-            </a:pPr>
-            <a:r>
-              <a:t>Google’s URL is </a:t>
-            </a:r>
-            <a:r>
-              <a:rPr u="sng">
-                <a:solidFill>
-                  <a:srgbClr val="0000FF"/>
-                </a:solidFill>
-                <a:uFill>
-                  <a:solidFill>
-                    <a:srgbClr val="0000FF"/>
-                  </a:solidFill>
-                </a:uFill>
-                <a:hlinkClick r:id="rId3" invalidUrl="" action="" tgtFrame="" tooltip="" history="1" highlightClick="0" endSnd="0"/>
-              </a:rPr>
-              <a:t>google.com</a:t>
-            </a:r>
-            <a:r>
-              <a:t>, not this, and it’s missing a C anyway</a:t>
-            </a:r>
-          </a:p>
-          <a:p>
-            <a:pPr marL="401052" indent="-401052">
-              <a:buSzPct val="100000"/>
-              <a:buAutoNum type="arabicParenR" startAt="1"/>
-            </a:pPr>
-            <a:r>
-              <a:t>A lowercase R and N next to each other can often easily be mistaken for an M, especially for those with impaired vision and in certain fonts.</a:t>
-            </a:r>
-          </a:p>
-          <a:p>
-            <a:pPr marL="401052" indent="-401052">
-              <a:buSzPct val="100000"/>
-              <a:buAutoNum type="arabicParenR" startAt="1"/>
-            </a:pPr>
-            <a:r>
-              <a:t>Many fake URLs will make the first part of the URL look legit, but that’s NOT the important part</a:t>
-            </a:r>
-          </a:p>
-          <a:p>
-            <a:pPr marL="401052" indent="-401052">
-              <a:buSzPct val="100000"/>
-              <a:buAutoNum type="arabicParenR" startAt="1"/>
-            </a:pPr>
-            <a:r>
-              <a:t>What’s the top-level domain here? What’s the second-level domain?</a:t>
-            </a:r>
-          </a:p>
-          <a:p>
-            <a:pPr marL="401052" indent="-401052">
-              <a:buSzPct val="100000"/>
-              <a:buAutoNum type="arabicParenR" startAt="1"/>
-            </a:pPr>
-            <a:r>
-              <a:t>The fifth example here is actually a legitimate URL, shown here for contrast. What is the top-level domain here? What is the second-level domain?</a:t>
+              <a:t>Without the padlock, it’s possible in theory for a hacker to intercept and read the webpage when communicating between your computer and that website.</a:t>
             </a:r>
           </a:p>
         </p:txBody>
@@ -2477,7 +2373,7 @@
       </p:grpSpPr>
       <p:sp>
         <p:nvSpPr>
-          <p:cNvPr id="268" name="Shape 268"/>
+          <p:cNvPr id="278" name="Shape 278"/>
           <p:cNvSpPr/>
           <p:nvPr>
             <p:ph type="sldImg"/>
@@ -2498,7 +2394,7 @@
       </p:sp>
       <p:sp>
         <p:nvSpPr>
-          <p:cNvPr id="269" name="Shape 269"/>
+          <p:cNvPr id="279" name="Shape 279"/>
           <p:cNvSpPr/>
           <p:nvPr>
             <p:ph type="body" sz="quarter" idx="1"/>
@@ -2515,19 +2411,48 @@
           <a:p>
             <a:pPr/>
             <a:r>
-              <a:t>We’ve talked a lot about email because email is one of the most common ways you’ll encounter threats - so far we’ve seen phishing emails and scam emails.</a:t>
-            </a:r>
-          </a:p>
-          <a:p>
-            <a:pPr/>
-            <a:r>
-              <a:t>I’ve received malicious email attachments from a former colleague whose email account was compromised - they had a virus on their computer and didn’t realize they were sending out emails to people in their address book with copies of that virus in attachments.</a:t>
-            </a:r>
-          </a:p>
-          <a:p>
-            <a:pPr/>
-            <a:r>
-              <a:t>I hadn’t spoken to her in over a year, so when I got an email from her telling me I should open up an attachment that had her “vacation pictures” I knew something was wrong.</a:t>
+              <a:t>There’s a lot of jargon here but it’s important, because this is the most important part of verifying a URL.</a:t>
+            </a:r>
+          </a:p>
+          <a:p>
+            <a:pPr/>
+            <a:r>
+              <a:t>What you’re going to look for is the </a:t>
+            </a:r>
+            <a:r>
+              <a:rPr>
+                <a:latin typeface="Avenir Heavy"/>
+                <a:ea typeface="Avenir Heavy"/>
+                <a:cs typeface="Avenir Heavy"/>
+                <a:sym typeface="Avenir Heavy"/>
+              </a:rPr>
+              <a:t>domain, </a:t>
+            </a:r>
+            <a:r>
+              <a:t>which appears between the https:// (or http://) and the first slash you see after that. In this example, the full domain is </a:t>
+            </a:r>
+            <a:r>
+              <a:rPr u="sng">
+                <a:solidFill>
+                  <a:srgbClr val="0000FF"/>
+                </a:solidFill>
+                <a:uFill>
+                  <a:solidFill>
+                    <a:srgbClr val="0000FF"/>
+                  </a:solidFill>
+                </a:uFill>
+                <a:hlinkClick r:id="rId3" invalidUrl="" action="" tgtFrame="" tooltip="" history="1" highlightClick="0" endSnd="0"/>
+              </a:rPr>
+              <a:t>myaccount.google.com</a:t>
+            </a:r>
+            <a:r>
+              <a:t>.  Once you know that full domain, you can figure out the top-level and second-level domains by moving from right to left.</a:t>
+            </a:r>
+          </a:p>
+          <a:p>
+            <a:pPr/>
+            <a:r>
+              <a:t>(Spend less time on this slide and more time on the examples.)</a:t>
             </a:r>
           </a:p>
         </p:txBody>
@@ -2559,7 +2484,7 @@
       </p:grpSpPr>
       <p:sp>
         <p:nvSpPr>
-          <p:cNvPr id="274" name="Shape 274"/>
+          <p:cNvPr id="284" name="Shape 284"/>
           <p:cNvSpPr/>
           <p:nvPr>
             <p:ph type="sldImg"/>
@@ -2580,7 +2505,7 @@
       </p:sp>
       <p:sp>
         <p:nvSpPr>
-          <p:cNvPr id="275" name="Shape 275"/>
+          <p:cNvPr id="285" name="Shape 285"/>
           <p:cNvSpPr/>
           <p:nvPr>
             <p:ph type="body" sz="quarter" idx="1"/>
@@ -2597,16 +2522,75 @@
           <a:p>
             <a:pPr/>
             <a:r>
-              <a:t>Once an email is compromised, hackers will go through the address book and send to that person’s contacts.  They’re relying on you trusting your friend or colleague and opening an attachment from them without thinking about it, without applying the skepticism you should.</a:t>
-            </a:r>
-          </a:p>
-          <a:p>
-            <a:pPr/>
-          </a:p>
-          <a:p>
-            <a:pPr/>
-            <a:r>
-              <a:t>Apply the same level of caution when receiving links out of the blue, and verify where the links go before clicking on them!</a:t>
+              <a:t>DISCLAIMER: I MADE ALL OF THESE LINKS UP, DON’T VISIT THESE SITES, I DON’T KNOW WHAT IS THERE BUT YOU SHOULD NOT FIND OUT</a:t>
+            </a:r>
+          </a:p>
+          <a:p>
+            <a:pPr/>
+            <a:r>
+              <a:t>How do we know each of these is fake? The top-level and second-level domains is not the correct URL in any of these examples.</a:t>
+            </a:r>
+          </a:p>
+          <a:p>
+            <a:pPr marL="401052" indent="-401052">
+              <a:buSzPct val="100000"/>
+              <a:buAutoNum type="arabicParenR" startAt="1"/>
+            </a:pPr>
+            <a:r>
+              <a:t>Google’s URL is </a:t>
+            </a:r>
+            <a:r>
+              <a:rPr u="sng">
+                <a:solidFill>
+                  <a:srgbClr val="0000FF"/>
+                </a:solidFill>
+                <a:uFill>
+                  <a:solidFill>
+                    <a:srgbClr val="0000FF"/>
+                  </a:solidFill>
+                </a:uFill>
+                <a:hlinkClick r:id="rId3" invalidUrl="" action="" tgtFrame="" tooltip="" history="1" highlightClick="0" endSnd="0"/>
+              </a:rPr>
+              <a:t>google.com</a:t>
+            </a:r>
+            <a:r>
+              <a:t>, not this, and it’s missing a C anyway</a:t>
+            </a:r>
+          </a:p>
+          <a:p>
+            <a:pPr marL="401052" indent="-401052">
+              <a:buSzPct val="100000"/>
+              <a:buAutoNum type="arabicParenR" startAt="1"/>
+            </a:pPr>
+            <a:r>
+              <a:t>A lowercase R and N next to each other can often easily be mistaken for an M, especially for those with impaired vision and in certain fonts.</a:t>
+            </a:r>
+          </a:p>
+          <a:p>
+            <a:pPr marL="401052" indent="-401052">
+              <a:buSzPct val="100000"/>
+              <a:buAutoNum type="arabicParenR" startAt="1"/>
+            </a:pPr>
+            <a:r>
+              <a:t>Many fake URLs will make the first part of the URL look legit, but that’s NOT the important part</a:t>
+            </a:r>
+          </a:p>
+          <a:p>
+            <a:pPr marL="401052" indent="-401052">
+              <a:buSzPct val="100000"/>
+              <a:buAutoNum type="arabicParenR" startAt="1"/>
+            </a:pPr>
+            <a:r>
+              <a:t>What’s the top-level domain here? What’s the second-level domain?</a:t>
+            </a:r>
+          </a:p>
+          <a:p>
+            <a:pPr marL="401052" indent="-401052">
+              <a:buSzPct val="100000"/>
+              <a:buAutoNum type="arabicParenR" startAt="1"/>
+            </a:pPr>
+            <a:r>
+              <a:t>The fifth example here is actually a legitimate URL, shown here for contrast. What is the top-level domain here? What is the second-level domain?</a:t>
             </a:r>
           </a:p>
         </p:txBody>
@@ -2638,7 +2622,7 @@
       </p:grpSpPr>
       <p:sp>
         <p:nvSpPr>
-          <p:cNvPr id="281" name="Shape 281"/>
+          <p:cNvPr id="297" name="Shape 297"/>
           <p:cNvSpPr/>
           <p:nvPr>
             <p:ph type="sldImg"/>
@@ -2659,7 +2643,7 @@
       </p:sp>
       <p:sp>
         <p:nvSpPr>
-          <p:cNvPr id="282" name="Shape 282"/>
+          <p:cNvPr id="298" name="Shape 298"/>
           <p:cNvSpPr/>
           <p:nvPr>
             <p:ph type="body" sz="quarter" idx="1"/>
@@ -2676,13 +2660,19 @@
           <a:p>
             <a:pPr/>
             <a:r>
-              <a:t>In Gmail, if this were a legitimate attachment, there would be two buttons - Download and Save to Drive - that you could hover over.</a:t>
-            </a:r>
-          </a:p>
-          <a:p>
-            <a:pPr/>
-            <a:r>
-              <a:t>In this fraudulent image, those buttons are faked, and hovering over them would do nothing — that is a big red flag, and a sign that you should not click.</a:t>
+              <a:t>We’ve talked a lot about email because email is one of the most common ways you’ll encounter threats - so far we’ve seen phishing emails and scam emails.</a:t>
+            </a:r>
+          </a:p>
+          <a:p>
+            <a:pPr/>
+            <a:r>
+              <a:t>I’ve received malicious email attachments from a former colleague whose email account was compromised - they had a virus on their computer and didn’t realize they were sending out emails to people in their address book with copies of that virus in attachments.</a:t>
+            </a:r>
+          </a:p>
+          <a:p>
+            <a:pPr/>
+            <a:r>
+              <a:t>I hadn’t spoken to her in over a year, so when I got an email from her telling me I should open up an attachment that had her “vacation pictures” I knew something was wrong.</a:t>
             </a:r>
           </a:p>
         </p:txBody>
@@ -2714,7 +2704,7 @@
       </p:grpSpPr>
       <p:sp>
         <p:nvSpPr>
-          <p:cNvPr id="288" name="Shape 288"/>
+          <p:cNvPr id="303" name="Shape 303"/>
           <p:cNvSpPr/>
           <p:nvPr>
             <p:ph type="sldImg"/>
@@ -2735,7 +2725,7 @@
       </p:sp>
       <p:sp>
         <p:nvSpPr>
-          <p:cNvPr id="289" name="Shape 289"/>
+          <p:cNvPr id="304" name="Shape 304"/>
           <p:cNvSpPr/>
           <p:nvPr>
             <p:ph type="body" sz="quarter" idx="1"/>
@@ -2752,7 +2742,16 @@
           <a:p>
             <a:pPr/>
             <a:r>
-              <a:t>There’s nothing actually here in this document, but once you follow the instructions, you’ll have a virus on your computer. If you see a document like this, close it and delete it — don’t follow the instructions.</a:t>
+              <a:t>Once an email is compromised, hackers will go through the address book and send to that person’s contacts.  They’re relying on you trusting your friend or colleague and opening an attachment from them without thinking about it, without applying the skepticism you should.</a:t>
+            </a:r>
+          </a:p>
+          <a:p>
+            <a:pPr/>
+          </a:p>
+          <a:p>
+            <a:pPr/>
+            <a:r>
+              <a:t>Apply the same level of caution when receiving links out of the blue, and verify where the links go before clicking on them!</a:t>
             </a:r>
           </a:p>
         </p:txBody>
@@ -2784,7 +2783,7 @@
       </p:grpSpPr>
       <p:sp>
         <p:nvSpPr>
-          <p:cNvPr id="295" name="Shape 295"/>
+          <p:cNvPr id="310" name="Shape 310"/>
           <p:cNvSpPr/>
           <p:nvPr>
             <p:ph type="sldImg"/>
@@ -2805,7 +2804,7 @@
       </p:sp>
       <p:sp>
         <p:nvSpPr>
-          <p:cNvPr id="296" name="Shape 296"/>
+          <p:cNvPr id="311" name="Shape 311"/>
           <p:cNvSpPr/>
           <p:nvPr>
             <p:ph type="body" sz="quarter" idx="1"/>
@@ -2822,7 +2821,13 @@
           <a:p>
             <a:pPr/>
             <a:r>
-              <a:t>This is another version of the same malicious attachment.</a:t>
+              <a:t>In Gmail, if this were a legitimate attachment, there would be two buttons - Download and Save to Drive - that you could hover over.</a:t>
+            </a:r>
+          </a:p>
+          <a:p>
+            <a:pPr/>
+            <a:r>
+              <a:t>In this fraudulent image, those buttons are faked, and hovering over them would do nothing — that is a big red flag, and a sign that you should not click.</a:t>
             </a:r>
           </a:p>
         </p:txBody>
@@ -2854,7 +2859,7 @@
       </p:grpSpPr>
       <p:sp>
         <p:nvSpPr>
-          <p:cNvPr id="302" name="Shape 302"/>
+          <p:cNvPr id="317" name="Shape 317"/>
           <p:cNvSpPr/>
           <p:nvPr>
             <p:ph type="sldImg"/>
@@ -2875,7 +2880,7 @@
       </p:sp>
       <p:sp>
         <p:nvSpPr>
-          <p:cNvPr id="303" name="Shape 303"/>
+          <p:cNvPr id="318" name="Shape 318"/>
           <p:cNvSpPr/>
           <p:nvPr>
             <p:ph type="body" sz="quarter" idx="1"/>
@@ -2892,7 +2897,7 @@
           <a:p>
             <a:pPr/>
             <a:r>
-              <a:t>Yet another version of the same type of malicious attachment. I have so many screenshots of these.</a:t>
+              <a:t>There’s nothing actually here in this document, but once you follow the instructions, you’ll have a virus on your computer. If you see a document like this, close it and delete it — don’t follow the instructions.</a:t>
             </a:r>
           </a:p>
         </p:txBody>
@@ -2924,7 +2929,7 @@
       </p:grpSpPr>
       <p:sp>
         <p:nvSpPr>
-          <p:cNvPr id="319" name="Shape 319"/>
+          <p:cNvPr id="324" name="Shape 324"/>
           <p:cNvSpPr/>
           <p:nvPr>
             <p:ph type="sldImg"/>
@@ -2945,7 +2950,7 @@
       </p:sp>
       <p:sp>
         <p:nvSpPr>
-          <p:cNvPr id="320" name="Shape 320"/>
+          <p:cNvPr id="325" name="Shape 325"/>
           <p:cNvSpPr/>
           <p:nvPr>
             <p:ph type="body" sz="quarter" idx="1"/>
@@ -2962,7 +2967,7 @@
           <a:p>
             <a:pPr/>
             <a:r>
-              <a:t>How many minutes of inactivity for your screensaver will depend on how you use your computer and what you’re trying to protect from, but keep in mind if anyone can physically access your computer without a password, they can in theory read all your emails, reset accounts, and so on.</a:t>
+              <a:t>This is another version of the same malicious attachment.</a:t>
             </a:r>
           </a:p>
         </p:txBody>
@@ -2994,7 +2999,7 @@
       </p:grpSpPr>
       <p:sp>
         <p:nvSpPr>
-          <p:cNvPr id="325" name="Shape 325"/>
+          <p:cNvPr id="331" name="Shape 331"/>
           <p:cNvSpPr/>
           <p:nvPr>
             <p:ph type="sldImg"/>
@@ -3015,7 +3020,7 @@
       </p:sp>
       <p:sp>
         <p:nvSpPr>
-          <p:cNvPr id="326" name="Shape 326"/>
+          <p:cNvPr id="332" name="Shape 332"/>
           <p:cNvSpPr/>
           <p:nvPr>
             <p:ph type="body" sz="quarter" idx="1"/>
@@ -3032,13 +3037,7 @@
           <a:p>
             <a:pPr/>
             <a:r>
-              <a:t>I have my Hot Corners set so when I move my mouse to the lower-right hand side of my screen, it will automatically lock my computer, which is very convenient.</a:t>
-            </a:r>
-          </a:p>
-          <a:p>
-            <a:pPr/>
-            <a:r>
-              <a:t>To set your Hot Corners and Screen Saver, go to the Apple Menu &gt; System Preferences, and in the top row, go to Desktop &amp; Screen Saver &gt; Screen Saver.</a:t>
+              <a:t>Yet another version of the same type of malicious attachment. I have so many screenshots of these.</a:t>
             </a:r>
           </a:p>
         </p:txBody>
@@ -3070,7 +3069,7 @@
       </p:grpSpPr>
       <p:sp>
         <p:nvSpPr>
-          <p:cNvPr id="331" name="Shape 331"/>
+          <p:cNvPr id="348" name="Shape 348"/>
           <p:cNvSpPr/>
           <p:nvPr>
             <p:ph type="sldImg"/>
@@ -3091,7 +3090,7 @@
       </p:sp>
       <p:sp>
         <p:nvSpPr>
-          <p:cNvPr id="332" name="Shape 332"/>
+          <p:cNvPr id="349" name="Shape 349"/>
           <p:cNvSpPr/>
           <p:nvPr>
             <p:ph type="body" sz="quarter" idx="1"/>
@@ -3108,13 +3107,7 @@
           <a:p>
             <a:pPr/>
             <a:r>
-              <a:t>You’ll also want to configure your phone to lock itself after a certain period of inactivity.  How long will depend on how you use your phone.</a:t>
-            </a:r>
-          </a:p>
-          <a:p>
-            <a:pPr/>
-            <a:r>
-              <a:t>You might want to consider activating the feature that will erase all data on the phone after several failed password attempts to prevent someone from trying every password in the book.</a:t>
+              <a:t>How many minutes of inactivity for your screensaver will depend on how you use your computer and what you’re trying to protect from, but keep in mind if anyone can physically access your computer without a password, they can in theory read all your emails, reset accounts, and so on.</a:t>
             </a:r>
           </a:p>
         </p:txBody>
@@ -3146,7 +3139,7 @@
       </p:grpSpPr>
       <p:sp>
         <p:nvSpPr>
-          <p:cNvPr id="337" name="Shape 337"/>
+          <p:cNvPr id="354" name="Shape 354"/>
           <p:cNvSpPr/>
           <p:nvPr>
             <p:ph type="sldImg"/>
@@ -3167,7 +3160,7 @@
       </p:sp>
       <p:sp>
         <p:nvSpPr>
-          <p:cNvPr id="338" name="Shape 338"/>
+          <p:cNvPr id="355" name="Shape 355"/>
           <p:cNvSpPr/>
           <p:nvPr>
             <p:ph type="body" sz="quarter" idx="1"/>
@@ -3184,7 +3177,13 @@
           <a:p>
             <a:pPr/>
             <a:r>
-              <a:t>This is maybe the most important slide, and is a good summary of everything we’ve covered.</a:t>
+              <a:t>I have my Hot Corners set so when I move my mouse to the lower-right hand side of my screen, it will automatically lock my computer, which is very convenient.</a:t>
+            </a:r>
+          </a:p>
+          <a:p>
+            <a:pPr/>
+            <a:r>
+              <a:t>To set your Hot Corners and Screen Saver, go to the Apple Menu &gt; System Preferences, and in the top row, go to Desktop &amp; Screen Saver &gt; Screen Saver.</a:t>
             </a:r>
           </a:p>
         </p:txBody>
@@ -3255,6 +3254,152 @@
             <a:pPr/>
             <a:r>
               <a:t>With these five steps, we’re going to learn how to protect ourselves from 99% of the most common threats.</a:t>
+            </a:r>
+          </a:p>
+        </p:txBody>
+      </p:sp>
+    </p:spTree>
+  </p:cSld>
+  <p:clrMapOvr>
+    <a:masterClrMapping/>
+  </p:clrMapOvr>
+</p:notes>
+</file>
+
+<file path=ppt/notesSlides/notesSlide40.xml><?xml version="1.0" encoding="utf-8"?>
+<p:notes xmlns:a="http://schemas.openxmlformats.org/drawingml/2006/main" xmlns:r="http://schemas.openxmlformats.org/officeDocument/2006/relationships" xmlns:p="http://schemas.openxmlformats.org/presentationml/2006/main" showMasterSp="1" showMasterPhAnim="1">
+  <p:cSld>
+    <p:spTree>
+      <p:nvGrpSpPr>
+        <p:cNvPr id="1" name=""/>
+        <p:cNvGrpSpPr/>
+        <p:nvPr/>
+      </p:nvGrpSpPr>
+      <p:grpSpPr>
+        <a:xfrm>
+          <a:off x="0" y="0"/>
+          <a:ext cx="0" cy="0"/>
+          <a:chOff x="0" y="0"/>
+          <a:chExt cx="0" cy="0"/>
+        </a:xfrm>
+      </p:grpSpPr>
+      <p:sp>
+        <p:nvSpPr>
+          <p:cNvPr id="360" name="Shape 360"/>
+          <p:cNvSpPr/>
+          <p:nvPr>
+            <p:ph type="sldImg"/>
+          </p:nvPr>
+        </p:nvSpPr>
+        <p:spPr>
+          <a:prstGeom prst="rect">
+            <a:avLst/>
+          </a:prstGeom>
+        </p:spPr>
+        <p:txBody>
+          <a:bodyPr/>
+          <a:lstStyle/>
+          <a:p>
+            <a:pPr/>
+          </a:p>
+        </p:txBody>
+      </p:sp>
+      <p:sp>
+        <p:nvSpPr>
+          <p:cNvPr id="361" name="Shape 361"/>
+          <p:cNvSpPr/>
+          <p:nvPr>
+            <p:ph type="body" sz="quarter" idx="1"/>
+          </p:nvPr>
+        </p:nvSpPr>
+        <p:spPr>
+          <a:prstGeom prst="rect">
+            <a:avLst/>
+          </a:prstGeom>
+        </p:spPr>
+        <p:txBody>
+          <a:bodyPr/>
+          <a:lstStyle/>
+          <a:p>
+            <a:pPr/>
+            <a:r>
+              <a:t>You’ll also want to configure your phone to lock itself after a certain period of inactivity.  How long will depend on how you use your phone.</a:t>
+            </a:r>
+          </a:p>
+          <a:p>
+            <a:pPr/>
+            <a:r>
+              <a:t>You might want to consider activating the feature that will erase all data on the phone after several failed password attempts to prevent someone from trying every password in the book.</a:t>
+            </a:r>
+          </a:p>
+        </p:txBody>
+      </p:sp>
+    </p:spTree>
+  </p:cSld>
+  <p:clrMapOvr>
+    <a:masterClrMapping/>
+  </p:clrMapOvr>
+</p:notes>
+</file>
+
+<file path=ppt/notesSlides/notesSlide41.xml><?xml version="1.0" encoding="utf-8"?>
+<p:notes xmlns:a="http://schemas.openxmlformats.org/drawingml/2006/main" xmlns:r="http://schemas.openxmlformats.org/officeDocument/2006/relationships" xmlns:p="http://schemas.openxmlformats.org/presentationml/2006/main" showMasterSp="1" showMasterPhAnim="1">
+  <p:cSld>
+    <p:spTree>
+      <p:nvGrpSpPr>
+        <p:cNvPr id="1" name=""/>
+        <p:cNvGrpSpPr/>
+        <p:nvPr/>
+      </p:nvGrpSpPr>
+      <p:grpSpPr>
+        <a:xfrm>
+          <a:off x="0" y="0"/>
+          <a:ext cx="0" cy="0"/>
+          <a:chOff x="0" y="0"/>
+          <a:chExt cx="0" cy="0"/>
+        </a:xfrm>
+      </p:grpSpPr>
+      <p:sp>
+        <p:nvSpPr>
+          <p:cNvPr id="366" name="Shape 366"/>
+          <p:cNvSpPr/>
+          <p:nvPr>
+            <p:ph type="sldImg"/>
+          </p:nvPr>
+        </p:nvSpPr>
+        <p:spPr>
+          <a:prstGeom prst="rect">
+            <a:avLst/>
+          </a:prstGeom>
+        </p:spPr>
+        <p:txBody>
+          <a:bodyPr/>
+          <a:lstStyle/>
+          <a:p>
+            <a:pPr/>
+          </a:p>
+        </p:txBody>
+      </p:sp>
+      <p:sp>
+        <p:nvSpPr>
+          <p:cNvPr id="367" name="Shape 367"/>
+          <p:cNvSpPr/>
+          <p:nvPr>
+            <p:ph type="body" sz="quarter" idx="1"/>
+          </p:nvPr>
+        </p:nvSpPr>
+        <p:spPr>
+          <a:prstGeom prst="rect">
+            <a:avLst/>
+          </a:prstGeom>
+        </p:spPr>
+        <p:txBody>
+          <a:bodyPr/>
+          <a:lstStyle/>
+          <a:p>
+            <a:pPr/>
+            <a:r>
+              <a:t>This is maybe the most important slide, and is a good summary of everything we’ve covered.</a:t>
             </a:r>
           </a:p>
         </p:txBody>
@@ -5687,8 +5832,8 @@
           <a:bodyPr/>
           <a:lstStyle/>
           <a:p>
-            <a:pPr defTabSz="452627">
-              <a:defRPr b="1" sz="2376">
+            <a:pPr>
+              <a:defRPr b="1">
                 <a:solidFill>
                   <a:srgbClr val="202020"/>
                 </a:solidFill>
@@ -5699,8 +5844,8 @@
             </a:r>
           </a:p>
           <a:p>
-            <a:pPr defTabSz="452627">
-              <a:defRPr b="1" sz="2376">
+            <a:pPr>
+              <a:defRPr b="1">
                 <a:solidFill>
                   <a:srgbClr val="202020"/>
                 </a:solidFill>
@@ -5708,8 +5853,8 @@
             </a:pPr>
           </a:p>
           <a:p>
-            <a:pPr defTabSz="452627">
-              <a:defRPr b="1" sz="2376">
+            <a:pPr>
+              <a:defRPr b="1">
                 <a:solidFill>
                   <a:srgbClr val="202020"/>
                 </a:solidFill>
@@ -5717,8 +5862,8 @@
             </a:pPr>
           </a:p>
           <a:p>
-            <a:pPr defTabSz="452627">
-              <a:defRPr b="1" sz="2376">
+            <a:pPr>
+              <a:defRPr b="1">
                 <a:solidFill>
                   <a:srgbClr val="202020"/>
                 </a:solidFill>
@@ -5932,7 +6077,7 @@
   <p:clrMapOvr>
     <a:masterClrMapping/>
   </p:clrMapOvr>
-  <p:transition xmlns:p14="http://schemas.microsoft.com/office/powerpoint/2010/main" spd="med" advClick="1" p14:dur="1000"/>
+  <p:transition xmlns:p14="http://schemas.microsoft.com/office/powerpoint/2010/main" spd="med" advClick="1"/>
 </p:sld>
 </file>
 
@@ -6113,7 +6258,7 @@
   <p:clrMapOvr>
     <a:masterClrMapping/>
   </p:clrMapOvr>
-  <p:transition xmlns:p14="http://schemas.microsoft.com/office/powerpoint/2010/main" spd="med" advClick="1" p14:dur="1000"/>
+  <p:transition xmlns:p14="http://schemas.microsoft.com/office/powerpoint/2010/main" spd="med" advClick="1"/>
 </p:sld>
 </file>
 
@@ -6296,7 +6441,7 @@
   <p:clrMapOvr>
     <a:masterClrMapping/>
   </p:clrMapOvr>
-  <p:transition xmlns:p14="http://schemas.microsoft.com/office/powerpoint/2010/main" spd="med" advClick="1" p14:dur="1000"/>
+  <p:transition xmlns:p14="http://schemas.microsoft.com/office/powerpoint/2010/main" spd="med" advClick="1"/>
 </p:sld>
 </file>
 
@@ -6504,7 +6649,7 @@
   <p:clrMapOvr>
     <a:masterClrMapping/>
   </p:clrMapOvr>
-  <p:transition xmlns:p14="http://schemas.microsoft.com/office/powerpoint/2010/main" spd="med" advClick="1" p14:dur="1000"/>
+  <p:transition xmlns:p14="http://schemas.microsoft.com/office/powerpoint/2010/main" spd="med" advClick="1"/>
 </p:sld>
 </file>
 
@@ -6741,7 +6886,7 @@
   <p:clrMapOvr>
     <a:masterClrMapping/>
   </p:clrMapOvr>
-  <p:transition xmlns:p14="http://schemas.microsoft.com/office/powerpoint/2010/main" spd="med" advClick="1" p14:dur="1000"/>
+  <p:transition xmlns:p14="http://schemas.microsoft.com/office/powerpoint/2010/main" spd="med" advClick="1"/>
 </p:sld>
 </file>
 
@@ -6915,7 +7060,7 @@
   <p:clrMapOvr>
     <a:masterClrMapping/>
   </p:clrMapOvr>
-  <p:transition xmlns:p14="http://schemas.microsoft.com/office/powerpoint/2010/main" spd="med" advClick="1" p14:dur="1000"/>
+  <p:transition xmlns:p14="http://schemas.microsoft.com/office/powerpoint/2010/main" spd="med" advClick="1"/>
 </p:sld>
 </file>
 
@@ -7161,7 +7306,7 @@
   <p:clrMapOvr>
     <a:masterClrMapping/>
   </p:clrMapOvr>
-  <p:transition xmlns:p14="http://schemas.microsoft.com/office/powerpoint/2010/main" spd="med" advClick="1" p14:dur="1000"/>
+  <p:transition xmlns:p14="http://schemas.microsoft.com/office/powerpoint/2010/main" spd="med" advClick="1"/>
 </p:sld>
 </file>
 
@@ -7271,7 +7416,7 @@
   <p:clrMapOvr>
     <a:masterClrMapping/>
   </p:clrMapOvr>
-  <p:transition xmlns:p14="http://schemas.microsoft.com/office/powerpoint/2010/main" spd="med" advClick="1" p14:dur="1000"/>
+  <p:transition xmlns:p14="http://schemas.microsoft.com/office/powerpoint/2010/main" spd="med" advClick="1"/>
 </p:sld>
 </file>
 
@@ -7465,7 +7610,7 @@
   <p:clrMapOvr>
     <a:masterClrMapping/>
   </p:clrMapOvr>
-  <p:transition xmlns:p14="http://schemas.microsoft.com/office/powerpoint/2010/main" spd="med" advClick="1" p14:dur="1000"/>
+  <p:transition xmlns:p14="http://schemas.microsoft.com/office/powerpoint/2010/main" spd="med" advClick="1"/>
 </p:sld>
 </file>
 
@@ -7654,7 +7799,7 @@
   <p:clrMapOvr>
     <a:masterClrMapping/>
   </p:clrMapOvr>
-  <p:transition xmlns:p14="http://schemas.microsoft.com/office/powerpoint/2010/main" spd="med" advClick="1" p14:dur="1000"/>
+  <p:transition xmlns:p14="http://schemas.microsoft.com/office/powerpoint/2010/main" spd="med" advClick="1"/>
 </p:sld>
 </file>
 
@@ -7762,7 +7907,7 @@
   <p:clrMapOvr>
     <a:masterClrMapping/>
   </p:clrMapOvr>
-  <p:transition xmlns:p14="http://schemas.microsoft.com/office/powerpoint/2010/main" spd="med" advClick="1" p14:dur="1000"/>
+  <p:transition xmlns:p14="http://schemas.microsoft.com/office/powerpoint/2010/main" spd="med" advClick="1"/>
 </p:sld>
 </file>
 
@@ -7872,7 +8017,7 @@
   <p:clrMapOvr>
     <a:masterClrMapping/>
   </p:clrMapOvr>
-  <p:transition xmlns:p14="http://schemas.microsoft.com/office/powerpoint/2010/main" spd="med" advClick="1" p14:dur="1000"/>
+  <p:transition xmlns:p14="http://schemas.microsoft.com/office/powerpoint/2010/main" spd="med" advClick="1"/>
 </p:sld>
 </file>
 
@@ -8066,7 +8211,7 @@
   <p:clrMapOvr>
     <a:masterClrMapping/>
   </p:clrMapOvr>
-  <p:transition xmlns:p14="http://schemas.microsoft.com/office/powerpoint/2010/main" spd="med" advClick="1" p14:dur="1000"/>
+  <p:transition xmlns:p14="http://schemas.microsoft.com/office/powerpoint/2010/main" spd="med" advClick="1"/>
 </p:sld>
 </file>
 
@@ -8106,56 +8251,56 @@
           </a:bodyPr>
           <a:lstStyle/>
           <a:p>
-            <a:pPr marL="332613" indent="-332613" defTabSz="443484">
+            <a:pPr marL="329184" indent="-329184" defTabSz="438911">
               <a:spcBef>
                 <a:spcPts val="1100"/>
               </a:spcBef>
               <a:buClr>
                 <a:srgbClr val="000000"/>
               </a:buClr>
-              <a:defRPr sz="3104"/>
+              <a:defRPr sz="3072"/>
             </a:pPr>
             <a:r>
               <a:t>“Nigerian Prince” scam</a:t>
             </a:r>
           </a:p>
           <a:p>
-            <a:pPr marL="332613" indent="-332613" defTabSz="443484">
+            <a:pPr marL="329184" indent="-329184" defTabSz="438911">
               <a:spcBef>
                 <a:spcPts val="1100"/>
               </a:spcBef>
               <a:buClr>
                 <a:srgbClr val="000000"/>
               </a:buClr>
-              <a:defRPr sz="3104"/>
+              <a:defRPr sz="3072"/>
             </a:pPr>
             <a:r>
               <a:t>Sudden inheritances from long-lost relatives</a:t>
             </a:r>
           </a:p>
           <a:p>
-            <a:pPr marL="332613" indent="-332613" defTabSz="443484">
+            <a:pPr marL="329184" indent="-329184" defTabSz="438911">
               <a:spcBef>
                 <a:spcPts val="1100"/>
               </a:spcBef>
               <a:buClr>
                 <a:srgbClr val="000000"/>
               </a:buClr>
-              <a:defRPr sz="3104"/>
+              <a:defRPr sz="3072"/>
             </a:pPr>
             <a:r>
               <a:t>Relative traveling abroad, got hurt, needs help</a:t>
             </a:r>
           </a:p>
           <a:p>
-            <a:pPr marL="332613" indent="-332613" defTabSz="443484">
+            <a:pPr marL="329184" indent="-329184" defTabSz="438911">
               <a:spcBef>
                 <a:spcPts val="1100"/>
               </a:spcBef>
               <a:buClr>
                 <a:srgbClr val="000000"/>
               </a:buClr>
-              <a:defRPr sz="3104"/>
+              <a:defRPr sz="3072"/>
             </a:pPr>
             <a:r>
               <a:t>Fake US government emails targeting immigrants</a:t>
@@ -8163,28 +8308,28 @@
             <a:br/>
           </a:p>
           <a:p>
-            <a:pPr marL="332613" indent="-332613" defTabSz="443484">
+            <a:pPr marL="329184" indent="-329184" defTabSz="438911">
               <a:spcBef>
                 <a:spcPts val="1100"/>
               </a:spcBef>
               <a:buClr>
                 <a:srgbClr val="000000"/>
               </a:buClr>
-              <a:defRPr sz="3104"/>
+              <a:defRPr sz="3072"/>
             </a:pPr>
             <a:r>
               <a:t>These scams almost always revolve around money</a:t>
             </a:r>
           </a:p>
           <a:p>
-            <a:pPr marL="332613" indent="-332613" defTabSz="443484">
+            <a:pPr marL="329184" indent="-329184" defTabSz="438911">
               <a:spcBef>
                 <a:spcPts val="1100"/>
               </a:spcBef>
               <a:buClr>
                 <a:srgbClr val="000000"/>
               </a:buClr>
-              <a:defRPr b="1" sz="3104"/>
+              <a:defRPr b="1" sz="3072"/>
             </a:pPr>
             <a:r>
               <a:t>If it’s too good to be true, it probably is</a:t>
@@ -8281,7 +8426,7 @@
   <p:clrMapOvr>
     <a:masterClrMapping/>
   </p:clrMapOvr>
-  <p:transition xmlns:p14="http://schemas.microsoft.com/office/powerpoint/2010/main" spd="med" advClick="1" p14:dur="1000"/>
+  <p:transition xmlns:p14="http://schemas.microsoft.com/office/powerpoint/2010/main" spd="med" advClick="1"/>
 </p:sld>
 </file>
 
@@ -8411,21 +8556,21 @@
           <a:p>
             <a:pPr/>
             <a:r>
-              <a:t>Be skeptical</a:t>
+              <a:t>Watch out for scam emails</a:t>
             </a:r>
           </a:p>
         </p:txBody>
       </p:sp>
       <p:pic>
         <p:nvPicPr>
-          <p:cNvPr id="166" name="spam_emails_redacted.png"/>
+          <p:cNvPr id="166" name="uuu_scamemail2.png"/>
           <p:cNvPicPr>
             <a:picLocks noChangeAspect="1"/>
           </p:cNvPicPr>
           <p:nvPr/>
         </p:nvPicPr>
         <p:blipFill>
-          <a:blip r:embed="rId3">
+          <a:blip r:embed="rId2">
             <a:extLst/>
           </a:blip>
           <a:stretch>
@@ -8434,8 +8579,8 @@
         </p:blipFill>
         <p:spPr>
           <a:xfrm>
-            <a:off x="505928" y="1227610"/>
-            <a:ext cx="8132144" cy="4648304"/>
+            <a:off x="1642335" y="932866"/>
+            <a:ext cx="5880149" cy="5503344"/>
           </a:xfrm>
           <a:prstGeom prst="rect">
             <a:avLst/>
@@ -8450,7 +8595,7 @@
   <p:clrMapOvr>
     <a:masterClrMapping/>
   </p:clrMapOvr>
-  <p:transition xmlns:p14="http://schemas.microsoft.com/office/powerpoint/2010/main" spd="med" advClick="1" p14:dur="1000"/>
+  <p:transition xmlns:p14="http://schemas.microsoft.com/office/powerpoint/2010/main" spd="med" advClick="1"/>
 </p:sld>
 </file>
 
@@ -8473,7 +8618,7 @@
       </p:grpSpPr>
       <p:sp>
         <p:nvSpPr>
-          <p:cNvPr id="170" name="Shape 170"/>
+          <p:cNvPr id="168" name="Shape 168"/>
           <p:cNvSpPr/>
           <p:nvPr>
             <p:ph type="body" idx="1"/>
@@ -8498,44 +8643,12 @@
                 <a:srgbClr val="000000"/>
               </a:buClr>
             </a:pPr>
-            <a:r>
-              <a:rPr b="1"/>
-              <a:t>These emails are trying to trick you</a:t>
-            </a:r>
-            <a:br/>
-          </a:p>
-          <a:p>
-            <a:pPr>
-              <a:spcBef>
-                <a:spcPts val="1200"/>
-              </a:spcBef>
-              <a:buClr>
-                <a:srgbClr val="000000"/>
-              </a:buClr>
-            </a:pPr>
-            <a:r>
-              <a:t>They want you to open, click, and usually enter in your account credentials</a:t>
-            </a:r>
-            <a:br/>
-          </a:p>
-          <a:p>
-            <a:pPr>
-              <a:spcBef>
-                <a:spcPts val="1200"/>
-              </a:spcBef>
-              <a:buClr>
-                <a:srgbClr val="000000"/>
-              </a:buClr>
-            </a:pPr>
-            <a:r>
-              <a:t>So instead of me getting a $100 Costco reward, instead they would get access to my Costco account!</a:t>
-            </a:r>
-          </a:p>
-        </p:txBody>
-      </p:sp>
-      <p:sp>
-        <p:nvSpPr>
-          <p:cNvPr id="171" name="Shape 171"/>
+          </a:p>
+        </p:txBody>
+      </p:sp>
+      <p:sp>
+        <p:nvSpPr>
+          <p:cNvPr id="169" name="Shape 169"/>
           <p:cNvSpPr/>
           <p:nvPr>
             <p:ph type="sldNum" sz="quarter" idx="2"/>
@@ -8566,7 +8679,7 @@
       </p:sp>
       <p:sp>
         <p:nvSpPr>
-          <p:cNvPr id="172" name="Shape 172"/>
+          <p:cNvPr id="170" name="Shape 170"/>
           <p:cNvSpPr/>
           <p:nvPr/>
         </p:nvSpPr>
@@ -8612,17 +8725,46 @@
           <a:p>
             <a:pPr/>
             <a:r>
-              <a:t>Be skeptical</a:t>
-            </a:r>
-          </a:p>
-        </p:txBody>
-      </p:sp>
+              <a:t>Watch out for scam emails</a:t>
+            </a:r>
+          </a:p>
+        </p:txBody>
+      </p:sp>
+      <p:pic>
+        <p:nvPicPr>
+          <p:cNvPr id="171" name="uuu_scamemail4.png"/>
+          <p:cNvPicPr>
+            <a:picLocks noChangeAspect="1"/>
+          </p:cNvPicPr>
+          <p:nvPr/>
+        </p:nvPicPr>
+        <p:blipFill>
+          <a:blip r:embed="rId2">
+            <a:extLst/>
+          </a:blip>
+          <a:stretch>
+            <a:fillRect/>
+          </a:stretch>
+        </p:blipFill>
+        <p:spPr>
+          <a:xfrm>
+            <a:off x="1299503" y="923240"/>
+            <a:ext cx="6544994" cy="5257044"/>
+          </a:xfrm>
+          <a:prstGeom prst="rect">
+            <a:avLst/>
+          </a:prstGeom>
+          <a:ln w="12700">
+            <a:miter lim="400000"/>
+          </a:ln>
+        </p:spPr>
+      </p:pic>
     </p:spTree>
   </p:cSld>
   <p:clrMapOvr>
     <a:masterClrMapping/>
   </p:clrMapOvr>
-  <p:transition xmlns:p14="http://schemas.microsoft.com/office/powerpoint/2010/main" spd="med" advClick="1" p14:dur="1000"/>
+  <p:transition xmlns:p14="http://schemas.microsoft.com/office/powerpoint/2010/main" spd="med" advClick="1"/>
 </p:sld>
 </file>
 
@@ -8645,7 +8787,7 @@
       </p:grpSpPr>
       <p:sp>
         <p:nvSpPr>
-          <p:cNvPr id="176" name="Shape 176"/>
+          <p:cNvPr id="173" name="Shape 173"/>
           <p:cNvSpPr/>
           <p:nvPr>
             <p:ph type="body" idx="1"/>
@@ -8670,60 +8812,12 @@
                 <a:srgbClr val="000000"/>
               </a:buClr>
             </a:pPr>
-            <a:r>
-              <a:rPr b="1"/>
-              <a:t>These emails are trying to trick you</a:t>
-            </a:r>
-            <a:br/>
-          </a:p>
-          <a:p>
-            <a:pPr>
-              <a:spcBef>
-                <a:spcPts val="1200"/>
-              </a:spcBef>
-              <a:buClr>
-                <a:srgbClr val="000000"/>
-              </a:buClr>
-            </a:pPr>
-            <a:r>
-              <a:t>Not all fraudulent emails will be so obvious!</a:t>
-            </a:r>
-          </a:p>
-          <a:p>
-            <a:pPr>
-              <a:spcBef>
-                <a:spcPts val="1200"/>
-              </a:spcBef>
-              <a:buClr>
-                <a:srgbClr val="000000"/>
-              </a:buClr>
-            </a:pPr>
-          </a:p>
-          <a:p>
-            <a:pPr>
-              <a:spcBef>
-                <a:spcPts val="1200"/>
-              </a:spcBef>
-              <a:buClr>
-                <a:srgbClr val="000000"/>
-              </a:buClr>
-            </a:pPr>
-            <a:r>
-              <a:t>If you can tell it’s a fraudulent email without opening, </a:t>
-            </a:r>
-            <a:r>
-              <a:rPr b="1"/>
-              <a:t>delete it without opening</a:t>
-            </a:r>
-            <a:r>
-              <a:t>!</a:t>
-            </a:r>
-          </a:p>
-        </p:txBody>
-      </p:sp>
-      <p:sp>
-        <p:nvSpPr>
-          <p:cNvPr id="177" name="Shape 177"/>
+          </a:p>
+        </p:txBody>
+      </p:sp>
+      <p:sp>
+        <p:nvSpPr>
+          <p:cNvPr id="174" name="Shape 174"/>
           <p:cNvSpPr/>
           <p:nvPr>
             <p:ph type="sldNum" sz="quarter" idx="2"/>
@@ -8754,7 +8848,7 @@
       </p:sp>
       <p:sp>
         <p:nvSpPr>
-          <p:cNvPr id="178" name="Shape 178"/>
+          <p:cNvPr id="175" name="Shape 175"/>
           <p:cNvSpPr/>
           <p:nvPr/>
         </p:nvSpPr>
@@ -8800,17 +8894,46 @@
           <a:p>
             <a:pPr/>
             <a:r>
-              <a:t>Be skeptical</a:t>
-            </a:r>
-          </a:p>
-        </p:txBody>
-      </p:sp>
+              <a:t>Watch out for scam emails</a:t>
+            </a:r>
+          </a:p>
+        </p:txBody>
+      </p:sp>
+      <p:pic>
+        <p:nvPicPr>
+          <p:cNvPr id="176" name="uuu_scamemail3.png"/>
+          <p:cNvPicPr>
+            <a:picLocks noChangeAspect="1"/>
+          </p:cNvPicPr>
+          <p:nvPr/>
+        </p:nvPicPr>
+        <p:blipFill>
+          <a:blip r:embed="rId2">
+            <a:extLst/>
+          </a:blip>
+          <a:stretch>
+            <a:fillRect/>
+          </a:stretch>
+        </p:blipFill>
+        <p:spPr>
+          <a:xfrm>
+            <a:off x="520197" y="1035896"/>
+            <a:ext cx="8103606" cy="5031732"/>
+          </a:xfrm>
+          <a:prstGeom prst="rect">
+            <a:avLst/>
+          </a:prstGeom>
+          <a:ln w="12700">
+            <a:miter lim="400000"/>
+          </a:ln>
+        </p:spPr>
+      </p:pic>
     </p:spTree>
   </p:cSld>
   <p:clrMapOvr>
     <a:masterClrMapping/>
   </p:clrMapOvr>
-  <p:transition xmlns:p14="http://schemas.microsoft.com/office/powerpoint/2010/main" spd="med" advClick="1" p14:dur="1000"/>
+  <p:transition xmlns:p14="http://schemas.microsoft.com/office/powerpoint/2010/main" spd="med" advClick="1"/>
 </p:sld>
 </file>
 
@@ -8833,7 +8956,7 @@
       </p:grpSpPr>
       <p:sp>
         <p:nvSpPr>
-          <p:cNvPr id="180" name="Shape 180"/>
+          <p:cNvPr id="178" name="Shape 178"/>
           <p:cNvSpPr/>
           <p:nvPr>
             <p:ph type="body" idx="1"/>
@@ -8858,45 +8981,12 @@
                 <a:srgbClr val="000000"/>
               </a:buClr>
             </a:pPr>
-            <a:r>
-              <a:t>Verify the sender by hovering over the sender’s name.</a:t>
-            </a:r>
-          </a:p>
-          <a:p>
-            <a:pPr>
-              <a:spcBef>
-                <a:spcPts val="1200"/>
-              </a:spcBef>
-              <a:buClr>
-                <a:srgbClr val="000000"/>
-              </a:buClr>
-            </a:pPr>
-            <a:r>
-              <a:t>If this were legit, it should come from </a:t>
-            </a:r>
-            <a:r>
-              <a:rPr u="sng">
-                <a:solidFill>
-                  <a:srgbClr val="0000FF"/>
-                </a:solidFill>
-                <a:uFill>
-                  <a:solidFill>
-                    <a:srgbClr val="0000FF"/>
-                  </a:solidFill>
-                </a:uFill>
-                <a:hlinkClick r:id="rId3" invalidUrl="" action="" tgtFrame="" tooltip="" history="1" highlightClick="0" endSnd="0"/>
-              </a:rPr>
-              <a:t>starbucks.com</a:t>
-            </a:r>
-            <a:r>
-              <a:t>, not marthing.xyz </a:t>
-            </a:r>
-          </a:p>
-        </p:txBody>
-      </p:sp>
-      <p:sp>
-        <p:nvSpPr>
-          <p:cNvPr id="181" name="Shape 181"/>
+          </a:p>
+        </p:txBody>
+      </p:sp>
+      <p:sp>
+        <p:nvSpPr>
+          <p:cNvPr id="179" name="Shape 179"/>
           <p:cNvSpPr/>
           <p:nvPr>
             <p:ph type="sldNum" sz="quarter" idx="2"/>
@@ -8927,7 +9017,7 @@
       </p:sp>
       <p:sp>
         <p:nvSpPr>
-          <p:cNvPr id="182" name="Shape 182"/>
+          <p:cNvPr id="180" name="Shape 180"/>
           <p:cNvSpPr/>
           <p:nvPr/>
         </p:nvSpPr>
@@ -8973,21 +9063,21 @@
           <a:p>
             <a:pPr/>
             <a:r>
-              <a:t>verify the sender</a:t>
+              <a:t>Be skeptical</a:t>
             </a:r>
           </a:p>
         </p:txBody>
       </p:sp>
       <p:pic>
         <p:nvPicPr>
-          <p:cNvPr id="183" name="spamemail.png"/>
+          <p:cNvPr id="181" name="spam_emails_redacted.png"/>
           <p:cNvPicPr>
             <a:picLocks noChangeAspect="1"/>
           </p:cNvPicPr>
           <p:nvPr/>
         </p:nvPicPr>
         <p:blipFill>
-          <a:blip r:embed="rId4">
+          <a:blip r:embed="rId3">
             <a:extLst/>
           </a:blip>
           <a:stretch>
@@ -8996,8 +9086,8 @@
         </p:blipFill>
         <p:spPr>
           <a:xfrm>
-            <a:off x="868417" y="3464317"/>
-            <a:ext cx="7407166" cy="2488808"/>
+            <a:off x="505928" y="1227610"/>
+            <a:ext cx="8132144" cy="4648304"/>
           </a:xfrm>
           <a:prstGeom prst="rect">
             <a:avLst/>
@@ -9012,7 +9102,7 @@
   <p:clrMapOvr>
     <a:masterClrMapping/>
   </p:clrMapOvr>
-  <p:transition xmlns:p14="http://schemas.microsoft.com/office/powerpoint/2010/main" spd="med" advClick="1" p14:dur="1000"/>
+  <p:transition xmlns:p14="http://schemas.microsoft.com/office/powerpoint/2010/main" spd="med" advClick="1"/>
 </p:sld>
 </file>
 
@@ -9035,7 +9125,7 @@
       </p:grpSpPr>
       <p:sp>
         <p:nvSpPr>
-          <p:cNvPr id="187" name="Shape 187"/>
+          <p:cNvPr id="185" name="Shape 185"/>
           <p:cNvSpPr/>
           <p:nvPr>
             <p:ph type="body" idx="1"/>
@@ -9060,12 +9150,44 @@
                 <a:srgbClr val="000000"/>
               </a:buClr>
             </a:pPr>
-          </a:p>
-        </p:txBody>
-      </p:sp>
-      <p:sp>
-        <p:nvSpPr>
-          <p:cNvPr id="188" name="Shape 188"/>
+            <a:r>
+              <a:rPr b="1"/>
+              <a:t>These emails are trying to trick you</a:t>
+            </a:r>
+            <a:br/>
+          </a:p>
+          <a:p>
+            <a:pPr>
+              <a:spcBef>
+                <a:spcPts val="1200"/>
+              </a:spcBef>
+              <a:buClr>
+                <a:srgbClr val="000000"/>
+              </a:buClr>
+            </a:pPr>
+            <a:r>
+              <a:t>They want you to open, click, and usually enter in your account credentials</a:t>
+            </a:r>
+            <a:br/>
+          </a:p>
+          <a:p>
+            <a:pPr>
+              <a:spcBef>
+                <a:spcPts val="1200"/>
+              </a:spcBef>
+              <a:buClr>
+                <a:srgbClr val="000000"/>
+              </a:buClr>
+            </a:pPr>
+            <a:r>
+              <a:t>So instead of me getting a $100 Costco reward, instead they would get access to my Costco account!</a:t>
+            </a:r>
+          </a:p>
+        </p:txBody>
+      </p:sp>
+      <p:sp>
+        <p:nvSpPr>
+          <p:cNvPr id="186" name="Shape 186"/>
           <p:cNvSpPr/>
           <p:nvPr>
             <p:ph type="sldNum" sz="quarter" idx="2"/>
@@ -9096,7 +9218,7 @@
       </p:sp>
       <p:sp>
         <p:nvSpPr>
-          <p:cNvPr id="189" name="Shape 189"/>
+          <p:cNvPr id="187" name="Shape 187"/>
           <p:cNvSpPr/>
           <p:nvPr/>
         </p:nvSpPr>
@@ -9142,46 +9264,17 @@
           <a:p>
             <a:pPr/>
             <a:r>
-              <a:t>verify the link</a:t>
-            </a:r>
-          </a:p>
-        </p:txBody>
-      </p:sp>
-      <p:pic>
-        <p:nvPicPr>
-          <p:cNvPr id="190" name="spearphishing_redacted.png"/>
-          <p:cNvPicPr>
-            <a:picLocks noChangeAspect="1"/>
-          </p:cNvPicPr>
-          <p:nvPr/>
-        </p:nvPicPr>
-        <p:blipFill>
-          <a:blip r:embed="rId3">
-            <a:extLst/>
-          </a:blip>
-          <a:stretch>
-            <a:fillRect/>
-          </a:stretch>
-        </p:blipFill>
-        <p:spPr>
-          <a:xfrm>
-            <a:off x="1115917" y="1018911"/>
-            <a:ext cx="6932985" cy="5065702"/>
-          </a:xfrm>
-          <a:prstGeom prst="rect">
-            <a:avLst/>
-          </a:prstGeom>
-          <a:ln w="12700">
-            <a:miter lim="400000"/>
-          </a:ln>
-        </p:spPr>
-      </p:pic>
+              <a:t>Be skeptical</a:t>
+            </a:r>
+          </a:p>
+        </p:txBody>
+      </p:sp>
     </p:spTree>
   </p:cSld>
   <p:clrMapOvr>
     <a:masterClrMapping/>
   </p:clrMapOvr>
-  <p:transition xmlns:p14="http://schemas.microsoft.com/office/powerpoint/2010/main" spd="med" advClick="1" p14:dur="1000"/>
+  <p:transition xmlns:p14="http://schemas.microsoft.com/office/powerpoint/2010/main" spd="med" advClick="1"/>
 </p:sld>
 </file>
 
@@ -9204,7 +9297,7 @@
       </p:grpSpPr>
       <p:sp>
         <p:nvSpPr>
-          <p:cNvPr id="194" name="Shape 194"/>
+          <p:cNvPr id="191" name="Shape 191"/>
           <p:cNvSpPr/>
           <p:nvPr>
             <p:ph type="body" idx="1"/>
@@ -9230,66 +9323,59 @@
               </a:buClr>
             </a:pPr>
             <a:r>
-              <a:t>Be skeptical! They’re trying to trick you!</a:t>
-            </a:r>
-          </a:p>
-          <a:p>
-            <a:pPr lvl="1" marL="800100" indent="-342900">
+              <a:rPr b="1"/>
+              <a:t>These emails are trying to trick you</a:t>
+            </a:r>
+            <a:br/>
+          </a:p>
+          <a:p>
+            <a:pPr>
               <a:spcBef>
                 <a:spcPts val="1200"/>
               </a:spcBef>
               <a:buClr>
                 <a:srgbClr val="000000"/>
               </a:buClr>
-              <a:buChar char="•"/>
-            </a:pPr>
-            <a:r>
-              <a:t>Verify the sender’s email</a:t>
-            </a:r>
-          </a:p>
-          <a:p>
-            <a:pPr lvl="1" marL="800100" indent="-342900">
+            </a:pPr>
+            <a:r>
+              <a:t>Not all fraudulent emails will be so obvious!</a:t>
+            </a:r>
+          </a:p>
+          <a:p>
+            <a:pPr>
               <a:spcBef>
                 <a:spcPts val="1200"/>
               </a:spcBef>
               <a:buClr>
                 <a:srgbClr val="000000"/>
               </a:buClr>
-              <a:buChar char="•"/>
-            </a:pPr>
-            <a:r>
-              <a:t>Hover over links to find out where they go before you click</a:t>
-            </a:r>
-          </a:p>
-          <a:p>
-            <a:pPr lvl="1" marL="800100" indent="-342900">
+            </a:pPr>
+          </a:p>
+          <a:p>
+            <a:pPr>
               <a:spcBef>
                 <a:spcPts val="1200"/>
               </a:spcBef>
               <a:buClr>
                 <a:srgbClr val="000000"/>
               </a:buClr>
-              <a:buChar char="•"/>
-            </a:pPr>
-          </a:p>
-          <a:p>
-            <a:pPr>
-              <a:spcBef>
-                <a:spcPts val="1200"/>
-              </a:spcBef>
-              <a:buClr>
-                <a:srgbClr val="000000"/>
-              </a:buClr>
-            </a:pPr>
-            <a:r>
-              <a:t>If you think an email is fraudulent, DELETE!</a:t>
-            </a:r>
-          </a:p>
-        </p:txBody>
-      </p:sp>
-      <p:sp>
-        <p:nvSpPr>
-          <p:cNvPr id="195" name="Shape 195"/>
+            </a:pPr>
+            <a:r>
+              <a:t>If you can tell it’s a fraudulent email without opening, </a:t>
+            </a:r>
+            <a:r>
+              <a:rPr b="1"/>
+              <a:t>delete it without opening</a:t>
+            </a:r>
+            <a:r>
+              <a:t>!</a:t>
+            </a:r>
+          </a:p>
+        </p:txBody>
+      </p:sp>
+      <p:sp>
+        <p:nvSpPr>
+          <p:cNvPr id="192" name="Shape 192"/>
           <p:cNvSpPr/>
           <p:nvPr>
             <p:ph type="sldNum" sz="quarter" idx="2"/>
@@ -9320,7 +9406,7 @@
       </p:sp>
       <p:sp>
         <p:nvSpPr>
-          <p:cNvPr id="196" name="Shape 196"/>
+          <p:cNvPr id="193" name="Shape 193"/>
           <p:cNvSpPr/>
           <p:nvPr/>
         </p:nvSpPr>
@@ -9366,7 +9452,7 @@
           <a:p>
             <a:pPr/>
             <a:r>
-              <a:t>Let’s review</a:t>
+              <a:t>Be skeptical</a:t>
             </a:r>
           </a:p>
         </p:txBody>
@@ -9376,7 +9462,7 @@
   <p:clrMapOvr>
     <a:masterClrMapping/>
   </p:clrMapOvr>
-  <p:transition xmlns:p14="http://schemas.microsoft.com/office/powerpoint/2010/main" spd="med" advClick="1" p14:dur="1000"/>
+  <p:transition xmlns:p14="http://schemas.microsoft.com/office/powerpoint/2010/main" spd="med" advClick="1"/>
 </p:sld>
 </file>
 
@@ -9399,7 +9485,7 @@
       </p:grpSpPr>
       <p:sp>
         <p:nvSpPr>
-          <p:cNvPr id="200" name="Shape 200"/>
+          <p:cNvPr id="195" name="Shape 195"/>
           <p:cNvSpPr/>
           <p:nvPr>
             <p:ph type="body" idx="1"/>
@@ -9424,12 +9510,45 @@
                 <a:srgbClr val="000000"/>
               </a:buClr>
             </a:pPr>
-          </a:p>
-        </p:txBody>
-      </p:sp>
-      <p:sp>
-        <p:nvSpPr>
-          <p:cNvPr id="201" name="Shape 201"/>
+            <a:r>
+              <a:t>Verify the sender by hovering over the sender’s name.</a:t>
+            </a:r>
+          </a:p>
+          <a:p>
+            <a:pPr>
+              <a:spcBef>
+                <a:spcPts val="1200"/>
+              </a:spcBef>
+              <a:buClr>
+                <a:srgbClr val="000000"/>
+              </a:buClr>
+            </a:pPr>
+            <a:r>
+              <a:t>If this were legit, it should come from </a:t>
+            </a:r>
+            <a:r>
+              <a:rPr u="sng">
+                <a:solidFill>
+                  <a:srgbClr val="0000FF"/>
+                </a:solidFill>
+                <a:uFill>
+                  <a:solidFill>
+                    <a:srgbClr val="0000FF"/>
+                  </a:solidFill>
+                </a:uFill>
+                <a:hlinkClick r:id="rId3" invalidUrl="" action="" tgtFrame="" tooltip="" history="1" highlightClick="0" endSnd="0"/>
+              </a:rPr>
+              <a:t>starbucks.com</a:t>
+            </a:r>
+            <a:r>
+              <a:t>, not marthing.xyz </a:t>
+            </a:r>
+          </a:p>
+        </p:txBody>
+      </p:sp>
+      <p:sp>
+        <p:nvSpPr>
+          <p:cNvPr id="196" name="Shape 196"/>
           <p:cNvSpPr/>
           <p:nvPr>
             <p:ph type="sldNum" sz="quarter" idx="2"/>
@@ -9460,7 +9579,7 @@
       </p:sp>
       <p:sp>
         <p:nvSpPr>
-          <p:cNvPr id="202" name="Shape 202"/>
+          <p:cNvPr id="197" name="Shape 197"/>
           <p:cNvSpPr/>
           <p:nvPr/>
         </p:nvSpPr>
@@ -9491,11 +9610,11 @@
             <a:normAutofit fontScale="100000" lnSpcReduction="0"/>
           </a:bodyPr>
           <a:lstStyle>
-            <a:lvl1pPr defTabSz="329184">
-              <a:spcBef>
-                <a:spcPts val="600"/>
-              </a:spcBef>
-              <a:defRPr cap="all" sz="2880">
+            <a:lvl1pPr>
+              <a:spcBef>
+                <a:spcPts val="900"/>
+              </a:spcBef>
+              <a:defRPr cap="all" sz="4000">
                 <a:latin typeface="+mn-lt"/>
                 <a:ea typeface="+mn-ea"/>
                 <a:cs typeface="+mn-cs"/>
@@ -9506,21 +9625,21 @@
           <a:p>
             <a:pPr/>
             <a:r>
-              <a:t>watch out for phishing text messages, too</a:t>
+              <a:t>verify the sender</a:t>
             </a:r>
           </a:p>
         </p:txBody>
       </p:sp>
       <p:pic>
         <p:nvPicPr>
-          <p:cNvPr id="203" name="phising-text.jpg"/>
+          <p:cNvPr id="198" name="spamemail.png"/>
           <p:cNvPicPr>
             <a:picLocks noChangeAspect="1"/>
           </p:cNvPicPr>
           <p:nvPr/>
         </p:nvPicPr>
         <p:blipFill>
-          <a:blip r:embed="rId3">
+          <a:blip r:embed="rId4">
             <a:extLst/>
           </a:blip>
           <a:stretch>
@@ -9529,8 +9648,8 @@
         </p:blipFill>
         <p:spPr>
           <a:xfrm>
-            <a:off x="3141041" y="1178235"/>
-            <a:ext cx="2861918" cy="5079903"/>
+            <a:off x="868417" y="3464317"/>
+            <a:ext cx="7407166" cy="2488808"/>
           </a:xfrm>
           <a:prstGeom prst="rect">
             <a:avLst/>
@@ -9545,7 +9664,7 @@
   <p:clrMapOvr>
     <a:masterClrMapping/>
   </p:clrMapOvr>
-  <p:transition xmlns:p14="http://schemas.microsoft.com/office/powerpoint/2010/main" spd="med" advClick="1" p14:dur="1000"/>
+  <p:transition xmlns:p14="http://schemas.microsoft.com/office/powerpoint/2010/main" spd="med" advClick="1"/>
 </p:sld>
 </file>
 
@@ -9779,7 +9898,7 @@
   <p:clrMapOvr>
     <a:masterClrMapping/>
   </p:clrMapOvr>
-  <p:transition xmlns:p14="http://schemas.microsoft.com/office/powerpoint/2010/main" spd="med" advClick="1" p14:dur="1000"/>
+  <p:transition xmlns:p14="http://schemas.microsoft.com/office/powerpoint/2010/main" spd="med" advClick="1"/>
 </p:sld>
 </file>
 
@@ -9802,7 +9921,7 @@
       </p:grpSpPr>
       <p:sp>
         <p:nvSpPr>
-          <p:cNvPr id="207" name="Shape 207"/>
+          <p:cNvPr id="202" name="Shape 202"/>
           <p:cNvSpPr/>
           <p:nvPr>
             <p:ph type="body" idx="1"/>
@@ -9832,7 +9951,7 @@
       </p:sp>
       <p:sp>
         <p:nvSpPr>
-          <p:cNvPr id="208" name="Shape 208"/>
+          <p:cNvPr id="203" name="Shape 203"/>
           <p:cNvSpPr/>
           <p:nvPr>
             <p:ph type="sldNum" sz="quarter" idx="2"/>
@@ -9863,7 +9982,7 @@
       </p:sp>
       <p:sp>
         <p:nvSpPr>
-          <p:cNvPr id="209" name="Shape 209"/>
+          <p:cNvPr id="204" name="Shape 204"/>
           <p:cNvSpPr/>
           <p:nvPr/>
         </p:nvSpPr>
@@ -9909,14 +10028,14 @@
           <a:p>
             <a:pPr/>
             <a:r>
-              <a:t>This Email looks urgent …</a:t>
+              <a:t>verify the link</a:t>
             </a:r>
           </a:p>
         </p:txBody>
       </p:sp>
       <p:pic>
         <p:nvPicPr>
-          <p:cNvPr id="210" name="phishing-email.png"/>
+          <p:cNvPr id="205" name="spearphishing_redacted.png"/>
           <p:cNvPicPr>
             <a:picLocks noChangeAspect="1"/>
           </p:cNvPicPr>
@@ -9932,8 +10051,8 @@
         </p:blipFill>
         <p:spPr>
           <a:xfrm>
-            <a:off x="1656747" y="1042485"/>
-            <a:ext cx="5830506" cy="5018554"/>
+            <a:off x="1115917" y="1018911"/>
+            <a:ext cx="6932985" cy="5065702"/>
           </a:xfrm>
           <a:prstGeom prst="rect">
             <a:avLst/>
@@ -9948,7 +10067,7 @@
   <p:clrMapOvr>
     <a:masterClrMapping/>
   </p:clrMapOvr>
-  <p:transition xmlns:p14="http://schemas.microsoft.com/office/powerpoint/2010/main" spd="med" advClick="1" p14:dur="1000"/>
+  <p:transition xmlns:p14="http://schemas.microsoft.com/office/powerpoint/2010/main" spd="med" advClick="1"/>
 </p:sld>
 </file>
 
@@ -9971,7 +10090,7 @@
       </p:grpSpPr>
       <p:sp>
         <p:nvSpPr>
-          <p:cNvPr id="214" name="Shape 214"/>
+          <p:cNvPr id="209" name="Shape 209"/>
           <p:cNvSpPr/>
           <p:nvPr>
             <p:ph type="body" idx="1"/>
@@ -9996,12 +10115,45 @@
                 <a:srgbClr val="000000"/>
               </a:buClr>
             </a:pPr>
-          </a:p>
-        </p:txBody>
-      </p:sp>
-      <p:sp>
-        <p:nvSpPr>
-          <p:cNvPr id="215" name="Shape 215"/>
+            <a:r>
+              <a:t>Verify the sender by hovering over the sender’s name.</a:t>
+            </a:r>
+          </a:p>
+          <a:p>
+            <a:pPr>
+              <a:spcBef>
+                <a:spcPts val="1200"/>
+              </a:spcBef>
+              <a:buClr>
+                <a:srgbClr val="000000"/>
+              </a:buClr>
+            </a:pPr>
+            <a:r>
+              <a:t>If this were legit, it should come from </a:t>
+            </a:r>
+            <a:r>
+              <a:rPr u="sng">
+                <a:solidFill>
+                  <a:srgbClr val="0000FF"/>
+                </a:solidFill>
+                <a:uFill>
+                  <a:solidFill>
+                    <a:srgbClr val="0000FF"/>
+                  </a:solidFill>
+                </a:uFill>
+                <a:hlinkClick r:id="rId3" invalidUrl="" action="" tgtFrame="" tooltip="" history="1" highlightClick="0" endSnd="0"/>
+              </a:rPr>
+              <a:t>squareup.com</a:t>
+            </a:r>
+            <a:r>
+              <a:t>, not eugenegilmote.net </a:t>
+            </a:r>
+          </a:p>
+        </p:txBody>
+      </p:sp>
+      <p:sp>
+        <p:nvSpPr>
+          <p:cNvPr id="210" name="Shape 210"/>
           <p:cNvSpPr/>
           <p:nvPr>
             <p:ph type="sldNum" sz="quarter" idx="2"/>
@@ -10032,7 +10184,7 @@
       </p:sp>
       <p:sp>
         <p:nvSpPr>
-          <p:cNvPr id="216" name="Shape 216"/>
+          <p:cNvPr id="211" name="Shape 211"/>
           <p:cNvSpPr/>
           <p:nvPr/>
         </p:nvSpPr>
@@ -10078,32 +10230,31 @@
           <a:p>
             <a:pPr/>
             <a:r>
-              <a:t>… but be careful</a:t>
+              <a:t>verify the sender</a:t>
             </a:r>
           </a:p>
         </p:txBody>
       </p:sp>
       <p:pic>
         <p:nvPicPr>
-          <p:cNvPr id="217" name="google-phishing.jpg"/>
+          <p:cNvPr id="212" name="uuu_phishingemail1.png"/>
           <p:cNvPicPr>
             <a:picLocks noChangeAspect="1"/>
           </p:cNvPicPr>
           <p:nvPr/>
         </p:nvPicPr>
         <p:blipFill>
-          <a:blip r:embed="rId3">
+          <a:blip r:embed="rId4">
             <a:extLst/>
           </a:blip>
-          <a:srcRect l="5074" t="0" r="0" b="0"/>
           <a:stretch>
             <a:fillRect/>
           </a:stretch>
         </p:blipFill>
         <p:spPr>
           <a:xfrm>
-            <a:off x="2347926" y="1307638"/>
-            <a:ext cx="4216360" cy="4488249"/>
+            <a:off x="-1" y="3716343"/>
+            <a:ext cx="9144001" cy="2023355"/>
           </a:xfrm>
           <a:prstGeom prst="rect">
             <a:avLst/>
@@ -10118,7 +10269,7 @@
   <p:clrMapOvr>
     <a:masterClrMapping/>
   </p:clrMapOvr>
-  <p:transition xmlns:p14="http://schemas.microsoft.com/office/powerpoint/2010/main" spd="med" advClick="1" p14:dur="1000"/>
+  <p:transition xmlns:p14="http://schemas.microsoft.com/office/powerpoint/2010/main" spd="med" advClick="1"/>
 </p:sld>
 </file>
 
@@ -10141,7 +10292,37 @@
       </p:grpSpPr>
       <p:sp>
         <p:nvSpPr>
-          <p:cNvPr id="221" name="Shape 221"/>
+          <p:cNvPr id="216" name="Shape 216"/>
+          <p:cNvSpPr/>
+          <p:nvPr>
+            <p:ph type="body" idx="1"/>
+          </p:nvPr>
+        </p:nvSpPr>
+        <p:spPr>
+          <a:prstGeom prst="rect">
+            <a:avLst/>
+          </a:prstGeom>
+        </p:spPr>
+        <p:txBody>
+          <a:bodyPr>
+            <a:normAutofit fontScale="100000" lnSpcReduction="0"/>
+          </a:bodyPr>
+          <a:lstStyle/>
+          <a:p>
+            <a:pPr>
+              <a:spcBef>
+                <a:spcPts val="1200"/>
+              </a:spcBef>
+              <a:buClr>
+                <a:srgbClr val="000000"/>
+              </a:buClr>
+            </a:pPr>
+          </a:p>
+        </p:txBody>
+      </p:sp>
+      <p:sp>
+        <p:nvSpPr>
+          <p:cNvPr id="217" name="Shape 217"/>
           <p:cNvSpPr/>
           <p:nvPr>
             <p:ph type="sldNum" sz="quarter" idx="2"/>
@@ -10172,14 +10353,14 @@
       </p:sp>
       <p:sp>
         <p:nvSpPr>
-          <p:cNvPr id="222" name="Shape 222"/>
+          <p:cNvPr id="218" name="Shape 218"/>
           <p:cNvSpPr/>
           <p:nvPr/>
         </p:nvSpPr>
         <p:spPr>
           <a:xfrm>
-            <a:off x="-2124" y="2466705"/>
-            <a:ext cx="9148248" cy="812482"/>
+            <a:off x="0" y="206107"/>
+            <a:ext cx="8686800" cy="812483"/>
           </a:xfrm>
           <a:prstGeom prst="rect">
             <a:avLst/>
@@ -10203,11 +10384,11 @@
             <a:normAutofit fontScale="100000" lnSpcReduction="0"/>
           </a:bodyPr>
           <a:lstStyle>
-            <a:lvl1pPr algn="ctr" defTabSz="333756">
-              <a:spcBef>
-                <a:spcPts val="700"/>
-              </a:spcBef>
-              <a:defRPr cap="all" sz="2920">
+            <a:lvl1pPr>
+              <a:spcBef>
+                <a:spcPts val="900"/>
+              </a:spcBef>
+              <a:defRPr cap="all" sz="4000">
                 <a:latin typeface="+mn-lt"/>
                 <a:ea typeface="+mn-ea"/>
                 <a:cs typeface="+mn-cs"/>
@@ -10218,17 +10399,46 @@
           <a:p>
             <a:pPr/>
             <a:r>
-              <a:t>recognizing &amp; avoiding fraudulent websites</a:t>
-            </a:r>
-          </a:p>
-        </p:txBody>
-      </p:sp>
+              <a:t>verify the link</a:t>
+            </a:r>
+          </a:p>
+        </p:txBody>
+      </p:sp>
+      <p:pic>
+        <p:nvPicPr>
+          <p:cNvPr id="219" name="uuu_phishingemail.png"/>
+          <p:cNvPicPr>
+            <a:picLocks noChangeAspect="1"/>
+          </p:cNvPicPr>
+          <p:nvPr/>
+        </p:nvPicPr>
+        <p:blipFill>
+          <a:blip r:embed="rId3">
+            <a:extLst/>
+          </a:blip>
+          <a:stretch>
+            <a:fillRect/>
+          </a:stretch>
+        </p:blipFill>
+        <p:spPr>
+          <a:xfrm>
+            <a:off x="0" y="1042998"/>
+            <a:ext cx="9144000" cy="4772004"/>
+          </a:xfrm>
+          <a:prstGeom prst="rect">
+            <a:avLst/>
+          </a:prstGeom>
+          <a:ln w="12700">
+            <a:miter lim="400000"/>
+          </a:ln>
+        </p:spPr>
+      </p:pic>
     </p:spTree>
   </p:cSld>
   <p:clrMapOvr>
     <a:masterClrMapping/>
   </p:clrMapOvr>
-  <p:transition xmlns:p14="http://schemas.microsoft.com/office/powerpoint/2010/main" spd="med" advClick="1" p14:dur="1000"/>
+  <p:transition xmlns:p14="http://schemas.microsoft.com/office/powerpoint/2010/main" spd="med" advClick="1"/>
 </p:sld>
 </file>
 
@@ -10251,7 +10461,7 @@
       </p:grpSpPr>
       <p:sp>
         <p:nvSpPr>
-          <p:cNvPr id="224" name="Shape 224"/>
+          <p:cNvPr id="223" name="Shape 223"/>
           <p:cNvSpPr/>
           <p:nvPr>
             <p:ph type="body" idx="1"/>
@@ -10276,12 +10486,67 @@
                 <a:srgbClr val="000000"/>
               </a:buClr>
             </a:pPr>
-          </a:p>
-        </p:txBody>
-      </p:sp>
-      <p:sp>
-        <p:nvSpPr>
-          <p:cNvPr id="225" name="Shape 225"/>
+            <a:r>
+              <a:t>Be skeptical! They’re trying to trick you!</a:t>
+            </a:r>
+          </a:p>
+          <a:p>
+            <a:pPr lvl="1" marL="800100" indent="-342900">
+              <a:spcBef>
+                <a:spcPts val="1200"/>
+              </a:spcBef>
+              <a:buClr>
+                <a:srgbClr val="000000"/>
+              </a:buClr>
+              <a:buChar char="•"/>
+            </a:pPr>
+            <a:r>
+              <a:t>Verify the sender’s email</a:t>
+            </a:r>
+          </a:p>
+          <a:p>
+            <a:pPr lvl="1" marL="800100" indent="-342900">
+              <a:spcBef>
+                <a:spcPts val="1200"/>
+              </a:spcBef>
+              <a:buClr>
+                <a:srgbClr val="000000"/>
+              </a:buClr>
+              <a:buChar char="•"/>
+            </a:pPr>
+            <a:r>
+              <a:t>Hover over links to find out where they go before you click</a:t>
+            </a:r>
+          </a:p>
+          <a:p>
+            <a:pPr lvl="1" marL="800100" indent="-342900">
+              <a:spcBef>
+                <a:spcPts val="1200"/>
+              </a:spcBef>
+              <a:buClr>
+                <a:srgbClr val="000000"/>
+              </a:buClr>
+              <a:buChar char="•"/>
+            </a:pPr>
+          </a:p>
+          <a:p>
+            <a:pPr>
+              <a:spcBef>
+                <a:spcPts val="1200"/>
+              </a:spcBef>
+              <a:buClr>
+                <a:srgbClr val="000000"/>
+              </a:buClr>
+            </a:pPr>
+            <a:r>
+              <a:t>If you think an email is fraudulent, DELETE!</a:t>
+            </a:r>
+          </a:p>
+        </p:txBody>
+      </p:sp>
+      <p:sp>
+        <p:nvSpPr>
+          <p:cNvPr id="224" name="Shape 224"/>
           <p:cNvSpPr/>
           <p:nvPr>
             <p:ph type="sldNum" sz="quarter" idx="2"/>
@@ -10312,7 +10577,7 @@
       </p:sp>
       <p:sp>
         <p:nvSpPr>
-          <p:cNvPr id="226" name="Shape 226"/>
+          <p:cNvPr id="225" name="Shape 225"/>
           <p:cNvSpPr/>
           <p:nvPr/>
         </p:nvSpPr>
@@ -10343,11 +10608,11 @@
             <a:normAutofit fontScale="100000" lnSpcReduction="0"/>
           </a:bodyPr>
           <a:lstStyle>
-            <a:lvl1pPr defTabSz="452627">
+            <a:lvl1pPr>
               <a:spcBef>
                 <a:spcPts val="900"/>
               </a:spcBef>
-              <a:defRPr cap="all" sz="3959">
+              <a:defRPr cap="all" sz="4000">
                 <a:latin typeface="+mn-lt"/>
                 <a:ea typeface="+mn-ea"/>
                 <a:cs typeface="+mn-cs"/>
@@ -10358,46 +10623,17 @@
           <a:p>
             <a:pPr/>
             <a:r>
-              <a:t>fraudulent sites look very real</a:t>
-            </a:r>
-          </a:p>
-        </p:txBody>
-      </p:sp>
-      <p:pic>
-        <p:nvPicPr>
-          <p:cNvPr id="227" name="phishing-boa.jpg"/>
-          <p:cNvPicPr>
-            <a:picLocks noChangeAspect="1"/>
-          </p:cNvPicPr>
-          <p:nvPr/>
-        </p:nvPicPr>
-        <p:blipFill>
-          <a:blip r:embed="rId3">
-            <a:extLst/>
-          </a:blip>
-          <a:stretch>
-            <a:fillRect/>
-          </a:stretch>
-        </p:blipFill>
-        <p:spPr>
-          <a:xfrm>
-            <a:off x="1197192" y="1182873"/>
-            <a:ext cx="6749616" cy="4737778"/>
-          </a:xfrm>
-          <a:prstGeom prst="rect">
-            <a:avLst/>
-          </a:prstGeom>
-          <a:ln w="12700">
-            <a:miter lim="400000"/>
-          </a:ln>
-        </p:spPr>
-      </p:pic>
+              <a:t>Let’s review</a:t>
+            </a:r>
+          </a:p>
+        </p:txBody>
+      </p:sp>
     </p:spTree>
   </p:cSld>
   <p:clrMapOvr>
     <a:masterClrMapping/>
   </p:clrMapOvr>
-  <p:transition xmlns:p14="http://schemas.microsoft.com/office/powerpoint/2010/main" spd="med" advClick="1" p14:dur="1000"/>
+  <p:transition xmlns:p14="http://schemas.microsoft.com/office/powerpoint/2010/main" spd="med" advClick="1"/>
 </p:sld>
 </file>
 
@@ -10420,7 +10656,7 @@
       </p:grpSpPr>
       <p:sp>
         <p:nvSpPr>
-          <p:cNvPr id="231" name="Shape 231"/>
+          <p:cNvPr id="229" name="Shape 229"/>
           <p:cNvSpPr/>
           <p:nvPr>
             <p:ph type="body" idx="1"/>
@@ -10445,35 +10681,12 @@
                 <a:srgbClr val="000000"/>
               </a:buClr>
             </a:pPr>
-            <a:r>
-              <a:t>1) The padlock tells me the </a:t>
-            </a:r>
-            <a:r>
-              <a:rPr b="1"/>
-              <a:t>connection</a:t>
-            </a:r>
-            <a:r>
-              <a:t> is secure, not necessarily that the site is legit</a:t>
-            </a:r>
-          </a:p>
-          <a:p>
-            <a:pPr>
-              <a:spcBef>
-                <a:spcPts val="1200"/>
-              </a:spcBef>
-              <a:buClr>
-                <a:srgbClr val="000000"/>
-              </a:buClr>
-            </a:pPr>
-            <a:r>
-              <a:t>2) The S at the end of http also means the connection is secure, not necessarily that the site is legit</a:t>
-            </a:r>
-          </a:p>
-        </p:txBody>
-      </p:sp>
-      <p:sp>
-        <p:nvSpPr>
-          <p:cNvPr id="232" name="Shape 232"/>
+          </a:p>
+        </p:txBody>
+      </p:sp>
+      <p:sp>
+        <p:nvSpPr>
+          <p:cNvPr id="230" name="Shape 230"/>
           <p:cNvSpPr/>
           <p:nvPr>
             <p:ph type="sldNum" sz="quarter" idx="2"/>
@@ -10504,7 +10717,7 @@
       </p:sp>
       <p:sp>
         <p:nvSpPr>
-          <p:cNvPr id="233" name="Shape 233"/>
+          <p:cNvPr id="231" name="Shape 231"/>
           <p:cNvSpPr/>
           <p:nvPr/>
         </p:nvSpPr>
@@ -10535,11 +10748,11 @@
             <a:normAutofit fontScale="100000" lnSpcReduction="0"/>
           </a:bodyPr>
           <a:lstStyle>
-            <a:lvl1pPr>
-              <a:spcBef>
-                <a:spcPts val="900"/>
-              </a:spcBef>
-              <a:defRPr cap="all" sz="4000">
+            <a:lvl1pPr defTabSz="329184">
+              <a:spcBef>
+                <a:spcPts val="600"/>
+              </a:spcBef>
+              <a:defRPr cap="all" sz="2880">
                 <a:latin typeface="+mn-lt"/>
                 <a:ea typeface="+mn-ea"/>
                 <a:cs typeface="+mn-cs"/>
@@ -10550,14 +10763,14 @@
           <a:p>
             <a:pPr/>
             <a:r>
-              <a:t>SO how to verify a url?</a:t>
+              <a:t>watch out for phishing text messages, too</a:t>
             </a:r>
           </a:p>
         </p:txBody>
       </p:sp>
       <p:pic>
         <p:nvPicPr>
-          <p:cNvPr id="234" name="secure-https-example.png"/>
+          <p:cNvPr id="232" name="phising-text.jpg"/>
           <p:cNvPicPr>
             <a:picLocks noChangeAspect="1"/>
           </p:cNvPicPr>
@@ -10573,8 +10786,8 @@
         </p:blipFill>
         <p:spPr>
           <a:xfrm>
-            <a:off x="0" y="4505700"/>
-            <a:ext cx="9144000" cy="1233998"/>
+            <a:off x="3141041" y="1178235"/>
+            <a:ext cx="2861918" cy="5079903"/>
           </a:xfrm>
           <a:prstGeom prst="rect">
             <a:avLst/>
@@ -10589,7 +10802,7 @@
   <p:clrMapOvr>
     <a:masterClrMapping/>
   </p:clrMapOvr>
-  <p:transition xmlns:p14="http://schemas.microsoft.com/office/powerpoint/2010/main" spd="med" advClick="1" p14:dur="1000"/>
+  <p:transition xmlns:p14="http://schemas.microsoft.com/office/powerpoint/2010/main" spd="med" advClick="1"/>
 </p:sld>
 </file>
 
@@ -10612,7 +10825,7 @@
       </p:grpSpPr>
       <p:sp>
         <p:nvSpPr>
-          <p:cNvPr id="238" name="Shape 238"/>
+          <p:cNvPr id="236" name="Shape 236"/>
           <p:cNvSpPr/>
           <p:nvPr>
             <p:ph type="body" idx="1"/>
@@ -10637,38 +10850,12 @@
                 <a:srgbClr val="000000"/>
               </a:buClr>
             </a:pPr>
-            <a:r>
-              <a:t>Many legitimate sites are not configured to use https for secure connections, and that’s okay.</a:t>
-            </a:r>
-          </a:p>
-          <a:p>
-            <a:pPr>
-              <a:spcBef>
-                <a:spcPts val="1200"/>
-              </a:spcBef>
-              <a:buClr>
-                <a:srgbClr val="000000"/>
-              </a:buClr>
-            </a:pPr>
-          </a:p>
-          <a:p>
-            <a:pPr>
-              <a:spcBef>
-                <a:spcPts val="1200"/>
-              </a:spcBef>
-              <a:buClr>
-                <a:srgbClr val="000000"/>
-              </a:buClr>
-            </a:pPr>
-            <a:r>
-              <a:t>But if the connection is NOT secure, then entering your username, password, and any sensitive data is NOT recommended.</a:t>
-            </a:r>
-          </a:p>
-        </p:txBody>
-      </p:sp>
-      <p:sp>
-        <p:nvSpPr>
-          <p:cNvPr id="239" name="Shape 239"/>
+          </a:p>
+        </p:txBody>
+      </p:sp>
+      <p:sp>
+        <p:nvSpPr>
+          <p:cNvPr id="237" name="Shape 237"/>
           <p:cNvSpPr/>
           <p:nvPr>
             <p:ph type="sldNum" sz="quarter" idx="2"/>
@@ -10699,7 +10886,7 @@
       </p:sp>
       <p:sp>
         <p:nvSpPr>
-          <p:cNvPr id="240" name="Shape 240"/>
+          <p:cNvPr id="238" name="Shape 238"/>
           <p:cNvSpPr/>
           <p:nvPr/>
         </p:nvSpPr>
@@ -10745,14 +10932,14 @@
           <a:p>
             <a:pPr/>
             <a:r>
-              <a:t>https isn’t everywhere</a:t>
+              <a:t>This Email looks urgent …</a:t>
             </a:r>
           </a:p>
         </p:txBody>
       </p:sp>
       <p:pic>
         <p:nvPicPr>
-          <p:cNvPr id="241" name="secure-https-example.png"/>
+          <p:cNvPr id="239" name="phishing-email.png"/>
           <p:cNvPicPr>
             <a:picLocks noChangeAspect="1"/>
           </p:cNvPicPr>
@@ -10768,8 +10955,8 @@
         </p:blipFill>
         <p:spPr>
           <a:xfrm>
-            <a:off x="0" y="4505700"/>
-            <a:ext cx="9144000" cy="1233998"/>
+            <a:off x="1656747" y="1042485"/>
+            <a:ext cx="5830506" cy="5018554"/>
           </a:xfrm>
           <a:prstGeom prst="rect">
             <a:avLst/>
@@ -10784,7 +10971,7 @@
   <p:clrMapOvr>
     <a:masterClrMapping/>
   </p:clrMapOvr>
-  <p:transition xmlns:p14="http://schemas.microsoft.com/office/powerpoint/2010/main" spd="med" advClick="1" p14:dur="1000"/>
+  <p:transition xmlns:p14="http://schemas.microsoft.com/office/powerpoint/2010/main" spd="med" advClick="1"/>
 </p:sld>
 </file>
 
@@ -10807,7 +10994,7 @@
       </p:grpSpPr>
       <p:sp>
         <p:nvSpPr>
-          <p:cNvPr id="245" name="Shape 245"/>
+          <p:cNvPr id="243" name="Shape 243"/>
           <p:cNvSpPr/>
           <p:nvPr>
             <p:ph type="body" idx="1"/>
@@ -10832,58 +11019,12 @@
                 <a:srgbClr val="000000"/>
               </a:buClr>
             </a:pPr>
-            <a:r>
-              <a:t>3) Most important is the URL, specifically:</a:t>
-            </a:r>
-          </a:p>
-          <a:p>
-            <a:pPr lvl="1" marL="800100" indent="-342900">
-              <a:spcBef>
-                <a:spcPts val="1200"/>
-              </a:spcBef>
-              <a:buClr>
-                <a:srgbClr val="000000"/>
-              </a:buClr>
-              <a:buChar char="•"/>
-            </a:pPr>
-            <a:r>
-              <a:t>The top-level domain (example: </a:t>
-            </a:r>
-            <a:r>
-              <a:rPr b="1"/>
-              <a:t>.com</a:t>
-            </a:r>
-            <a:r>
-              <a:t>)</a:t>
-            </a:r>
-            <a:endParaRPr b="1"/>
-          </a:p>
-          <a:p>
-            <a:pPr lvl="1" marL="800100" indent="-342900">
-              <a:spcBef>
-                <a:spcPts val="1200"/>
-              </a:spcBef>
-              <a:buClr>
-                <a:srgbClr val="000000"/>
-              </a:buClr>
-              <a:buChar char="•"/>
-            </a:pPr>
-            <a:r>
-              <a:t>The second-level domain (what comes immediately before the top-level domain, here: </a:t>
-            </a:r>
-            <a:r>
-              <a:rPr b="1"/>
-              <a:t>google</a:t>
-            </a:r>
-            <a:r>
-              <a:t>)</a:t>
-            </a:r>
-          </a:p>
-        </p:txBody>
-      </p:sp>
-      <p:sp>
-        <p:nvSpPr>
-          <p:cNvPr id="246" name="Shape 246"/>
+          </a:p>
+        </p:txBody>
+      </p:sp>
+      <p:sp>
+        <p:nvSpPr>
+          <p:cNvPr id="244" name="Shape 244"/>
           <p:cNvSpPr/>
           <p:nvPr>
             <p:ph type="sldNum" sz="quarter" idx="2"/>
@@ -10914,7 +11055,7 @@
       </p:sp>
       <p:sp>
         <p:nvSpPr>
-          <p:cNvPr id="247" name="Shape 247"/>
+          <p:cNvPr id="245" name="Shape 245"/>
           <p:cNvSpPr/>
           <p:nvPr/>
         </p:nvSpPr>
@@ -10960,14 +11101,14 @@
           <a:p>
             <a:pPr/>
             <a:r>
-              <a:t>SO how to verify a url?</a:t>
+              <a:t>… but be careful</a:t>
             </a:r>
           </a:p>
         </p:txBody>
       </p:sp>
       <p:pic>
         <p:nvPicPr>
-          <p:cNvPr id="248" name="secure-https-example.png"/>
+          <p:cNvPr id="246" name="google-phishing.jpg"/>
           <p:cNvPicPr>
             <a:picLocks noChangeAspect="1"/>
           </p:cNvPicPr>
@@ -10977,14 +11118,15 @@
           <a:blip r:embed="rId3">
             <a:extLst/>
           </a:blip>
+          <a:srcRect l="5074" t="0" r="0" b="0"/>
           <a:stretch>
             <a:fillRect/>
           </a:stretch>
         </p:blipFill>
         <p:spPr>
           <a:xfrm>
-            <a:off x="0" y="4505700"/>
-            <a:ext cx="9144000" cy="1233998"/>
+            <a:off x="2347926" y="1307638"/>
+            <a:ext cx="4216360" cy="4488249"/>
           </a:xfrm>
           <a:prstGeom prst="rect">
             <a:avLst/>
@@ -10999,7 +11141,7 @@
   <p:clrMapOvr>
     <a:masterClrMapping/>
   </p:clrMapOvr>
-  <p:transition xmlns:p14="http://schemas.microsoft.com/office/powerpoint/2010/main" spd="med" advClick="1" p14:dur="1000"/>
+  <p:transition xmlns:p14="http://schemas.microsoft.com/office/powerpoint/2010/main" spd="med" advClick="1"/>
 </p:sld>
 </file>
 
@@ -11022,109 +11164,7 @@
       </p:grpSpPr>
       <p:sp>
         <p:nvSpPr>
-          <p:cNvPr id="252" name="Shape 252"/>
-          <p:cNvSpPr/>
-          <p:nvPr>
-            <p:ph type="body" idx="1"/>
-          </p:nvPr>
-        </p:nvSpPr>
-        <p:spPr>
-          <a:prstGeom prst="rect">
-            <a:avLst/>
-          </a:prstGeom>
-        </p:spPr>
-        <p:txBody>
-          <a:bodyPr>
-            <a:normAutofit fontScale="100000" lnSpcReduction="0"/>
-          </a:bodyPr>
-          <a:lstStyle/>
-          <a:p>
-            <a:pPr marL="281177" indent="-281177" defTabSz="374904">
-              <a:spcBef>
-                <a:spcPts val="900"/>
-              </a:spcBef>
-              <a:buClr>
-                <a:srgbClr val="000000"/>
-              </a:buClr>
-              <a:defRPr sz="2624"/>
-            </a:pPr>
-            <a:r>
-              <a:t>https://mygoogleacount.com/securityAlert</a:t>
-            </a:r>
-            <a:br/>
-          </a:p>
-          <a:p>
-            <a:pPr marL="281177" indent="-281177" defTabSz="374904">
-              <a:spcBef>
-                <a:spcPts val="900"/>
-              </a:spcBef>
-              <a:buClr>
-                <a:srgbClr val="000000"/>
-              </a:buClr>
-              <a:defRPr sz="2624"/>
-            </a:pPr>
-            <a:r>
-              <a:t>https://bankofarnerica.com/sign-in/index.php</a:t>
-            </a:r>
-            <a:br/>
-          </a:p>
-          <a:p>
-            <a:pPr marL="281177" indent="-281177" defTabSz="374904">
-              <a:spcBef>
-                <a:spcPts val="900"/>
-              </a:spcBef>
-              <a:buClr>
-                <a:srgbClr val="000000"/>
-              </a:buClr>
-              <a:defRPr sz="2624"/>
-            </a:pPr>
-            <a:r>
-              <a:t>https://onlinebanking.wellsfargo.wells-fargo-online-banking.com/myaccount.aspx</a:t>
-            </a:r>
-            <a:br/>
-          </a:p>
-          <a:p>
-            <a:pPr marL="281177" indent="-281177" defTabSz="374904">
-              <a:spcBef>
-                <a:spcPts val="900"/>
-              </a:spcBef>
-              <a:buClr>
-                <a:srgbClr val="000000"/>
-              </a:buClr>
-              <a:defRPr sz="2624"/>
-            </a:pPr>
-            <a:r>
-              <a:t>https://twitter.com.twitter-followers.link/unfollowers</a:t>
-            </a:r>
-            <a:br/>
-          </a:p>
-          <a:p>
-            <a:pPr marL="281177" indent="-281177" defTabSz="374904">
-              <a:spcBef>
-                <a:spcPts val="900"/>
-              </a:spcBef>
-              <a:buClr>
-                <a:srgbClr val="000000"/>
-              </a:buClr>
-              <a:defRPr sz="2624"/>
-            </a:pPr>
-            <a:r>
-              <a:rPr>
-                <a:solidFill>
-                  <a:srgbClr val="008F00"/>
-                </a:solidFill>
-              </a:rPr>
-              <a:t>https://myaccount.google.com/?utm_source=OGB</a:t>
-            </a:r>
-            <a:r>
-              <a:t> </a:t>
-            </a:r>
-          </a:p>
-        </p:txBody>
-      </p:sp>
-      <p:sp>
-        <p:nvSpPr>
-          <p:cNvPr id="253" name="Shape 253"/>
+          <p:cNvPr id="250" name="Shape 250"/>
           <p:cNvSpPr/>
           <p:nvPr>
             <p:ph type="sldNum" sz="quarter" idx="2"/>
@@ -11155,14 +11195,14 @@
       </p:sp>
       <p:sp>
         <p:nvSpPr>
-          <p:cNvPr id="254" name="Shape 254"/>
+          <p:cNvPr id="251" name="Shape 251"/>
           <p:cNvSpPr/>
           <p:nvPr/>
         </p:nvSpPr>
         <p:spPr>
           <a:xfrm>
-            <a:off x="0" y="206107"/>
-            <a:ext cx="8686800" cy="812483"/>
+            <a:off x="-2124" y="2466705"/>
+            <a:ext cx="9148248" cy="812482"/>
           </a:xfrm>
           <a:prstGeom prst="rect">
             <a:avLst/>
@@ -11186,11 +11226,11 @@
             <a:normAutofit fontScale="100000" lnSpcReduction="0"/>
           </a:bodyPr>
           <a:lstStyle>
-            <a:lvl1pPr>
-              <a:spcBef>
-                <a:spcPts val="900"/>
-              </a:spcBef>
-              <a:defRPr cap="all" sz="4000">
+            <a:lvl1pPr algn="ctr" defTabSz="333756">
+              <a:spcBef>
+                <a:spcPts val="700"/>
+              </a:spcBef>
+              <a:defRPr cap="all" sz="2920">
                 <a:latin typeface="+mn-lt"/>
                 <a:ea typeface="+mn-ea"/>
                 <a:cs typeface="+mn-cs"/>
@@ -11201,7 +11241,7 @@
           <a:p>
             <a:pPr/>
             <a:r>
-              <a:t>Fraudulent url examples</a:t>
+              <a:t>recognizing &amp; avoiding fraudulent websites</a:t>
             </a:r>
           </a:p>
         </p:txBody>
@@ -11211,7 +11251,7 @@
   <p:clrMapOvr>
     <a:masterClrMapping/>
   </p:clrMapOvr>
-  <p:transition xmlns:p14="http://schemas.microsoft.com/office/powerpoint/2010/main" spd="med" advClick="1" p14:dur="1000"/>
+  <p:transition xmlns:p14="http://schemas.microsoft.com/office/powerpoint/2010/main" spd="med" advClick="1"/>
 </p:sld>
 </file>
 
@@ -11234,7 +11274,37 @@
       </p:grpSpPr>
       <p:sp>
         <p:nvSpPr>
-          <p:cNvPr id="258" name="Shape 258"/>
+          <p:cNvPr id="253" name="Shape 253"/>
+          <p:cNvSpPr/>
+          <p:nvPr>
+            <p:ph type="body" idx="1"/>
+          </p:nvPr>
+        </p:nvSpPr>
+        <p:spPr>
+          <a:prstGeom prst="rect">
+            <a:avLst/>
+          </a:prstGeom>
+        </p:spPr>
+        <p:txBody>
+          <a:bodyPr>
+            <a:normAutofit fontScale="100000" lnSpcReduction="0"/>
+          </a:bodyPr>
+          <a:lstStyle/>
+          <a:p>
+            <a:pPr>
+              <a:spcBef>
+                <a:spcPts val="1200"/>
+              </a:spcBef>
+              <a:buClr>
+                <a:srgbClr val="000000"/>
+              </a:buClr>
+            </a:pPr>
+          </a:p>
+        </p:txBody>
+      </p:sp>
+      <p:sp>
+        <p:nvSpPr>
+          <p:cNvPr id="254" name="Shape 254"/>
           <p:cNvSpPr/>
           <p:nvPr>
             <p:ph type="sldNum" sz="quarter" idx="2"/>
@@ -11265,14 +11335,14 @@
       </p:sp>
       <p:sp>
         <p:nvSpPr>
-          <p:cNvPr id="259" name="Shape 259"/>
+          <p:cNvPr id="255" name="Shape 255"/>
           <p:cNvSpPr/>
           <p:nvPr/>
         </p:nvSpPr>
         <p:spPr>
           <a:xfrm>
-            <a:off x="-2124" y="2466705"/>
-            <a:ext cx="9148248" cy="812482"/>
+            <a:off x="0" y="206107"/>
+            <a:ext cx="8686800" cy="812483"/>
           </a:xfrm>
           <a:prstGeom prst="rect">
             <a:avLst/>
@@ -11296,11 +11366,11 @@
             <a:normAutofit fontScale="100000" lnSpcReduction="0"/>
           </a:bodyPr>
           <a:lstStyle>
-            <a:lvl1pPr algn="ctr" defTabSz="274320">
-              <a:spcBef>
-                <a:spcPts val="500"/>
-              </a:spcBef>
-              <a:defRPr cap="all" sz="2400">
+            <a:lvl1pPr defTabSz="452627">
+              <a:spcBef>
+                <a:spcPts val="900"/>
+              </a:spcBef>
+              <a:defRPr cap="all" sz="3959">
                 <a:latin typeface="+mn-lt"/>
                 <a:ea typeface="+mn-ea"/>
                 <a:cs typeface="+mn-cs"/>
@@ -11311,17 +11381,46 @@
           <a:p>
             <a:pPr/>
             <a:r>
-              <a:t>recognizing &amp; avoiding malicious email attachments</a:t>
-            </a:r>
-          </a:p>
-        </p:txBody>
-      </p:sp>
+              <a:t>fraudulent sites look very real</a:t>
+            </a:r>
+          </a:p>
+        </p:txBody>
+      </p:sp>
+      <p:pic>
+        <p:nvPicPr>
+          <p:cNvPr id="256" name="phishing-boa.jpg"/>
+          <p:cNvPicPr>
+            <a:picLocks noChangeAspect="1"/>
+          </p:cNvPicPr>
+          <p:nvPr/>
+        </p:nvPicPr>
+        <p:blipFill>
+          <a:blip r:embed="rId3">
+            <a:extLst/>
+          </a:blip>
+          <a:stretch>
+            <a:fillRect/>
+          </a:stretch>
+        </p:blipFill>
+        <p:spPr>
+          <a:xfrm>
+            <a:off x="1197192" y="1182873"/>
+            <a:ext cx="6749616" cy="4737778"/>
+          </a:xfrm>
+          <a:prstGeom prst="rect">
+            <a:avLst/>
+          </a:prstGeom>
+          <a:ln w="12700">
+            <a:miter lim="400000"/>
+          </a:ln>
+        </p:spPr>
+      </p:pic>
     </p:spTree>
   </p:cSld>
   <p:clrMapOvr>
     <a:masterClrMapping/>
   </p:clrMapOvr>
-  <p:transition xmlns:p14="http://schemas.microsoft.com/office/powerpoint/2010/main" spd="med" advClick="1" p14:dur="1000"/>
+  <p:transition xmlns:p14="http://schemas.microsoft.com/office/powerpoint/2010/main" spd="med" advClick="1"/>
 </p:sld>
 </file>
 
@@ -11344,7 +11443,7 @@
       </p:grpSpPr>
       <p:sp>
         <p:nvSpPr>
-          <p:cNvPr id="261" name="Shape 261"/>
+          <p:cNvPr id="260" name="Shape 260"/>
           <p:cNvSpPr/>
           <p:nvPr>
             <p:ph type="body" idx="1"/>
@@ -11370,7 +11469,14 @@
               </a:buClr>
             </a:pPr>
             <a:r>
-              <a:t>Clicking links in fraudulent emails will often lead to websites designed to steal your account credentials and/or infect your computer</a:t>
+              <a:t>1) The padlock tells me the </a:t>
+            </a:r>
+            <a:r>
+              <a:rPr b="1"/>
+              <a:t>connection</a:t>
+            </a:r>
+            <a:r>
+              <a:t> is secure, not necessarily that the site is legit</a:t>
             </a:r>
           </a:p>
           <a:p>
@@ -11382,25 +11488,15 @@
                 <a:srgbClr val="000000"/>
               </a:buClr>
             </a:pPr>
-          </a:p>
-          <a:p>
-            <a:pPr>
-              <a:spcBef>
-                <a:spcPts val="1200"/>
-              </a:spcBef>
-              <a:buClr>
-                <a:srgbClr val="000000"/>
-              </a:buClr>
-            </a:pPr>
-            <a:r>
-              <a:t>Downloading malicious attachments will infect your computer with a virus</a:t>
-            </a:r>
-          </a:p>
-        </p:txBody>
-      </p:sp>
-      <p:sp>
-        <p:nvSpPr>
-          <p:cNvPr id="262" name="Shape 262"/>
+            <a:r>
+              <a:t>2) The S at the end of http also means the connection is secure, not necessarily that the site is legit</a:t>
+            </a:r>
+          </a:p>
+        </p:txBody>
+      </p:sp>
+      <p:sp>
+        <p:nvSpPr>
+          <p:cNvPr id="261" name="Shape 261"/>
           <p:cNvSpPr/>
           <p:nvPr>
             <p:ph type="sldNum" sz="quarter" idx="2"/>
@@ -11431,7 +11527,7 @@
       </p:sp>
       <p:sp>
         <p:nvSpPr>
-          <p:cNvPr id="263" name="Shape 263"/>
+          <p:cNvPr id="262" name="Shape 262"/>
           <p:cNvSpPr/>
           <p:nvPr/>
         </p:nvSpPr>
@@ -11477,17 +11573,46 @@
           <a:p>
             <a:pPr/>
             <a:r>
-              <a:t>What’s the danger?</a:t>
-            </a:r>
-          </a:p>
-        </p:txBody>
-      </p:sp>
+              <a:t>SO how to verify a url?</a:t>
+            </a:r>
+          </a:p>
+        </p:txBody>
+      </p:sp>
+      <p:pic>
+        <p:nvPicPr>
+          <p:cNvPr id="263" name="secure-https-example.png"/>
+          <p:cNvPicPr>
+            <a:picLocks noChangeAspect="1"/>
+          </p:cNvPicPr>
+          <p:nvPr/>
+        </p:nvPicPr>
+        <p:blipFill>
+          <a:blip r:embed="rId3">
+            <a:extLst/>
+          </a:blip>
+          <a:stretch>
+            <a:fillRect/>
+          </a:stretch>
+        </p:blipFill>
+        <p:spPr>
+          <a:xfrm>
+            <a:off x="0" y="4505700"/>
+            <a:ext cx="9144000" cy="1233998"/>
+          </a:xfrm>
+          <a:prstGeom prst="rect">
+            <a:avLst/>
+          </a:prstGeom>
+          <a:ln w="12700">
+            <a:miter lim="400000"/>
+          </a:ln>
+        </p:spPr>
+      </p:pic>
     </p:spTree>
   </p:cSld>
   <p:clrMapOvr>
     <a:masterClrMapping/>
   </p:clrMapOvr>
-  <p:transition xmlns:p14="http://schemas.microsoft.com/office/powerpoint/2010/main" spd="med" advClick="1" p14:dur="1000"/>
+  <p:transition xmlns:p14="http://schemas.microsoft.com/office/powerpoint/2010/main" spd="med" advClick="1"/>
 </p:sld>
 </file>
 
@@ -11696,7 +11821,7 @@
   <p:clrMapOvr>
     <a:masterClrMapping/>
   </p:clrMapOvr>
-  <p:transition xmlns:p14="http://schemas.microsoft.com/office/powerpoint/2010/main" spd="med" advClick="1" p14:dur="1000"/>
+  <p:transition xmlns:p14="http://schemas.microsoft.com/office/powerpoint/2010/main" spd="med" advClick="1"/>
 </p:sld>
 </file>
 
@@ -11719,7 +11844,7 @@
       </p:grpSpPr>
       <p:sp>
         <p:nvSpPr>
-          <p:cNvPr id="265" name="Shape 265"/>
+          <p:cNvPr id="267" name="Shape 267"/>
           <p:cNvSpPr/>
           <p:nvPr>
             <p:ph type="body" idx="1"/>
@@ -11736,74 +11861,46 @@
           </a:bodyPr>
           <a:lstStyle/>
           <a:p>
-            <a:pPr marL="325754" indent="-325754" defTabSz="434340">
-              <a:spcBef>
-                <a:spcPts val="1100"/>
+            <a:pPr>
+              <a:spcBef>
+                <a:spcPts val="1200"/>
               </a:spcBef>
               <a:buClr>
                 <a:srgbClr val="000000"/>
               </a:buClr>
-              <a:defRPr sz="3040"/>
-            </a:pPr>
-            <a:r>
-              <a:t>Be careful with emails you weren’t expecting telling you to open a link or download an attachment</a:t>
-            </a:r>
-          </a:p>
-          <a:p>
-            <a:pPr marL="325754" indent="-325754" defTabSz="434340">
-              <a:spcBef>
-                <a:spcPts val="1100"/>
+            </a:pPr>
+            <a:r>
+              <a:t>Many legitimate sites are not configured to use https for secure connections, and that’s okay.</a:t>
+            </a:r>
+          </a:p>
+          <a:p>
+            <a:pPr>
+              <a:spcBef>
+                <a:spcPts val="1200"/>
               </a:spcBef>
               <a:buClr>
                 <a:srgbClr val="000000"/>
               </a:buClr>
-              <a:defRPr sz="3040"/>
-            </a:pPr>
-          </a:p>
-          <a:p>
-            <a:pPr marL="325754" indent="-325754" defTabSz="434340">
-              <a:spcBef>
-                <a:spcPts val="1100"/>
+            </a:pPr>
+          </a:p>
+          <a:p>
+            <a:pPr>
+              <a:spcBef>
+                <a:spcPts val="1200"/>
               </a:spcBef>
               <a:buClr>
                 <a:srgbClr val="000000"/>
               </a:buClr>
-              <a:defRPr sz="3040"/>
-            </a:pPr>
-            <a:r>
-              <a:t>Frequently they will appear to come from friends or colleagues</a:t>
-            </a:r>
-          </a:p>
-          <a:p>
-            <a:pPr marL="325754" indent="-325754" defTabSz="434340">
-              <a:spcBef>
-                <a:spcPts val="1100"/>
-              </a:spcBef>
-              <a:buClr>
-                <a:srgbClr val="000000"/>
-              </a:buClr>
-              <a:defRPr sz="3040"/>
-            </a:pPr>
-          </a:p>
-          <a:p>
-            <a:pPr marL="325754" indent="-325754" defTabSz="434340">
-              <a:spcBef>
-                <a:spcPts val="1100"/>
-              </a:spcBef>
-              <a:buClr>
-                <a:srgbClr val="000000"/>
-              </a:buClr>
-              <a:defRPr sz="3040"/>
-            </a:pPr>
-            <a:r>
-              <a:t>They’ll commonly have little or no explanation other than “click here” or “download this”</a:t>
-            </a:r>
-          </a:p>
-        </p:txBody>
-      </p:sp>
-      <p:sp>
-        <p:nvSpPr>
-          <p:cNvPr id="266" name="Shape 266"/>
+            </a:pPr>
+            <a:r>
+              <a:t>But if the connection is NOT secure, then entering your username, password, and any sensitive data is NOT recommended.</a:t>
+            </a:r>
+          </a:p>
+        </p:txBody>
+      </p:sp>
+      <p:sp>
+        <p:nvSpPr>
+          <p:cNvPr id="268" name="Shape 268"/>
           <p:cNvSpPr/>
           <p:nvPr>
             <p:ph type="sldNum" sz="quarter" idx="2"/>
@@ -11834,7 +11931,7 @@
       </p:sp>
       <p:sp>
         <p:nvSpPr>
-          <p:cNvPr id="267" name="Shape 267"/>
+          <p:cNvPr id="269" name="Shape 269"/>
           <p:cNvSpPr/>
           <p:nvPr/>
         </p:nvSpPr>
@@ -11865,11 +11962,11 @@
             <a:normAutofit fontScale="100000" lnSpcReduction="0"/>
           </a:bodyPr>
           <a:lstStyle>
-            <a:lvl1pPr defTabSz="370331">
-              <a:spcBef>
-                <a:spcPts val="700"/>
-              </a:spcBef>
-              <a:defRPr cap="all" sz="3240">
+            <a:lvl1pPr>
+              <a:spcBef>
+                <a:spcPts val="900"/>
+              </a:spcBef>
+              <a:defRPr cap="all" sz="4000">
                 <a:latin typeface="+mn-lt"/>
                 <a:ea typeface="+mn-ea"/>
                 <a:cs typeface="+mn-cs"/>
@@ -11880,17 +11977,46 @@
           <a:p>
             <a:pPr/>
             <a:r>
-              <a:t>email attachments can be dangerous</a:t>
-            </a:r>
-          </a:p>
-        </p:txBody>
-      </p:sp>
+              <a:t>https isn’t everywhere</a:t>
+            </a:r>
+          </a:p>
+        </p:txBody>
+      </p:sp>
+      <p:pic>
+        <p:nvPicPr>
+          <p:cNvPr id="270" name="secure-https-example.png"/>
+          <p:cNvPicPr>
+            <a:picLocks noChangeAspect="1"/>
+          </p:cNvPicPr>
+          <p:nvPr/>
+        </p:nvPicPr>
+        <p:blipFill>
+          <a:blip r:embed="rId3">
+            <a:extLst/>
+          </a:blip>
+          <a:stretch>
+            <a:fillRect/>
+          </a:stretch>
+        </p:blipFill>
+        <p:spPr>
+          <a:xfrm>
+            <a:off x="0" y="4505700"/>
+            <a:ext cx="9144000" cy="1233998"/>
+          </a:xfrm>
+          <a:prstGeom prst="rect">
+            <a:avLst/>
+          </a:prstGeom>
+          <a:ln w="12700">
+            <a:miter lim="400000"/>
+          </a:ln>
+        </p:spPr>
+      </p:pic>
     </p:spTree>
   </p:cSld>
   <p:clrMapOvr>
     <a:masterClrMapping/>
   </p:clrMapOvr>
-  <p:transition xmlns:p14="http://schemas.microsoft.com/office/powerpoint/2010/main" spd="med" advClick="1" p14:dur="1000"/>
+  <p:transition xmlns:p14="http://schemas.microsoft.com/office/powerpoint/2010/main" spd="med" advClick="1"/>
 </p:sld>
 </file>
 
@@ -11913,7 +12039,7 @@
       </p:grpSpPr>
       <p:sp>
         <p:nvSpPr>
-          <p:cNvPr id="271" name="Shape 271"/>
+          <p:cNvPr id="274" name="Shape 274"/>
           <p:cNvSpPr/>
           <p:nvPr>
             <p:ph type="body" idx="1"/>
@@ -11930,88 +12056,66 @@
           </a:bodyPr>
           <a:lstStyle/>
           <a:p>
-            <a:pPr marL="406400" indent="-406400" defTabSz="434340">
-              <a:spcBef>
-                <a:spcPts val="1100"/>
-              </a:spcBef>
-              <a:buFontTx/>
-              <a:buAutoNum type="arabicPeriod" startAt="1"/>
-              <a:defRPr sz="3040"/>
-            </a:pPr>
-            <a:r>
-              <a:t>Were you expecting the email?</a:t>
-            </a:r>
-          </a:p>
-          <a:p>
-            <a:pPr marL="406400" indent="-406400" defTabSz="434340">
-              <a:spcBef>
-                <a:spcPts val="1100"/>
-              </a:spcBef>
-              <a:buFontTx/>
-              <a:buAutoNum type="arabicPeriod" startAt="1"/>
-              <a:defRPr sz="3040"/>
-            </a:pPr>
-            <a:r>
-              <a:t>Is it from someone you know?</a:t>
-            </a:r>
-          </a:p>
-          <a:p>
-            <a:pPr marL="406400" indent="-406400" defTabSz="434340">
-              <a:spcBef>
-                <a:spcPts val="1100"/>
-              </a:spcBef>
-              <a:buFontTx/>
-              <a:buAutoNum type="arabicPeriod" startAt="1"/>
-              <a:defRPr sz="3040"/>
-            </a:pPr>
-            <a:r>
-              <a:t>Can you verify they sent it? </a:t>
-            </a:r>
-          </a:p>
-          <a:p>
-            <a:pPr marL="406400" indent="-406400" defTabSz="434340">
-              <a:spcBef>
-                <a:spcPts val="1100"/>
-              </a:spcBef>
-              <a:buFontTx/>
-              <a:buAutoNum type="arabicPeriod" startAt="1"/>
-              <a:defRPr sz="3040"/>
-            </a:pPr>
-            <a:r>
-              <a:t>Check the reply-to address. Was it actually from them?</a:t>
-            </a:r>
-          </a:p>
-          <a:p>
-            <a:pPr marL="406400" indent="-406400" defTabSz="434340">
-              <a:spcBef>
-                <a:spcPts val="1100"/>
-              </a:spcBef>
-              <a:buFontTx/>
-              <a:buAutoNum type="arabicPeriod" startAt="1"/>
-              <a:defRPr sz="3040"/>
-            </a:pPr>
-            <a:r>
-              <a:t>Is it possible their email address is compromised?</a:t>
-            </a:r>
-          </a:p>
-          <a:p>
-            <a:pPr marL="406400" indent="-406400" defTabSz="434340">
-              <a:spcBef>
-                <a:spcPts val="1100"/>
-              </a:spcBef>
-              <a:buFontTx/>
-              <a:buAutoNum type="arabicPeriod" startAt="1"/>
-              <a:defRPr b="1" sz="3040"/>
-            </a:pPr>
-            <a:r>
-              <a:t>Is it from someone you haven’t heard from in a long time?</a:t>
-            </a:r>
-          </a:p>
-        </p:txBody>
-      </p:sp>
-      <p:sp>
-        <p:nvSpPr>
-          <p:cNvPr id="272" name="Shape 272"/>
+            <a:pPr>
+              <a:spcBef>
+                <a:spcPts val="1200"/>
+              </a:spcBef>
+              <a:buClr>
+                <a:srgbClr val="000000"/>
+              </a:buClr>
+            </a:pPr>
+            <a:r>
+              <a:t>3) Most important is the URL, specifically:</a:t>
+            </a:r>
+          </a:p>
+          <a:p>
+            <a:pPr lvl="1" marL="800100" indent="-342900">
+              <a:spcBef>
+                <a:spcPts val="1200"/>
+              </a:spcBef>
+              <a:buClr>
+                <a:srgbClr val="000000"/>
+              </a:buClr>
+              <a:buChar char="•"/>
+            </a:pPr>
+            <a:r>
+              <a:t>The top-level domain (example: </a:t>
+            </a:r>
+            <a:r>
+              <a:rPr b="1"/>
+              <a:t>.com</a:t>
+            </a:r>
+            <a:r>
+              <a:t>)</a:t>
+            </a:r>
+            <a:endParaRPr b="1"/>
+          </a:p>
+          <a:p>
+            <a:pPr lvl="1" marL="800100" indent="-342900">
+              <a:spcBef>
+                <a:spcPts val="1200"/>
+              </a:spcBef>
+              <a:buClr>
+                <a:srgbClr val="000000"/>
+              </a:buClr>
+              <a:buChar char="•"/>
+            </a:pPr>
+            <a:r>
+              <a:t>The second-level domain (what comes immediately before the top-level domain, here: </a:t>
+            </a:r>
+            <a:r>
+              <a:rPr b="1"/>
+              <a:t>google</a:t>
+            </a:r>
+            <a:r>
+              <a:t>)</a:t>
+            </a:r>
+          </a:p>
+        </p:txBody>
+      </p:sp>
+      <p:sp>
+        <p:nvSpPr>
+          <p:cNvPr id="275" name="Shape 275"/>
           <p:cNvSpPr/>
           <p:nvPr>
             <p:ph type="sldNum" sz="quarter" idx="2"/>
@@ -12042,7 +12146,7 @@
       </p:sp>
       <p:sp>
         <p:nvSpPr>
-          <p:cNvPr id="273" name="Shape 273"/>
+          <p:cNvPr id="276" name="Shape 276"/>
           <p:cNvSpPr/>
           <p:nvPr/>
         </p:nvSpPr>
@@ -12073,11 +12177,11 @@
             <a:normAutofit fontScale="100000" lnSpcReduction="0"/>
           </a:bodyPr>
           <a:lstStyle>
-            <a:lvl1pPr defTabSz="292607">
-              <a:spcBef>
-                <a:spcPts val="600"/>
-              </a:spcBef>
-              <a:defRPr cap="all" sz="2559">
+            <a:lvl1pPr>
+              <a:spcBef>
+                <a:spcPts val="900"/>
+              </a:spcBef>
+              <a:defRPr cap="all" sz="4000">
                 <a:latin typeface="+mn-lt"/>
                 <a:ea typeface="+mn-ea"/>
                 <a:cs typeface="+mn-cs"/>
@@ -12088,17 +12192,46 @@
           <a:p>
             <a:pPr/>
             <a:r>
-              <a:t>ask yourself before downloading attachments</a:t>
-            </a:r>
-          </a:p>
-        </p:txBody>
-      </p:sp>
+              <a:t>SO how to verify a url?</a:t>
+            </a:r>
+          </a:p>
+        </p:txBody>
+      </p:sp>
+      <p:pic>
+        <p:nvPicPr>
+          <p:cNvPr id="277" name="secure-https-example.png"/>
+          <p:cNvPicPr>
+            <a:picLocks noChangeAspect="1"/>
+          </p:cNvPicPr>
+          <p:nvPr/>
+        </p:nvPicPr>
+        <p:blipFill>
+          <a:blip r:embed="rId3">
+            <a:extLst/>
+          </a:blip>
+          <a:stretch>
+            <a:fillRect/>
+          </a:stretch>
+        </p:blipFill>
+        <p:spPr>
+          <a:xfrm>
+            <a:off x="0" y="4505700"/>
+            <a:ext cx="9144000" cy="1233998"/>
+          </a:xfrm>
+          <a:prstGeom prst="rect">
+            <a:avLst/>
+          </a:prstGeom>
+          <a:ln w="12700">
+            <a:miter lim="400000"/>
+          </a:ln>
+        </p:spPr>
+      </p:pic>
     </p:spTree>
   </p:cSld>
   <p:clrMapOvr>
     <a:masterClrMapping/>
   </p:clrMapOvr>
-  <p:transition xmlns:p14="http://schemas.microsoft.com/office/powerpoint/2010/main" spd="med" advClick="1" p14:dur="1000"/>
+  <p:transition xmlns:p14="http://schemas.microsoft.com/office/powerpoint/2010/main" spd="med" advClick="1"/>
 </p:sld>
 </file>
 
@@ -12121,7 +12254,7 @@
       </p:grpSpPr>
       <p:sp>
         <p:nvSpPr>
-          <p:cNvPr id="277" name="Shape 277"/>
+          <p:cNvPr id="281" name="Shape 281"/>
           <p:cNvSpPr/>
           <p:nvPr>
             <p:ph type="body" idx="1"/>
@@ -12138,20 +12271,92 @@
           </a:bodyPr>
           <a:lstStyle/>
           <a:p>
-            <a:pPr>
-              <a:spcBef>
-                <a:spcPts val="1200"/>
+            <a:pPr marL="281177" indent="-281177" defTabSz="374904">
+              <a:spcBef>
+                <a:spcPts val="900"/>
               </a:spcBef>
               <a:buClr>
                 <a:srgbClr val="000000"/>
               </a:buClr>
-            </a:pPr>
-          </a:p>
-        </p:txBody>
-      </p:sp>
-      <p:sp>
-        <p:nvSpPr>
-          <p:cNvPr id="278" name="Shape 278"/>
+              <a:defRPr sz="2624"/>
+            </a:pPr>
+            <a:r>
+              <a:t>https://mygoogleacount.com/securityAlert</a:t>
+            </a:r>
+            <a:br/>
+          </a:p>
+          <a:p>
+            <a:pPr marL="281177" indent="-281177" defTabSz="374904">
+              <a:spcBef>
+                <a:spcPts val="900"/>
+              </a:spcBef>
+              <a:buClr>
+                <a:srgbClr val="000000"/>
+              </a:buClr>
+              <a:defRPr sz="2624"/>
+            </a:pPr>
+            <a:r>
+              <a:t>https://bankofarnerica.com/sign-in/index.php</a:t>
+            </a:r>
+            <a:br/>
+          </a:p>
+          <a:p>
+            <a:pPr marL="281177" indent="-281177" defTabSz="374904">
+              <a:spcBef>
+                <a:spcPts val="900"/>
+              </a:spcBef>
+              <a:buClr>
+                <a:srgbClr val="000000"/>
+              </a:buClr>
+              <a:defRPr sz="2624"/>
+            </a:pPr>
+            <a:r>
+              <a:t>https://onlinebanking.wellsfargo.wells-fargo-online-banking.com/myaccount.aspx</a:t>
+            </a:r>
+            <a:br/>
+          </a:p>
+          <a:p>
+            <a:pPr marL="281177" indent="-281177" defTabSz="374904">
+              <a:spcBef>
+                <a:spcPts val="900"/>
+              </a:spcBef>
+              <a:buClr>
+                <a:srgbClr val="000000"/>
+              </a:buClr>
+              <a:defRPr sz="2624"/>
+            </a:pPr>
+            <a:r>
+              <a:t>https://twitter.com.twitter-followers.link/unfollowers</a:t>
+            </a:r>
+            <a:br/>
+          </a:p>
+          <a:p>
+            <a:pPr marL="281177" indent="-281177" defTabSz="374904">
+              <a:spcBef>
+                <a:spcPts val="900"/>
+              </a:spcBef>
+              <a:buClr>
+                <a:srgbClr val="000000"/>
+              </a:buClr>
+              <a:defRPr sz="2624"/>
+            </a:pPr>
+            <a:r>
+              <a:rPr>
+                <a:solidFill>
+                  <a:srgbClr val="008F00"/>
+                </a:solidFill>
+              </a:rPr>
+              <a:t>https://myaccount.google.com/?utm_source=OGB</a:t>
+            </a:r>
+            <a:r>
+              <a:t> </a:t>
+            </a:r>
+          </a:p>
+        </p:txBody>
+      </p:sp>
+      <p:sp>
+        <p:nvSpPr>
+          <p:cNvPr id="282" name="Shape 282"/>
           <p:cNvSpPr/>
           <p:nvPr>
             <p:ph type="sldNum" sz="quarter" idx="2"/>
@@ -12182,7 +12387,7 @@
       </p:sp>
       <p:sp>
         <p:nvSpPr>
-          <p:cNvPr id="279" name="Shape 279"/>
+          <p:cNvPr id="283" name="Shape 283"/>
           <p:cNvSpPr/>
           <p:nvPr/>
         </p:nvSpPr>
@@ -12213,11 +12418,11 @@
             <a:normAutofit fontScale="100000" lnSpcReduction="0"/>
           </a:bodyPr>
           <a:lstStyle>
-            <a:lvl1pPr defTabSz="306324">
-              <a:spcBef>
-                <a:spcPts val="600"/>
-              </a:spcBef>
-              <a:defRPr cap="all" sz="2680">
+            <a:lvl1pPr>
+              <a:spcBef>
+                <a:spcPts val="900"/>
+              </a:spcBef>
+              <a:defRPr cap="all" sz="4000">
                 <a:latin typeface="+mn-lt"/>
                 <a:ea typeface="+mn-ea"/>
                 <a:cs typeface="+mn-cs"/>
@@ -12228,46 +12433,17 @@
           <a:p>
             <a:pPr/>
             <a:r>
-              <a:t>Some attachments are not attachments at all</a:t>
-            </a:r>
-          </a:p>
-        </p:txBody>
-      </p:sp>
-      <p:pic>
-        <p:nvPicPr>
-          <p:cNvPr id="280" name="fake-attachment-phishing.jpg"/>
-          <p:cNvPicPr>
-            <a:picLocks noChangeAspect="1"/>
-          </p:cNvPicPr>
-          <p:nvPr/>
-        </p:nvPicPr>
-        <p:blipFill>
-          <a:blip r:embed="rId3">
-            <a:extLst/>
-          </a:blip>
-          <a:stretch>
-            <a:fillRect/>
-          </a:stretch>
-        </p:blipFill>
-        <p:spPr>
-          <a:xfrm>
-            <a:off x="1473934" y="1452408"/>
-            <a:ext cx="6216951" cy="4198708"/>
-          </a:xfrm>
-          <a:prstGeom prst="rect">
-            <a:avLst/>
-          </a:prstGeom>
-          <a:ln w="12700">
-            <a:miter lim="400000"/>
-          </a:ln>
-        </p:spPr>
-      </p:pic>
+              <a:t>Fraudulent url examples</a:t>
+            </a:r>
+          </a:p>
+        </p:txBody>
+      </p:sp>
     </p:spTree>
   </p:cSld>
   <p:clrMapOvr>
     <a:masterClrMapping/>
   </p:clrMapOvr>
-  <p:transition xmlns:p14="http://schemas.microsoft.com/office/powerpoint/2010/main" spd="med" advClick="1" p14:dur="1000"/>
+  <p:transition xmlns:p14="http://schemas.microsoft.com/office/powerpoint/2010/main" spd="med" advClick="1"/>
 </p:sld>
 </file>
 
@@ -12290,42 +12466,7 @@
       </p:grpSpPr>
       <p:sp>
         <p:nvSpPr>
-          <p:cNvPr id="284" name="Shape 284"/>
-          <p:cNvSpPr/>
-          <p:nvPr>
-            <p:ph type="body" idx="1"/>
-          </p:nvPr>
-        </p:nvSpPr>
-        <p:spPr>
-          <a:prstGeom prst="rect">
-            <a:avLst/>
-          </a:prstGeom>
-        </p:spPr>
-        <p:txBody>
-          <a:bodyPr>
-            <a:normAutofit fontScale="100000" lnSpcReduction="0"/>
-          </a:bodyPr>
-          <a:lstStyle>
-            <a:lvl1pPr>
-              <a:spcBef>
-                <a:spcPts val="1200"/>
-              </a:spcBef>
-              <a:buClr>
-                <a:srgbClr val="000000"/>
-              </a:buClr>
-            </a:lvl1pPr>
-          </a:lstStyle>
-          <a:p>
-            <a:pPr/>
-            <a:r>
-              <a:t>Many fraudulent attachments will try to trick you into disabling Office’s built-in protections</a:t>
-            </a:r>
-          </a:p>
-        </p:txBody>
-      </p:sp>
-      <p:sp>
-        <p:nvSpPr>
-          <p:cNvPr id="285" name="Shape 285"/>
+          <p:cNvPr id="287" name="Shape 287"/>
           <p:cNvSpPr/>
           <p:nvPr>
             <p:ph type="sldNum" sz="quarter" idx="2"/>
@@ -12356,14 +12497,14 @@
       </p:sp>
       <p:sp>
         <p:nvSpPr>
-          <p:cNvPr id="286" name="Shape 286"/>
+          <p:cNvPr id="288" name="Shape 288"/>
           <p:cNvSpPr/>
           <p:nvPr/>
         </p:nvSpPr>
         <p:spPr>
           <a:xfrm>
-            <a:off x="0" y="206107"/>
-            <a:ext cx="8686800" cy="812483"/>
+            <a:off x="-2124" y="2466705"/>
+            <a:ext cx="9148248" cy="812482"/>
           </a:xfrm>
           <a:prstGeom prst="rect">
             <a:avLst/>
@@ -12387,11 +12528,11 @@
             <a:normAutofit fontScale="100000" lnSpcReduction="0"/>
           </a:bodyPr>
           <a:lstStyle>
-            <a:lvl1pPr defTabSz="411479">
-              <a:spcBef>
-                <a:spcPts val="800"/>
-              </a:spcBef>
-              <a:defRPr cap="all" sz="3600">
+            <a:lvl1pPr algn="ctr" defTabSz="274320">
+              <a:spcBef>
+                <a:spcPts val="500"/>
+              </a:spcBef>
+              <a:defRPr cap="all" sz="2400">
                 <a:latin typeface="+mn-lt"/>
                 <a:ea typeface="+mn-ea"/>
                 <a:cs typeface="+mn-cs"/>
@@ -12402,46 +12543,17 @@
           <a:p>
             <a:pPr/>
             <a:r>
-              <a:t>be careful with office documents</a:t>
-            </a:r>
-          </a:p>
-        </p:txBody>
-      </p:sp>
-      <p:pic>
-        <p:nvPicPr>
-          <p:cNvPr id="287" name="office-macro-3.jpg"/>
-          <p:cNvPicPr>
-            <a:picLocks noChangeAspect="1"/>
-          </p:cNvPicPr>
-          <p:nvPr/>
-        </p:nvPicPr>
-        <p:blipFill>
-          <a:blip r:embed="rId3">
-            <a:extLst/>
-          </a:blip>
-          <a:stretch>
-            <a:fillRect/>
-          </a:stretch>
-        </p:blipFill>
-        <p:spPr>
-          <a:xfrm>
-            <a:off x="1538872" y="2453529"/>
-            <a:ext cx="6087075" cy="3664002"/>
-          </a:xfrm>
-          <a:prstGeom prst="rect">
-            <a:avLst/>
-          </a:prstGeom>
-          <a:ln w="12700">
-            <a:miter lim="400000"/>
-          </a:ln>
-        </p:spPr>
-      </p:pic>
+              <a:t>recognizing &amp; avoiding malicious email attachments</a:t>
+            </a:r>
+          </a:p>
+        </p:txBody>
+      </p:sp>
     </p:spTree>
   </p:cSld>
   <p:clrMapOvr>
     <a:masterClrMapping/>
   </p:clrMapOvr>
-  <p:transition xmlns:p14="http://schemas.microsoft.com/office/powerpoint/2010/main" spd="med" advClick="1" p14:dur="1000"/>
+  <p:transition xmlns:p14="http://schemas.microsoft.com/office/powerpoint/2010/main" spd="med" advClick="1"/>
 </p:sld>
 </file>
 
@@ -12464,7 +12576,7 @@
       </p:grpSpPr>
       <p:sp>
         <p:nvSpPr>
-          <p:cNvPr id="291" name="Shape 291"/>
+          <p:cNvPr id="290" name="Shape 290"/>
           <p:cNvSpPr/>
           <p:nvPr>
             <p:ph type="body" idx="1"/>
@@ -12479,27 +12591,48 @@
           <a:bodyPr>
             <a:normAutofit fontScale="100000" lnSpcReduction="0"/>
           </a:bodyPr>
-          <a:lstStyle>
-            <a:lvl1pPr>
+          <a:lstStyle/>
+          <a:p>
+            <a:pPr>
               <a:spcBef>
                 <a:spcPts val="1200"/>
               </a:spcBef>
               <a:buClr>
                 <a:srgbClr val="000000"/>
               </a:buClr>
-            </a:lvl1pPr>
-          </a:lstStyle>
-          <a:p>
-            <a:pPr/>
-            <a:r>
-              <a:t>Office documents are the most common type of attachment, and they’re safe, right?</a:t>
-            </a:r>
-          </a:p>
-        </p:txBody>
-      </p:sp>
-      <p:sp>
-        <p:nvSpPr>
-          <p:cNvPr id="292" name="Shape 292"/>
+            </a:pPr>
+            <a:r>
+              <a:t>Clicking links in fraudulent emails will often lead to websites designed to steal your account credentials and/or infect your computer</a:t>
+            </a:r>
+          </a:p>
+          <a:p>
+            <a:pPr>
+              <a:spcBef>
+                <a:spcPts val="1200"/>
+              </a:spcBef>
+              <a:buClr>
+                <a:srgbClr val="000000"/>
+              </a:buClr>
+            </a:pPr>
+          </a:p>
+          <a:p>
+            <a:pPr>
+              <a:spcBef>
+                <a:spcPts val="1200"/>
+              </a:spcBef>
+              <a:buClr>
+                <a:srgbClr val="000000"/>
+              </a:buClr>
+            </a:pPr>
+            <a:r>
+              <a:t>Downloading malicious attachments will infect your computer with a virus</a:t>
+            </a:r>
+          </a:p>
+        </p:txBody>
+      </p:sp>
+      <p:sp>
+        <p:nvSpPr>
+          <p:cNvPr id="291" name="Shape 291"/>
           <p:cNvSpPr/>
           <p:nvPr>
             <p:ph type="sldNum" sz="quarter" idx="2"/>
@@ -12530,7 +12663,7 @@
       </p:sp>
       <p:sp>
         <p:nvSpPr>
-          <p:cNvPr id="293" name="Shape 293"/>
+          <p:cNvPr id="292" name="Shape 292"/>
           <p:cNvSpPr/>
           <p:nvPr/>
         </p:nvSpPr>
@@ -12561,11 +12694,11 @@
             <a:normAutofit fontScale="100000" lnSpcReduction="0"/>
           </a:bodyPr>
           <a:lstStyle>
-            <a:lvl1pPr defTabSz="411479">
-              <a:spcBef>
-                <a:spcPts val="800"/>
-              </a:spcBef>
-              <a:defRPr cap="all" sz="3600">
+            <a:lvl1pPr>
+              <a:spcBef>
+                <a:spcPts val="900"/>
+              </a:spcBef>
+              <a:defRPr cap="all" sz="4000">
                 <a:latin typeface="+mn-lt"/>
                 <a:ea typeface="+mn-ea"/>
                 <a:cs typeface="+mn-cs"/>
@@ -12576,46 +12709,17 @@
           <a:p>
             <a:pPr/>
             <a:r>
-              <a:t>be careful with office documents</a:t>
-            </a:r>
-          </a:p>
-        </p:txBody>
-      </p:sp>
-      <p:pic>
-        <p:nvPicPr>
-          <p:cNvPr id="294" name="office-macro-6.jpg"/>
-          <p:cNvPicPr>
-            <a:picLocks noChangeAspect="1"/>
-          </p:cNvPicPr>
-          <p:nvPr/>
-        </p:nvPicPr>
-        <p:blipFill>
-          <a:blip r:embed="rId3">
-            <a:extLst/>
-          </a:blip>
-          <a:stretch>
-            <a:fillRect/>
-          </a:stretch>
-        </p:blipFill>
-        <p:spPr>
-          <a:xfrm>
-            <a:off x="1645257" y="2418776"/>
-            <a:ext cx="5874305" cy="3769136"/>
-          </a:xfrm>
-          <a:prstGeom prst="rect">
-            <a:avLst/>
-          </a:prstGeom>
-          <a:ln w="12700">
-            <a:miter lim="400000"/>
-          </a:ln>
-        </p:spPr>
-      </p:pic>
+              <a:t>What’s the danger?</a:t>
+            </a:r>
+          </a:p>
+        </p:txBody>
+      </p:sp>
     </p:spTree>
   </p:cSld>
   <p:clrMapOvr>
     <a:masterClrMapping/>
   </p:clrMapOvr>
-  <p:transition xmlns:p14="http://schemas.microsoft.com/office/powerpoint/2010/main" spd="med" advClick="1" p14:dur="1000"/>
+  <p:transition xmlns:p14="http://schemas.microsoft.com/office/powerpoint/2010/main" spd="med" advClick="1"/>
 </p:sld>
 </file>
 
@@ -12638,7 +12742,7 @@
       </p:grpSpPr>
       <p:sp>
         <p:nvSpPr>
-          <p:cNvPr id="298" name="Shape 298"/>
+          <p:cNvPr id="294" name="Shape 294"/>
           <p:cNvSpPr/>
           <p:nvPr>
             <p:ph type="body" idx="1"/>
@@ -12653,27 +12757,76 @@
           <a:bodyPr>
             <a:normAutofit fontScale="100000" lnSpcReduction="0"/>
           </a:bodyPr>
-          <a:lstStyle>
-            <a:lvl1pPr>
-              <a:spcBef>
-                <a:spcPts val="1200"/>
+          <a:lstStyle/>
+          <a:p>
+            <a:pPr marL="325754" indent="-325754" defTabSz="434340">
+              <a:spcBef>
+                <a:spcPts val="1100"/>
               </a:spcBef>
               <a:buClr>
                 <a:srgbClr val="000000"/>
               </a:buClr>
-            </a:lvl1pPr>
-          </a:lstStyle>
-          <a:p>
-            <a:pPr/>
-            <a:r>
-              <a:t>There are dozens of versions of this trick</a:t>
-            </a:r>
-          </a:p>
-        </p:txBody>
-      </p:sp>
-      <p:sp>
-        <p:nvSpPr>
-          <p:cNvPr id="299" name="Shape 299"/>
+              <a:defRPr sz="3040"/>
+            </a:pPr>
+            <a:r>
+              <a:t>Be careful with emails you weren’t expecting telling you to open a link or download an attachment</a:t>
+            </a:r>
+          </a:p>
+          <a:p>
+            <a:pPr marL="325754" indent="-325754" defTabSz="434340">
+              <a:spcBef>
+                <a:spcPts val="1100"/>
+              </a:spcBef>
+              <a:buClr>
+                <a:srgbClr val="000000"/>
+              </a:buClr>
+              <a:defRPr sz="3040"/>
+            </a:pPr>
+          </a:p>
+          <a:p>
+            <a:pPr marL="325754" indent="-325754" defTabSz="434340">
+              <a:spcBef>
+                <a:spcPts val="1100"/>
+              </a:spcBef>
+              <a:buClr>
+                <a:srgbClr val="000000"/>
+              </a:buClr>
+              <a:defRPr sz="3040"/>
+            </a:pPr>
+            <a:r>
+              <a:t>Frequently they will appear to come from friends or colleagues</a:t>
+            </a:r>
+          </a:p>
+          <a:p>
+            <a:pPr marL="325754" indent="-325754" defTabSz="434340">
+              <a:spcBef>
+                <a:spcPts val="1100"/>
+              </a:spcBef>
+              <a:buClr>
+                <a:srgbClr val="000000"/>
+              </a:buClr>
+              <a:defRPr sz="3040"/>
+            </a:pPr>
+          </a:p>
+          <a:p>
+            <a:pPr marL="325754" indent="-325754" defTabSz="434340">
+              <a:spcBef>
+                <a:spcPts val="1100"/>
+              </a:spcBef>
+              <a:buClr>
+                <a:srgbClr val="000000"/>
+              </a:buClr>
+              <a:defRPr sz="3040"/>
+            </a:pPr>
+            <a:r>
+              <a:t>They’ll commonly have little or no explanation other than “click here” or “download this”</a:t>
+            </a:r>
+          </a:p>
+        </p:txBody>
+      </p:sp>
+      <p:sp>
+        <p:nvSpPr>
+          <p:cNvPr id="295" name="Shape 295"/>
           <p:cNvSpPr/>
           <p:nvPr>
             <p:ph type="sldNum" sz="quarter" idx="2"/>
@@ -12704,7 +12857,7 @@
       </p:sp>
       <p:sp>
         <p:nvSpPr>
-          <p:cNvPr id="300" name="Shape 300"/>
+          <p:cNvPr id="296" name="Shape 296"/>
           <p:cNvSpPr/>
           <p:nvPr/>
         </p:nvSpPr>
@@ -12735,11 +12888,11 @@
             <a:normAutofit fontScale="100000" lnSpcReduction="0"/>
           </a:bodyPr>
           <a:lstStyle>
-            <a:lvl1pPr defTabSz="411479">
-              <a:spcBef>
-                <a:spcPts val="800"/>
-              </a:spcBef>
-              <a:defRPr cap="all" sz="3600">
+            <a:lvl1pPr defTabSz="370331">
+              <a:spcBef>
+                <a:spcPts val="700"/>
+              </a:spcBef>
+              <a:defRPr cap="all" sz="3240">
                 <a:latin typeface="+mn-lt"/>
                 <a:ea typeface="+mn-ea"/>
                 <a:cs typeface="+mn-cs"/>
@@ -12750,46 +12903,17 @@
           <a:p>
             <a:pPr/>
             <a:r>
-              <a:t>be careful with office documents</a:t>
-            </a:r>
-          </a:p>
-        </p:txBody>
-      </p:sp>
-      <p:pic>
-        <p:nvPicPr>
-          <p:cNvPr id="301" name="office-macro-7.jpg"/>
-          <p:cNvPicPr>
-            <a:picLocks noChangeAspect="1"/>
-          </p:cNvPicPr>
-          <p:nvPr/>
-        </p:nvPicPr>
-        <p:blipFill>
-          <a:blip r:embed="rId3">
-            <a:extLst/>
-          </a:blip>
-          <a:stretch>
-            <a:fillRect/>
-          </a:stretch>
-        </p:blipFill>
-        <p:spPr>
-          <a:xfrm>
-            <a:off x="1299750" y="1968650"/>
-            <a:ext cx="6544500" cy="4213198"/>
-          </a:xfrm>
-          <a:prstGeom prst="rect">
-            <a:avLst/>
-          </a:prstGeom>
-          <a:ln w="12700">
-            <a:miter lim="400000"/>
-          </a:ln>
-        </p:spPr>
-      </p:pic>
+              <a:t>email attachments can be dangerous</a:t>
+            </a:r>
+          </a:p>
+        </p:txBody>
+      </p:sp>
     </p:spTree>
   </p:cSld>
   <p:clrMapOvr>
     <a:masterClrMapping/>
   </p:clrMapOvr>
-  <p:transition xmlns:p14="http://schemas.microsoft.com/office/powerpoint/2010/main" spd="med" advClick="1" p14:dur="1000"/>
+  <p:transition xmlns:p14="http://schemas.microsoft.com/office/powerpoint/2010/main" spd="med" advClick="1"/>
 </p:sld>
 </file>
 
@@ -12812,7 +12936,7 @@
       </p:grpSpPr>
       <p:sp>
         <p:nvSpPr>
-          <p:cNvPr id="305" name="Shape 305"/>
+          <p:cNvPr id="300" name="Shape 300"/>
           <p:cNvSpPr/>
           <p:nvPr>
             <p:ph type="body" idx="1"/>
@@ -12829,62 +12953,88 @@
           </a:bodyPr>
           <a:lstStyle/>
           <a:p>
-            <a:pPr>
-              <a:spcBef>
-                <a:spcPts val="1200"/>
-              </a:spcBef>
-              <a:buClr>
-                <a:srgbClr val="000000"/>
-              </a:buClr>
-            </a:pPr>
-            <a:r>
-              <a:t>Don’t download counterfeit software</a:t>
-            </a:r>
-          </a:p>
-          <a:p>
-            <a:pPr>
-              <a:spcBef>
-                <a:spcPts val="1200"/>
-              </a:spcBef>
-              <a:buClr>
-                <a:srgbClr val="000000"/>
-              </a:buClr>
-            </a:pPr>
-            <a:r>
-              <a:t>Don’t download programs that promise free system scans or PC speed boosts</a:t>
-            </a:r>
-          </a:p>
-          <a:p>
-            <a:pPr>
-              <a:spcBef>
-                <a:spcPts val="1200"/>
-              </a:spcBef>
-              <a:buClr>
-                <a:srgbClr val="000000"/>
-              </a:buClr>
-            </a:pPr>
-            <a:r>
-              <a:t>Especially if they advertise with pop-up windows or flashing advertisements</a:t>
-            </a:r>
-          </a:p>
-          <a:p>
-            <a:pPr>
-              <a:spcBef>
-                <a:spcPts val="1200"/>
-              </a:spcBef>
-              <a:buClr>
-                <a:srgbClr val="000000"/>
-              </a:buClr>
-            </a:pPr>
-            <a:r>
-              <a:t>Download software only from trusted websites</a:t>
-            </a:r>
-          </a:p>
-        </p:txBody>
-      </p:sp>
-      <p:sp>
-        <p:nvSpPr>
-          <p:cNvPr id="306" name="Shape 306"/>
+            <a:pPr marL="410677" indent="-410677" defTabSz="438911">
+              <a:spcBef>
+                <a:spcPts val="1100"/>
+              </a:spcBef>
+              <a:buFontTx/>
+              <a:buAutoNum type="arabicPeriod" startAt="1"/>
+              <a:defRPr sz="3072"/>
+            </a:pPr>
+            <a:r>
+              <a:t>Were you expecting the email?</a:t>
+            </a:r>
+          </a:p>
+          <a:p>
+            <a:pPr marL="410677" indent="-410677" defTabSz="438911">
+              <a:spcBef>
+                <a:spcPts val="1100"/>
+              </a:spcBef>
+              <a:buFontTx/>
+              <a:buAutoNum type="arabicPeriod" startAt="1"/>
+              <a:defRPr sz="3072"/>
+            </a:pPr>
+            <a:r>
+              <a:t>Is it from someone you know?</a:t>
+            </a:r>
+          </a:p>
+          <a:p>
+            <a:pPr marL="410677" indent="-410677" defTabSz="438911">
+              <a:spcBef>
+                <a:spcPts val="1100"/>
+              </a:spcBef>
+              <a:buFontTx/>
+              <a:buAutoNum type="arabicPeriod" startAt="1"/>
+              <a:defRPr sz="3072"/>
+            </a:pPr>
+            <a:r>
+              <a:t>Can you verify they sent it? </a:t>
+            </a:r>
+          </a:p>
+          <a:p>
+            <a:pPr marL="410677" indent="-410677" defTabSz="438911">
+              <a:spcBef>
+                <a:spcPts val="1100"/>
+              </a:spcBef>
+              <a:buFontTx/>
+              <a:buAutoNum type="arabicPeriod" startAt="1"/>
+              <a:defRPr sz="3072"/>
+            </a:pPr>
+            <a:r>
+              <a:t>Check the reply-to address. Was it actually from them?</a:t>
+            </a:r>
+          </a:p>
+          <a:p>
+            <a:pPr marL="410677" indent="-410677" defTabSz="438911">
+              <a:spcBef>
+                <a:spcPts val="1100"/>
+              </a:spcBef>
+              <a:buFontTx/>
+              <a:buAutoNum type="arabicPeriod" startAt="1"/>
+              <a:defRPr sz="3072"/>
+            </a:pPr>
+            <a:r>
+              <a:t>Is it possible their email address is compromised?</a:t>
+            </a:r>
+          </a:p>
+          <a:p>
+            <a:pPr marL="410677" indent="-410677" defTabSz="438911">
+              <a:spcBef>
+                <a:spcPts val="1100"/>
+              </a:spcBef>
+              <a:buFontTx/>
+              <a:buAutoNum type="arabicPeriod" startAt="1"/>
+              <a:defRPr b="1" sz="3072"/>
+            </a:pPr>
+            <a:r>
+              <a:t>Is it from someone you haven’t heard from in a long time?</a:t>
+            </a:r>
+          </a:p>
+        </p:txBody>
+      </p:sp>
+      <p:sp>
+        <p:nvSpPr>
+          <p:cNvPr id="301" name="Shape 301"/>
           <p:cNvSpPr/>
           <p:nvPr>
             <p:ph type="sldNum" sz="quarter" idx="2"/>
@@ -12915,7 +13065,7 @@
       </p:sp>
       <p:sp>
         <p:nvSpPr>
-          <p:cNvPr id="307" name="Shape 307"/>
+          <p:cNvPr id="302" name="Shape 302"/>
           <p:cNvSpPr/>
           <p:nvPr/>
         </p:nvSpPr>
@@ -12946,11 +13096,11 @@
             <a:normAutofit fontScale="100000" lnSpcReduction="0"/>
           </a:bodyPr>
           <a:lstStyle>
-            <a:lvl1pPr defTabSz="434340">
-              <a:spcBef>
-                <a:spcPts val="900"/>
-              </a:spcBef>
-              <a:defRPr cap="all" sz="3800">
+            <a:lvl1pPr defTabSz="292607">
+              <a:spcBef>
+                <a:spcPts val="600"/>
+              </a:spcBef>
+              <a:defRPr cap="all" sz="2559">
                 <a:latin typeface="+mn-lt"/>
                 <a:ea typeface="+mn-ea"/>
                 <a:cs typeface="+mn-cs"/>
@@ -12961,7 +13111,7 @@
           <a:p>
             <a:pPr/>
             <a:r>
-              <a:t>be careful what you download</a:t>
+              <a:t>ask yourself before downloading attachments</a:t>
             </a:r>
           </a:p>
         </p:txBody>
@@ -12971,7 +13121,7 @@
   <p:clrMapOvr>
     <a:masterClrMapping/>
   </p:clrMapOvr>
-  <p:transition xmlns:p14="http://schemas.microsoft.com/office/powerpoint/2010/main" spd="med" advClick="1" p14:dur="1000"/>
+  <p:transition xmlns:p14="http://schemas.microsoft.com/office/powerpoint/2010/main" spd="med" advClick="1"/>
 </p:sld>
 </file>
 
@@ -12994,7 +13144,7 @@
       </p:grpSpPr>
       <p:sp>
         <p:nvSpPr>
-          <p:cNvPr id="309" name="Shape 309"/>
+          <p:cNvPr id="306" name="Shape 306"/>
           <p:cNvSpPr/>
           <p:nvPr>
             <p:ph type="body" idx="1"/>
@@ -13018,56 +13168,13 @@
               <a:buClr>
                 <a:srgbClr val="000000"/>
               </a:buClr>
-              <a:defRPr b="1"/>
-            </a:pPr>
-            <a:r>
-              <a:t>Keep your software up to date</a:t>
-            </a:r>
-          </a:p>
-          <a:p>
-            <a:pPr>
-              <a:spcBef>
-                <a:spcPts val="1200"/>
-              </a:spcBef>
-              <a:buClr>
-                <a:srgbClr val="000000"/>
-              </a:buClr>
-            </a:pPr>
-            <a:r>
-              <a:t>It can be annoying to have to restart your computer to install updates, but don’t put it off</a:t>
-            </a:r>
-          </a:p>
-          <a:p>
-            <a:pPr>
-              <a:spcBef>
-                <a:spcPts val="1200"/>
-              </a:spcBef>
-              <a:buClr>
-                <a:srgbClr val="000000"/>
-              </a:buClr>
-            </a:pPr>
-            <a:r>
-              <a:t>Updates often contain critical security updates</a:t>
-            </a:r>
-          </a:p>
-          <a:p>
-            <a:pPr>
-              <a:spcBef>
-                <a:spcPts val="1200"/>
-              </a:spcBef>
-              <a:buClr>
-                <a:srgbClr val="000000"/>
-              </a:buClr>
-            </a:pPr>
-            <a:r>
-              <a:t>Set up automatic updates to make it easier on yourself</a:t>
-            </a:r>
-          </a:p>
-        </p:txBody>
-      </p:sp>
-      <p:sp>
-        <p:nvSpPr>
-          <p:cNvPr id="310" name="Shape 310"/>
+            </a:pPr>
+          </a:p>
+        </p:txBody>
+      </p:sp>
+      <p:sp>
+        <p:nvSpPr>
+          <p:cNvPr id="307" name="Shape 307"/>
           <p:cNvSpPr/>
           <p:nvPr>
             <p:ph type="sldNum" sz="quarter" idx="2"/>
@@ -13098,7 +13205,7 @@
       </p:sp>
       <p:sp>
         <p:nvSpPr>
-          <p:cNvPr id="311" name="Shape 311"/>
+          <p:cNvPr id="308" name="Shape 308"/>
           <p:cNvSpPr/>
           <p:nvPr/>
         </p:nvSpPr>
@@ -13129,11 +13236,11 @@
             <a:normAutofit fontScale="100000" lnSpcReduction="0"/>
           </a:bodyPr>
           <a:lstStyle>
-            <a:lvl1pPr>
-              <a:spcBef>
-                <a:spcPts val="900"/>
-              </a:spcBef>
-              <a:defRPr cap="all" sz="4000">
+            <a:lvl1pPr defTabSz="306324">
+              <a:spcBef>
+                <a:spcPts val="600"/>
+              </a:spcBef>
+              <a:defRPr cap="all" sz="2680">
                 <a:latin typeface="+mn-lt"/>
                 <a:ea typeface="+mn-ea"/>
                 <a:cs typeface="+mn-cs"/>
@@ -13144,17 +13251,46 @@
           <a:p>
             <a:pPr/>
             <a:r>
-              <a:t>automatic updates</a:t>
-            </a:r>
-          </a:p>
-        </p:txBody>
-      </p:sp>
+              <a:t>Some attachments are not attachments at all</a:t>
+            </a:r>
+          </a:p>
+        </p:txBody>
+      </p:sp>
+      <p:pic>
+        <p:nvPicPr>
+          <p:cNvPr id="309" name="fake-attachment-phishing.jpg"/>
+          <p:cNvPicPr>
+            <a:picLocks noChangeAspect="1"/>
+          </p:cNvPicPr>
+          <p:nvPr/>
+        </p:nvPicPr>
+        <p:blipFill>
+          <a:blip r:embed="rId3">
+            <a:extLst/>
+          </a:blip>
+          <a:stretch>
+            <a:fillRect/>
+          </a:stretch>
+        </p:blipFill>
+        <p:spPr>
+          <a:xfrm>
+            <a:off x="1473934" y="1452408"/>
+            <a:ext cx="6216951" cy="4198708"/>
+          </a:xfrm>
+          <a:prstGeom prst="rect">
+            <a:avLst/>
+          </a:prstGeom>
+          <a:ln w="12700">
+            <a:miter lim="400000"/>
+          </a:ln>
+        </p:spPr>
+      </p:pic>
     </p:spTree>
   </p:cSld>
   <p:clrMapOvr>
     <a:masterClrMapping/>
   </p:clrMapOvr>
-  <p:transition xmlns:p14="http://schemas.microsoft.com/office/powerpoint/2010/main" spd="med" advClick="1" p14:dur="1000"/>
+  <p:transition xmlns:p14="http://schemas.microsoft.com/office/powerpoint/2010/main" spd="med" advClick="1"/>
 </p:sld>
 </file>
 
@@ -13180,6 +13316,41 @@
           <p:cNvPr id="313" name="Shape 313"/>
           <p:cNvSpPr/>
           <p:nvPr>
+            <p:ph type="body" idx="1"/>
+          </p:nvPr>
+        </p:nvSpPr>
+        <p:spPr>
+          <a:prstGeom prst="rect">
+            <a:avLst/>
+          </a:prstGeom>
+        </p:spPr>
+        <p:txBody>
+          <a:bodyPr>
+            <a:normAutofit fontScale="100000" lnSpcReduction="0"/>
+          </a:bodyPr>
+          <a:lstStyle>
+            <a:lvl1pPr>
+              <a:spcBef>
+                <a:spcPts val="1200"/>
+              </a:spcBef>
+              <a:buClr>
+                <a:srgbClr val="000000"/>
+              </a:buClr>
+            </a:lvl1pPr>
+          </a:lstStyle>
+          <a:p>
+            <a:pPr/>
+            <a:r>
+              <a:t>Many fraudulent attachments will try to trick you into disabling Office’s built-in protections</a:t>
+            </a:r>
+          </a:p>
+        </p:txBody>
+      </p:sp>
+      <p:sp>
+        <p:nvSpPr>
+          <p:cNvPr id="314" name="Shape 314"/>
+          <p:cNvSpPr/>
+          <p:nvPr>
             <p:ph type="sldNum" sz="quarter" idx="2"/>
           </p:nvPr>
         </p:nvSpPr>
@@ -13208,14 +13379,14 @@
       </p:sp>
       <p:sp>
         <p:nvSpPr>
-          <p:cNvPr id="314" name="Shape 314"/>
+          <p:cNvPr id="315" name="Shape 315"/>
           <p:cNvSpPr/>
           <p:nvPr/>
         </p:nvSpPr>
         <p:spPr>
           <a:xfrm>
-            <a:off x="-2124" y="2466705"/>
-            <a:ext cx="9148248" cy="812482"/>
+            <a:off x="0" y="206107"/>
+            <a:ext cx="8686800" cy="812483"/>
           </a:xfrm>
           <a:prstGeom prst="rect">
             <a:avLst/>
@@ -13239,11 +13410,11 @@
             <a:normAutofit fontScale="100000" lnSpcReduction="0"/>
           </a:bodyPr>
           <a:lstStyle>
-            <a:lvl1pPr algn="ctr" defTabSz="393192">
+            <a:lvl1pPr defTabSz="411479">
               <a:spcBef>
                 <a:spcPts val="800"/>
               </a:spcBef>
-              <a:defRPr cap="all" sz="3440">
+              <a:defRPr cap="all" sz="3600">
                 <a:latin typeface="+mn-lt"/>
                 <a:ea typeface="+mn-ea"/>
                 <a:cs typeface="+mn-cs"/>
@@ -13254,17 +13425,46 @@
           <a:p>
             <a:pPr/>
             <a:r>
-              <a:t>password protecting your computer</a:t>
-            </a:r>
-          </a:p>
-        </p:txBody>
-      </p:sp>
+              <a:t>be careful with office documents</a:t>
+            </a:r>
+          </a:p>
+        </p:txBody>
+      </p:sp>
+      <p:pic>
+        <p:nvPicPr>
+          <p:cNvPr id="316" name="office-macro-3.jpg"/>
+          <p:cNvPicPr>
+            <a:picLocks noChangeAspect="1"/>
+          </p:cNvPicPr>
+          <p:nvPr/>
+        </p:nvPicPr>
+        <p:blipFill>
+          <a:blip r:embed="rId3">
+            <a:extLst/>
+          </a:blip>
+          <a:stretch>
+            <a:fillRect/>
+          </a:stretch>
+        </p:blipFill>
+        <p:spPr>
+          <a:xfrm>
+            <a:off x="1538872" y="2453529"/>
+            <a:ext cx="6087075" cy="3664002"/>
+          </a:xfrm>
+          <a:prstGeom prst="rect">
+            <a:avLst/>
+          </a:prstGeom>
+          <a:ln w="12700">
+            <a:miter lim="400000"/>
+          </a:ln>
+        </p:spPr>
+      </p:pic>
     </p:spTree>
   </p:cSld>
   <p:clrMapOvr>
     <a:masterClrMapping/>
   </p:clrMapOvr>
-  <p:transition xmlns:p14="http://schemas.microsoft.com/office/powerpoint/2010/main" spd="med" advClick="1" p14:dur="1000"/>
+  <p:transition xmlns:p14="http://schemas.microsoft.com/office/powerpoint/2010/main" spd="med" advClick="1"/>
 </p:sld>
 </file>
 
@@ -13287,7 +13487,7 @@
       </p:grpSpPr>
       <p:sp>
         <p:nvSpPr>
-          <p:cNvPr id="316" name="Shape 316"/>
+          <p:cNvPr id="320" name="Shape 320"/>
           <p:cNvSpPr/>
           <p:nvPr>
             <p:ph type="body" idx="1"/>
@@ -13302,96 +13502,27 @@
           <a:bodyPr>
             <a:normAutofit fontScale="100000" lnSpcReduction="0"/>
           </a:bodyPr>
-          <a:lstStyle/>
-          <a:p>
-            <a:pPr marL="336042" indent="-336042" defTabSz="448055">
-              <a:spcBef>
-                <a:spcPts val="1100"/>
+          <a:lstStyle>
+            <a:lvl1pPr>
+              <a:spcBef>
+                <a:spcPts val="1200"/>
               </a:spcBef>
               <a:buClr>
                 <a:srgbClr val="000000"/>
               </a:buClr>
-              <a:defRPr sz="3136"/>
-            </a:pPr>
-            <a:r>
-              <a:t>Make sure you need to enter a password to access your computer:</a:t>
-            </a:r>
-          </a:p>
-          <a:p>
-            <a:pPr lvl="1" marL="784098" indent="-336042" defTabSz="448055">
-              <a:spcBef>
-                <a:spcPts val="1100"/>
-              </a:spcBef>
-              <a:buClr>
-                <a:srgbClr val="000000"/>
-              </a:buClr>
-              <a:buChar char="•"/>
-              <a:defRPr sz="3136"/>
-            </a:pPr>
-            <a:r>
-              <a:t>On startup</a:t>
-            </a:r>
-          </a:p>
-          <a:p>
-            <a:pPr lvl="1" marL="784098" indent="-336042" defTabSz="448055">
-              <a:spcBef>
-                <a:spcPts val="1100"/>
-              </a:spcBef>
-              <a:buClr>
-                <a:srgbClr val="000000"/>
-              </a:buClr>
-              <a:buChar char="•"/>
-              <a:defRPr sz="3136"/>
-            </a:pPr>
-            <a:r>
-              <a:t>On waking up from sleep</a:t>
-            </a:r>
-          </a:p>
-          <a:p>
-            <a:pPr lvl="1" marL="784098" indent="-336042" defTabSz="448055">
-              <a:spcBef>
-                <a:spcPts val="1100"/>
-              </a:spcBef>
-              <a:buClr>
-                <a:srgbClr val="000000"/>
-              </a:buClr>
-              <a:buChar char="•"/>
-              <a:defRPr sz="3136"/>
-            </a:pPr>
-            <a:r>
-              <a:t>On exiting the screensaver</a:t>
-            </a:r>
-          </a:p>
-          <a:p>
-            <a:pPr marL="336042" indent="-336042" defTabSz="448055">
-              <a:spcBef>
-                <a:spcPts val="1100"/>
-              </a:spcBef>
-              <a:buClr>
-                <a:srgbClr val="000000"/>
-              </a:buClr>
-              <a:defRPr sz="3136"/>
-            </a:pPr>
-          </a:p>
-          <a:p>
-            <a:pPr marL="336042" indent="-336042" defTabSz="448055">
-              <a:spcBef>
-                <a:spcPts val="1100"/>
-              </a:spcBef>
-              <a:buClr>
-                <a:srgbClr val="000000"/>
-              </a:buClr>
-              <a:defRPr sz="3136"/>
-            </a:pPr>
-            <a:r>
-              <a:t>Set up a password-protected screensaver to start after a few minutes of inactivity</a:t>
-            </a:r>
-          </a:p>
-        </p:txBody>
-      </p:sp>
-      <p:sp>
-        <p:nvSpPr>
-          <p:cNvPr id="317" name="Shape 317"/>
+            </a:lvl1pPr>
+          </a:lstStyle>
+          <a:p>
+            <a:pPr/>
+            <a:r>
+              <a:t>Office documents are the most common type of attachment, and they’re safe, right?</a:t>
+            </a:r>
+          </a:p>
+        </p:txBody>
+      </p:sp>
+      <p:sp>
+        <p:nvSpPr>
+          <p:cNvPr id="321" name="Shape 321"/>
           <p:cNvSpPr/>
           <p:nvPr>
             <p:ph type="sldNum" sz="quarter" idx="2"/>
@@ -13422,7 +13553,7 @@
       </p:sp>
       <p:sp>
         <p:nvSpPr>
-          <p:cNvPr id="318" name="Shape 318"/>
+          <p:cNvPr id="322" name="Shape 322"/>
           <p:cNvSpPr/>
           <p:nvPr/>
         </p:nvSpPr>
@@ -13453,11 +13584,11 @@
             <a:normAutofit fontScale="100000" lnSpcReduction="0"/>
           </a:bodyPr>
           <a:lstStyle>
-            <a:lvl1pPr defTabSz="429768">
-              <a:spcBef>
-                <a:spcPts val="900"/>
-              </a:spcBef>
-              <a:defRPr cap="all" sz="3759">
+            <a:lvl1pPr defTabSz="411479">
+              <a:spcBef>
+                <a:spcPts val="800"/>
+              </a:spcBef>
+              <a:defRPr cap="all" sz="3600">
                 <a:latin typeface="+mn-lt"/>
                 <a:ea typeface="+mn-ea"/>
                 <a:cs typeface="+mn-cs"/>
@@ -13468,17 +13599,46 @@
           <a:p>
             <a:pPr/>
             <a:r>
-              <a:t>Set a lock screen with password</a:t>
-            </a:r>
-          </a:p>
-        </p:txBody>
-      </p:sp>
+              <a:t>be careful with office documents</a:t>
+            </a:r>
+          </a:p>
+        </p:txBody>
+      </p:sp>
+      <p:pic>
+        <p:nvPicPr>
+          <p:cNvPr id="323" name="office-macro-6.jpg"/>
+          <p:cNvPicPr>
+            <a:picLocks noChangeAspect="1"/>
+          </p:cNvPicPr>
+          <p:nvPr/>
+        </p:nvPicPr>
+        <p:blipFill>
+          <a:blip r:embed="rId3">
+            <a:extLst/>
+          </a:blip>
+          <a:stretch>
+            <a:fillRect/>
+          </a:stretch>
+        </p:blipFill>
+        <p:spPr>
+          <a:xfrm>
+            <a:off x="1645257" y="2418776"/>
+            <a:ext cx="5874305" cy="3769136"/>
+          </a:xfrm>
+          <a:prstGeom prst="rect">
+            <a:avLst/>
+          </a:prstGeom>
+          <a:ln w="12700">
+            <a:miter lim="400000"/>
+          </a:ln>
+        </p:spPr>
+      </p:pic>
     </p:spTree>
   </p:cSld>
   <p:clrMapOvr>
     <a:masterClrMapping/>
   </p:clrMapOvr>
-  <p:transition xmlns:p14="http://schemas.microsoft.com/office/powerpoint/2010/main" spd="med" advClick="1" p14:dur="1000"/>
+  <p:transition xmlns:p14="http://schemas.microsoft.com/office/powerpoint/2010/main" spd="med" advClick="1"/>
 </p:sld>
 </file>
 
@@ -13588,7 +13748,7 @@
   <p:clrMapOvr>
     <a:masterClrMapping/>
   </p:clrMapOvr>
-  <p:transition xmlns:p14="http://schemas.microsoft.com/office/powerpoint/2010/main" spd="med" advClick="1" p14:dur="1000"/>
+  <p:transition xmlns:p14="http://schemas.microsoft.com/office/powerpoint/2010/main" spd="med" advClick="1"/>
 </p:sld>
 </file>
 
@@ -13611,7 +13771,7 @@
       </p:grpSpPr>
       <p:sp>
         <p:nvSpPr>
-          <p:cNvPr id="322" name="Shape 322"/>
+          <p:cNvPr id="327" name="Shape 327"/>
           <p:cNvSpPr/>
           <p:nvPr>
             <p:ph type="body" idx="1"/>
@@ -13626,76 +13786,27 @@
           <a:bodyPr>
             <a:normAutofit fontScale="100000" lnSpcReduction="0"/>
           </a:bodyPr>
-          <a:lstStyle/>
-          <a:p>
-            <a:pPr>
+          <a:lstStyle>
+            <a:lvl1pPr>
               <a:spcBef>
                 <a:spcPts val="1200"/>
               </a:spcBef>
               <a:buClr>
                 <a:srgbClr val="000000"/>
               </a:buClr>
-            </a:pPr>
-            <a:r>
-              <a:t>Get in the habit of locking your computer every time you walk away from it.</a:t>
-            </a:r>
-          </a:p>
-          <a:p>
-            <a:pPr>
-              <a:spcBef>
-                <a:spcPts val="1200"/>
-              </a:spcBef>
-              <a:buClr>
-                <a:srgbClr val="000000"/>
-              </a:buClr>
-            </a:pPr>
-            <a:r>
-              <a:t>On Windows, the keyboard shortcut to lock your computer is </a:t>
-            </a:r>
-            <a:r>
-              <a:rPr b="1"/>
-              <a:t>Windows + L</a:t>
-            </a:r>
-            <a:endParaRPr b="1"/>
-          </a:p>
-          <a:p>
-            <a:pPr>
-              <a:spcBef>
-                <a:spcPts val="1200"/>
-              </a:spcBef>
-              <a:buClr>
-                <a:srgbClr val="000000"/>
-              </a:buClr>
-            </a:pPr>
-            <a:r>
-              <a:t>On a Mac, you can set up your </a:t>
-            </a:r>
-            <a:r>
-              <a:rPr b="1"/>
-              <a:t>Hot Corners</a:t>
-            </a:r>
-            <a:r>
-              <a:t> to lock your screen</a:t>
-            </a:r>
-          </a:p>
-          <a:p>
-            <a:pPr>
-              <a:spcBef>
-                <a:spcPts val="1200"/>
-              </a:spcBef>
-              <a:buClr>
-                <a:srgbClr val="000000"/>
-              </a:buClr>
-            </a:pPr>
-            <a:r>
-              <a:t>Don’t forget to use a strong password!</a:t>
-            </a:r>
-          </a:p>
-        </p:txBody>
-      </p:sp>
-      <p:sp>
-        <p:nvSpPr>
-          <p:cNvPr id="323" name="Shape 323"/>
+            </a:lvl1pPr>
+          </a:lstStyle>
+          <a:p>
+            <a:pPr/>
+            <a:r>
+              <a:t>There are dozens of versions of this trick</a:t>
+            </a:r>
+          </a:p>
+        </p:txBody>
+      </p:sp>
+      <p:sp>
+        <p:nvSpPr>
+          <p:cNvPr id="328" name="Shape 328"/>
           <p:cNvSpPr/>
           <p:nvPr>
             <p:ph type="sldNum" sz="quarter" idx="2"/>
@@ -13726,7 +13837,7 @@
       </p:sp>
       <p:sp>
         <p:nvSpPr>
-          <p:cNvPr id="324" name="Shape 324"/>
+          <p:cNvPr id="329" name="Shape 329"/>
           <p:cNvSpPr/>
           <p:nvPr/>
         </p:nvSpPr>
@@ -13757,11 +13868,11 @@
             <a:normAutofit fontScale="100000" lnSpcReduction="0"/>
           </a:bodyPr>
           <a:lstStyle>
-            <a:lvl1pPr>
-              <a:spcBef>
-                <a:spcPts val="900"/>
-              </a:spcBef>
-              <a:defRPr cap="all" sz="4000">
+            <a:lvl1pPr defTabSz="411479">
+              <a:spcBef>
+                <a:spcPts val="800"/>
+              </a:spcBef>
+              <a:defRPr cap="all" sz="3600">
                 <a:latin typeface="+mn-lt"/>
                 <a:ea typeface="+mn-ea"/>
                 <a:cs typeface="+mn-cs"/>
@@ -13772,17 +13883,46 @@
           <a:p>
             <a:pPr/>
             <a:r>
-              <a:t>walking away? lock it up!</a:t>
-            </a:r>
-          </a:p>
-        </p:txBody>
-      </p:sp>
+              <a:t>be careful with office documents</a:t>
+            </a:r>
+          </a:p>
+        </p:txBody>
+      </p:sp>
+      <p:pic>
+        <p:nvPicPr>
+          <p:cNvPr id="330" name="office-macro-7.jpg"/>
+          <p:cNvPicPr>
+            <a:picLocks noChangeAspect="1"/>
+          </p:cNvPicPr>
+          <p:nvPr/>
+        </p:nvPicPr>
+        <p:blipFill>
+          <a:blip r:embed="rId3">
+            <a:extLst/>
+          </a:blip>
+          <a:stretch>
+            <a:fillRect/>
+          </a:stretch>
+        </p:blipFill>
+        <p:spPr>
+          <a:xfrm>
+            <a:off x="1299750" y="1968650"/>
+            <a:ext cx="6544500" cy="4213198"/>
+          </a:xfrm>
+          <a:prstGeom prst="rect">
+            <a:avLst/>
+          </a:prstGeom>
+          <a:ln w="12700">
+            <a:miter lim="400000"/>
+          </a:ln>
+        </p:spPr>
+      </p:pic>
     </p:spTree>
   </p:cSld>
   <p:clrMapOvr>
     <a:masterClrMapping/>
   </p:clrMapOvr>
-  <p:transition xmlns:p14="http://schemas.microsoft.com/office/powerpoint/2010/main" spd="med" advClick="1" p14:dur="1000"/>
+  <p:transition xmlns:p14="http://schemas.microsoft.com/office/powerpoint/2010/main" spd="med" advClick="1"/>
 </p:sld>
 </file>
 
@@ -13805,7 +13945,7 @@
       </p:grpSpPr>
       <p:sp>
         <p:nvSpPr>
-          <p:cNvPr id="328" name="Shape 328"/>
+          <p:cNvPr id="334" name="Shape 334"/>
           <p:cNvSpPr/>
           <p:nvPr>
             <p:ph type="body" idx="1"/>
@@ -13831,7 +13971,7 @@
               </a:buClr>
             </a:pPr>
             <a:r>
-              <a:t>iPhone users, make sure your password is at least 6 digits long</a:t>
+              <a:t>Don’t download counterfeit software</a:t>
             </a:r>
           </a:p>
           <a:p>
@@ -13844,7 +13984,7 @@
               </a:buClr>
             </a:pPr>
             <a:r>
-              <a:t>Android users, use a long, complicated pattern to unlock</a:t>
+              <a:t>Don’t download programs that promise free system scans or PC speed boosts</a:t>
             </a:r>
           </a:p>
           <a:p>
@@ -13857,7 +13997,7 @@
               </a:buClr>
             </a:pPr>
             <a:r>
-              <a:t>Police can force you to unlock your phone with your fingerprint, but can’t ask for your password</a:t>
+              <a:t>Especially if they advertise with pop-up windows or flashing advertisements</a:t>
             </a:r>
           </a:p>
           <a:p>
@@ -13870,14 +14010,14 @@
               </a:buClr>
             </a:pPr>
             <a:r>
-              <a:t>Remember what makes for a good (or bad) password!</a:t>
-            </a:r>
-          </a:p>
-        </p:txBody>
-      </p:sp>
-      <p:sp>
-        <p:nvSpPr>
-          <p:cNvPr id="329" name="Shape 329"/>
+              <a:t>Download software only from trusted websites</a:t>
+            </a:r>
+          </a:p>
+        </p:txBody>
+      </p:sp>
+      <p:sp>
+        <p:nvSpPr>
+          <p:cNvPr id="335" name="Shape 335"/>
           <p:cNvSpPr/>
           <p:nvPr>
             <p:ph type="sldNum" sz="quarter" idx="2"/>
@@ -13908,7 +14048,7 @@
       </p:sp>
       <p:sp>
         <p:nvSpPr>
-          <p:cNvPr id="330" name="Shape 330"/>
+          <p:cNvPr id="336" name="Shape 336"/>
           <p:cNvSpPr/>
           <p:nvPr/>
         </p:nvSpPr>
@@ -13939,11 +14079,11 @@
             <a:normAutofit fontScale="100000" lnSpcReduction="0"/>
           </a:bodyPr>
           <a:lstStyle>
-            <a:lvl1pPr defTabSz="429768">
+            <a:lvl1pPr defTabSz="434340">
               <a:spcBef>
                 <a:spcPts val="900"/>
               </a:spcBef>
-              <a:defRPr cap="all" sz="3759">
+              <a:defRPr cap="all" sz="3800">
                 <a:latin typeface="+mn-lt"/>
                 <a:ea typeface="+mn-ea"/>
                 <a:cs typeface="+mn-cs"/>
@@ -13954,7 +14094,7 @@
           <a:p>
             <a:pPr/>
             <a:r>
-              <a:t>Be sure to lock your phone, too</a:t>
+              <a:t>be careful what you download</a:t>
             </a:r>
           </a:p>
         </p:txBody>
@@ -13964,7 +14104,7 @@
   <p:clrMapOvr>
     <a:masterClrMapping/>
   </p:clrMapOvr>
-  <p:transition xmlns:p14="http://schemas.microsoft.com/office/powerpoint/2010/main" spd="med" advClick="1" p14:dur="1000"/>
+  <p:transition xmlns:p14="http://schemas.microsoft.com/office/powerpoint/2010/main" spd="med" advClick="1"/>
 </p:sld>
 </file>
 
@@ -13987,7 +14127,7 @@
       </p:grpSpPr>
       <p:sp>
         <p:nvSpPr>
-          <p:cNvPr id="334" name="Shape 334"/>
+          <p:cNvPr id="338" name="Shape 338"/>
           <p:cNvSpPr/>
           <p:nvPr>
             <p:ph type="body" idx="1"/>
@@ -14004,89 +14144,63 @@
           </a:bodyPr>
           <a:lstStyle/>
           <a:p>
-            <a:pPr marL="410677" indent="-410677" defTabSz="438911">
-              <a:spcBef>
-                <a:spcPts val="1100"/>
-              </a:spcBef>
-              <a:buFontTx/>
-              <a:buAutoNum type="arabicPeriod" startAt="1"/>
-              <a:defRPr sz="3072"/>
-            </a:pPr>
-            <a:r>
-              <a:t>Learn to recognize fraudulent emails and websites</a:t>
-            </a:r>
-          </a:p>
-          <a:p>
-            <a:pPr lvl="3" marL="0" indent="658368" defTabSz="438911">
-              <a:spcBef>
-                <a:spcPts val="1100"/>
-              </a:spcBef>
-              <a:buSzTx/>
-              <a:buFontTx/>
-              <a:buNone/>
-              <a:defRPr sz="3072"/>
-            </a:pPr>
-            <a:r>
-              <a:t>Don’t open, don’t click, don’t download attachments, don’t enter your information</a:t>
-            </a:r>
-          </a:p>
-          <a:p>
-            <a:pPr marL="410677" indent="-410677" defTabSz="438911">
-              <a:spcBef>
-                <a:spcPts val="1100"/>
-              </a:spcBef>
-              <a:buFontTx/>
-              <a:buAutoNum type="arabicPeriod" startAt="1"/>
-              <a:defRPr b="1" sz="3072"/>
-            </a:pPr>
-            <a:r>
-              <a:t>They’re trying to trick you. Be skeptical.</a:t>
-            </a:r>
-          </a:p>
-          <a:p>
-            <a:pPr marL="410677" indent="-410677" defTabSz="438911">
-              <a:spcBef>
-                <a:spcPts val="1100"/>
-              </a:spcBef>
-              <a:buFontTx/>
-              <a:buAutoNum type="arabicPeriod" startAt="1"/>
-              <a:defRPr sz="3072"/>
+            <a:pPr>
+              <a:spcBef>
+                <a:spcPts val="1200"/>
+              </a:spcBef>
+              <a:buClr>
+                <a:srgbClr val="000000"/>
+              </a:buClr>
+              <a:defRPr b="1"/>
             </a:pPr>
             <a:r>
               <a:t>Keep your software up to date</a:t>
             </a:r>
           </a:p>
           <a:p>
-            <a:pPr marL="410677" indent="-410677" defTabSz="438911">
-              <a:spcBef>
-                <a:spcPts val="1100"/>
-              </a:spcBef>
-              <a:buFontTx/>
-              <a:buAutoNum type="arabicPeriod" startAt="1"/>
-              <a:defRPr sz="3072"/>
-            </a:pPr>
-            <a:r>
-              <a:t>Use strong passwords and a password manager</a:t>
-            </a:r>
-          </a:p>
-          <a:p>
-            <a:pPr marL="410677" indent="-410677" defTabSz="438911">
-              <a:spcBef>
-                <a:spcPts val="1100"/>
-              </a:spcBef>
-              <a:buFontTx/>
-              <a:buAutoNum type="arabicPeriod" startAt="1"/>
-              <a:defRPr sz="3072"/>
-            </a:pPr>
-            <a:r>
-              <a:t>Use two-factor authentication where available</a:t>
-            </a:r>
-          </a:p>
-        </p:txBody>
-      </p:sp>
-      <p:sp>
-        <p:nvSpPr>
-          <p:cNvPr id="335" name="Shape 335"/>
+            <a:pPr>
+              <a:spcBef>
+                <a:spcPts val="1200"/>
+              </a:spcBef>
+              <a:buClr>
+                <a:srgbClr val="000000"/>
+              </a:buClr>
+            </a:pPr>
+            <a:r>
+              <a:t>It can be annoying to have to restart your computer to install updates, but don’t put it off</a:t>
+            </a:r>
+          </a:p>
+          <a:p>
+            <a:pPr>
+              <a:spcBef>
+                <a:spcPts val="1200"/>
+              </a:spcBef>
+              <a:buClr>
+                <a:srgbClr val="000000"/>
+              </a:buClr>
+            </a:pPr>
+            <a:r>
+              <a:t>Updates often contain critical security updates</a:t>
+            </a:r>
+          </a:p>
+          <a:p>
+            <a:pPr>
+              <a:spcBef>
+                <a:spcPts val="1200"/>
+              </a:spcBef>
+              <a:buClr>
+                <a:srgbClr val="000000"/>
+              </a:buClr>
+            </a:pPr>
+            <a:r>
+              <a:t>Set up automatic updates to make it easier on yourself</a:t>
+            </a:r>
+          </a:p>
+        </p:txBody>
+      </p:sp>
+      <p:sp>
+        <p:nvSpPr>
+          <p:cNvPr id="339" name="Shape 339"/>
           <p:cNvSpPr/>
           <p:nvPr>
             <p:ph type="sldNum" sz="quarter" idx="2"/>
@@ -14117,7 +14231,7 @@
       </p:sp>
       <p:sp>
         <p:nvSpPr>
-          <p:cNvPr id="336" name="Shape 336"/>
+          <p:cNvPr id="340" name="Shape 340"/>
           <p:cNvSpPr/>
           <p:nvPr/>
         </p:nvSpPr>
@@ -14163,7 +14277,7 @@
           <a:p>
             <a:pPr/>
             <a:r>
-              <a:t>prevent 99% of attacks</a:t>
+              <a:t>automatic updates</a:t>
             </a:r>
           </a:p>
         </p:txBody>
@@ -14173,7 +14287,7 @@
   <p:clrMapOvr>
     <a:masterClrMapping/>
   </p:clrMapOvr>
-  <p:transition xmlns:p14="http://schemas.microsoft.com/office/powerpoint/2010/main" spd="med" advClick="1" p14:dur="1000"/>
+  <p:transition xmlns:p14="http://schemas.microsoft.com/office/powerpoint/2010/main" spd="med" advClick="1"/>
 </p:sld>
 </file>
 
@@ -14196,55 +14310,7 @@
       </p:grpSpPr>
       <p:sp>
         <p:nvSpPr>
-          <p:cNvPr id="340" name="Shape 340"/>
-          <p:cNvSpPr/>
-          <p:nvPr>
-            <p:ph type="body" idx="1"/>
-          </p:nvPr>
-        </p:nvSpPr>
-        <p:spPr>
-          <a:prstGeom prst="rect">
-            <a:avLst/>
-          </a:prstGeom>
-        </p:spPr>
-        <p:txBody>
-          <a:bodyPr>
-            <a:normAutofit fontScale="100000" lnSpcReduction="0"/>
-          </a:bodyPr>
-          <a:lstStyle/>
-          <a:p>
-            <a:pPr marL="0" indent="0">
-              <a:spcBef>
-                <a:spcPts val="1200"/>
-              </a:spcBef>
-              <a:buSzTx/>
-              <a:buFontTx/>
-              <a:buNone/>
-              <a:defRPr b="1"/>
-            </a:pPr>
-            <a:r>
-              <a:rPr u="sng">
-                <a:solidFill>
-                  <a:srgbClr val="0000FF"/>
-                </a:solidFill>
-                <a:uFill>
-                  <a:solidFill>
-                    <a:srgbClr val="0000FF"/>
-                  </a:solidFill>
-                </a:uFill>
-                <a:hlinkClick r:id="rId2" invalidUrl="" action="" tgtFrame="" tooltip="" history="1" highlightClick="0" endSnd="0"/>
-              </a:rPr>
-              <a:t>Resources and additional trainings will be added here periodically</a:t>
-            </a:r>
-            <a:r>
-              <a:t>.</a:t>
-            </a:r>
-          </a:p>
-        </p:txBody>
-      </p:sp>
-      <p:sp>
-        <p:nvSpPr>
-          <p:cNvPr id="341" name="Shape 341"/>
+          <p:cNvPr id="342" name="Shape 342"/>
           <p:cNvSpPr/>
           <p:nvPr>
             <p:ph type="sldNum" sz="quarter" idx="2"/>
@@ -14275,14 +14341,14 @@
       </p:sp>
       <p:sp>
         <p:nvSpPr>
-          <p:cNvPr id="342" name="Shape 342"/>
+          <p:cNvPr id="343" name="Shape 343"/>
           <p:cNvSpPr/>
           <p:nvPr/>
         </p:nvSpPr>
         <p:spPr>
           <a:xfrm>
-            <a:off x="0" y="206107"/>
-            <a:ext cx="8686800" cy="812483"/>
+            <a:off x="-2124" y="2466705"/>
+            <a:ext cx="9148248" cy="812482"/>
           </a:xfrm>
           <a:prstGeom prst="rect">
             <a:avLst/>
@@ -14306,6 +14372,414 @@
             <a:normAutofit fontScale="100000" lnSpcReduction="0"/>
           </a:bodyPr>
           <a:lstStyle>
+            <a:lvl1pPr algn="ctr" defTabSz="393192">
+              <a:spcBef>
+                <a:spcPts val="800"/>
+              </a:spcBef>
+              <a:defRPr cap="all" sz="3440">
+                <a:latin typeface="+mn-lt"/>
+                <a:ea typeface="+mn-ea"/>
+                <a:cs typeface="+mn-cs"/>
+                <a:sym typeface="Century Gothic"/>
+              </a:defRPr>
+            </a:lvl1pPr>
+          </a:lstStyle>
+          <a:p>
+            <a:pPr/>
+            <a:r>
+              <a:t>password protecting your computer</a:t>
+            </a:r>
+          </a:p>
+        </p:txBody>
+      </p:sp>
+    </p:spTree>
+  </p:cSld>
+  <p:clrMapOvr>
+    <a:masterClrMapping/>
+  </p:clrMapOvr>
+  <p:transition xmlns:p14="http://schemas.microsoft.com/office/powerpoint/2010/main" spd="med" advClick="1"/>
+</p:sld>
+</file>
+
+<file path=ppt/slides/slide54.xml><?xml version="1.0" encoding="utf-8"?>
+<p:sld xmlns:a="http://schemas.openxmlformats.org/drawingml/2006/main" xmlns:r="http://schemas.openxmlformats.org/officeDocument/2006/relationships" xmlns:p="http://schemas.openxmlformats.org/presentationml/2006/main" showMasterSp="1" showMasterPhAnim="1">
+  <p:cSld>
+    <p:spTree>
+      <p:nvGrpSpPr>
+        <p:cNvPr id="1" name=""/>
+        <p:cNvGrpSpPr/>
+        <p:nvPr/>
+      </p:nvGrpSpPr>
+      <p:grpSpPr>
+        <a:xfrm>
+          <a:off x="0" y="0"/>
+          <a:ext cx="0" cy="0"/>
+          <a:chOff x="0" y="0"/>
+          <a:chExt cx="0" cy="0"/>
+        </a:xfrm>
+      </p:grpSpPr>
+      <p:sp>
+        <p:nvSpPr>
+          <p:cNvPr id="345" name="Shape 345"/>
+          <p:cNvSpPr/>
+          <p:nvPr>
+            <p:ph type="body" idx="1"/>
+          </p:nvPr>
+        </p:nvSpPr>
+        <p:spPr>
+          <a:prstGeom prst="rect">
+            <a:avLst/>
+          </a:prstGeom>
+        </p:spPr>
+        <p:txBody>
+          <a:bodyPr>
+            <a:normAutofit fontScale="100000" lnSpcReduction="0"/>
+          </a:bodyPr>
+          <a:lstStyle/>
+          <a:p>
+            <a:pPr marL="336042" indent="-336042" defTabSz="448055">
+              <a:spcBef>
+                <a:spcPts val="1100"/>
+              </a:spcBef>
+              <a:buClr>
+                <a:srgbClr val="000000"/>
+              </a:buClr>
+              <a:defRPr sz="3136"/>
+            </a:pPr>
+            <a:r>
+              <a:t>Make sure you need to enter a password to access your computer:</a:t>
+            </a:r>
+          </a:p>
+          <a:p>
+            <a:pPr lvl="1" marL="784098" indent="-336042" defTabSz="448055">
+              <a:spcBef>
+                <a:spcPts val="1100"/>
+              </a:spcBef>
+              <a:buClr>
+                <a:srgbClr val="000000"/>
+              </a:buClr>
+              <a:buChar char="•"/>
+              <a:defRPr sz="3136"/>
+            </a:pPr>
+            <a:r>
+              <a:t>On startup</a:t>
+            </a:r>
+          </a:p>
+          <a:p>
+            <a:pPr lvl="1" marL="784098" indent="-336042" defTabSz="448055">
+              <a:spcBef>
+                <a:spcPts val="1100"/>
+              </a:spcBef>
+              <a:buClr>
+                <a:srgbClr val="000000"/>
+              </a:buClr>
+              <a:buChar char="•"/>
+              <a:defRPr sz="3136"/>
+            </a:pPr>
+            <a:r>
+              <a:t>On waking up from sleep</a:t>
+            </a:r>
+          </a:p>
+          <a:p>
+            <a:pPr lvl="1" marL="784098" indent="-336042" defTabSz="448055">
+              <a:spcBef>
+                <a:spcPts val="1100"/>
+              </a:spcBef>
+              <a:buClr>
+                <a:srgbClr val="000000"/>
+              </a:buClr>
+              <a:buChar char="•"/>
+              <a:defRPr sz="3136"/>
+            </a:pPr>
+            <a:r>
+              <a:t>On exiting the screensaver</a:t>
+            </a:r>
+          </a:p>
+          <a:p>
+            <a:pPr marL="336042" indent="-336042" defTabSz="448055">
+              <a:spcBef>
+                <a:spcPts val="1100"/>
+              </a:spcBef>
+              <a:buClr>
+                <a:srgbClr val="000000"/>
+              </a:buClr>
+              <a:defRPr sz="3136"/>
+            </a:pPr>
+          </a:p>
+          <a:p>
+            <a:pPr marL="336042" indent="-336042" defTabSz="448055">
+              <a:spcBef>
+                <a:spcPts val="1100"/>
+              </a:spcBef>
+              <a:buClr>
+                <a:srgbClr val="000000"/>
+              </a:buClr>
+              <a:defRPr sz="3136"/>
+            </a:pPr>
+            <a:r>
+              <a:t>Set up a password-protected screensaver to start after a few minutes of inactivity</a:t>
+            </a:r>
+          </a:p>
+        </p:txBody>
+      </p:sp>
+      <p:sp>
+        <p:nvSpPr>
+          <p:cNvPr id="346" name="Shape 346"/>
+          <p:cNvSpPr/>
+          <p:nvPr>
+            <p:ph type="sldNum" sz="quarter" idx="2"/>
+          </p:nvPr>
+        </p:nvSpPr>
+        <p:spPr>
+          <a:xfrm>
+            <a:off x="5791200" y="6419053"/>
+            <a:ext cx="2133600" cy="368301"/>
+          </a:xfrm>
+          <a:prstGeom prst="rect">
+            <a:avLst/>
+          </a:prstGeom>
+          <a:extLst>
+            <a:ext uri="{C572A759-6A51-4108-AA02-DFA0A04FC94B}">
+              <ma14:wrappingTextBoxFlag xmlns:ma14="http://schemas.microsoft.com/office/mac/drawingml/2011/main" val="1"/>
+            </a:ext>
+          </a:extLst>
+        </p:spPr>
+        <p:txBody>
+          <a:bodyPr/>
+          <a:lstStyle/>
+          <a:p>
+            <a:pPr/>
+            <a:fld id="{86CB4B4D-7CA3-9044-876B-883B54F8677D}" type="slidenum"/>
+          </a:p>
+        </p:txBody>
+      </p:sp>
+      <p:sp>
+        <p:nvSpPr>
+          <p:cNvPr id="347" name="Shape 347"/>
+          <p:cNvSpPr/>
+          <p:nvPr/>
+        </p:nvSpPr>
+        <p:spPr>
+          <a:xfrm>
+            <a:off x="0" y="206107"/>
+            <a:ext cx="8686800" cy="812483"/>
+          </a:xfrm>
+          <a:prstGeom prst="rect">
+            <a:avLst/>
+          </a:prstGeom>
+          <a:solidFill>
+            <a:srgbClr val="FFFFFF">
+              <a:alpha val="70000"/>
+            </a:srgbClr>
+          </a:solidFill>
+          <a:ln w="12700">
+            <a:miter lim="400000"/>
+          </a:ln>
+          <a:extLst>
+            <a:ext uri="{C572A759-6A51-4108-AA02-DFA0A04FC94B}">
+              <ma14:wrappingTextBoxFlag xmlns:ma14="http://schemas.microsoft.com/office/mac/drawingml/2011/main" val="1"/>
+            </a:ext>
+          </a:extLst>
+        </p:spPr>
+        <p:txBody>
+          <a:bodyPr tIns="91439" bIns="91439" anchor="ctr">
+            <a:normAutofit fontScale="100000" lnSpcReduction="0"/>
+          </a:bodyPr>
+          <a:lstStyle>
+            <a:lvl1pPr defTabSz="429768">
+              <a:spcBef>
+                <a:spcPts val="900"/>
+              </a:spcBef>
+              <a:defRPr cap="all" sz="3759">
+                <a:latin typeface="+mn-lt"/>
+                <a:ea typeface="+mn-ea"/>
+                <a:cs typeface="+mn-cs"/>
+                <a:sym typeface="Century Gothic"/>
+              </a:defRPr>
+            </a:lvl1pPr>
+          </a:lstStyle>
+          <a:p>
+            <a:pPr/>
+            <a:r>
+              <a:t>Set a lock screen with password</a:t>
+            </a:r>
+          </a:p>
+        </p:txBody>
+      </p:sp>
+    </p:spTree>
+  </p:cSld>
+  <p:clrMapOvr>
+    <a:masterClrMapping/>
+  </p:clrMapOvr>
+  <p:transition xmlns:p14="http://schemas.microsoft.com/office/powerpoint/2010/main" spd="med" advClick="1"/>
+</p:sld>
+</file>
+
+<file path=ppt/slides/slide55.xml><?xml version="1.0" encoding="utf-8"?>
+<p:sld xmlns:a="http://schemas.openxmlformats.org/drawingml/2006/main" xmlns:r="http://schemas.openxmlformats.org/officeDocument/2006/relationships" xmlns:p="http://schemas.openxmlformats.org/presentationml/2006/main" showMasterSp="1" showMasterPhAnim="1">
+  <p:cSld>
+    <p:spTree>
+      <p:nvGrpSpPr>
+        <p:cNvPr id="1" name=""/>
+        <p:cNvGrpSpPr/>
+        <p:nvPr/>
+      </p:nvGrpSpPr>
+      <p:grpSpPr>
+        <a:xfrm>
+          <a:off x="0" y="0"/>
+          <a:ext cx="0" cy="0"/>
+          <a:chOff x="0" y="0"/>
+          <a:chExt cx="0" cy="0"/>
+        </a:xfrm>
+      </p:grpSpPr>
+      <p:sp>
+        <p:nvSpPr>
+          <p:cNvPr id="351" name="Shape 351"/>
+          <p:cNvSpPr/>
+          <p:nvPr>
+            <p:ph type="body" idx="1"/>
+          </p:nvPr>
+        </p:nvSpPr>
+        <p:spPr>
+          <a:prstGeom prst="rect">
+            <a:avLst/>
+          </a:prstGeom>
+        </p:spPr>
+        <p:txBody>
+          <a:bodyPr>
+            <a:normAutofit fontScale="100000" lnSpcReduction="0"/>
+          </a:bodyPr>
+          <a:lstStyle/>
+          <a:p>
+            <a:pPr>
+              <a:spcBef>
+                <a:spcPts val="1200"/>
+              </a:spcBef>
+              <a:buClr>
+                <a:srgbClr val="000000"/>
+              </a:buClr>
+            </a:pPr>
+            <a:r>
+              <a:t>Get in the habit of locking your computer every time you walk away from it.</a:t>
+            </a:r>
+          </a:p>
+          <a:p>
+            <a:pPr>
+              <a:spcBef>
+                <a:spcPts val="1200"/>
+              </a:spcBef>
+              <a:buClr>
+                <a:srgbClr val="000000"/>
+              </a:buClr>
+            </a:pPr>
+            <a:r>
+              <a:t>On Windows, the keyboard shortcut to lock your computer is </a:t>
+            </a:r>
+            <a:r>
+              <a:rPr b="1"/>
+              <a:t>Windows + L</a:t>
+            </a:r>
+            <a:endParaRPr b="1"/>
+          </a:p>
+          <a:p>
+            <a:pPr>
+              <a:spcBef>
+                <a:spcPts val="1200"/>
+              </a:spcBef>
+              <a:buClr>
+                <a:srgbClr val="000000"/>
+              </a:buClr>
+            </a:pPr>
+            <a:r>
+              <a:t>On a Mac, you can set up your </a:t>
+            </a:r>
+            <a:r>
+              <a:rPr b="1"/>
+              <a:t>Hot Corners</a:t>
+            </a:r>
+            <a:r>
+              <a:t> to lock your screen</a:t>
+            </a:r>
+          </a:p>
+          <a:p>
+            <a:pPr>
+              <a:spcBef>
+                <a:spcPts val="1200"/>
+              </a:spcBef>
+              <a:buClr>
+                <a:srgbClr val="000000"/>
+              </a:buClr>
+            </a:pPr>
+            <a:r>
+              <a:t>Don’t forget to use a strong password!</a:t>
+            </a:r>
+          </a:p>
+        </p:txBody>
+      </p:sp>
+      <p:sp>
+        <p:nvSpPr>
+          <p:cNvPr id="352" name="Shape 352"/>
+          <p:cNvSpPr/>
+          <p:nvPr>
+            <p:ph type="sldNum" sz="quarter" idx="2"/>
+          </p:nvPr>
+        </p:nvSpPr>
+        <p:spPr>
+          <a:xfrm>
+            <a:off x="5791200" y="6419053"/>
+            <a:ext cx="2133600" cy="368301"/>
+          </a:xfrm>
+          <a:prstGeom prst="rect">
+            <a:avLst/>
+          </a:prstGeom>
+          <a:extLst>
+            <a:ext uri="{C572A759-6A51-4108-AA02-DFA0A04FC94B}">
+              <ma14:wrappingTextBoxFlag xmlns:ma14="http://schemas.microsoft.com/office/mac/drawingml/2011/main" val="1"/>
+            </a:ext>
+          </a:extLst>
+        </p:spPr>
+        <p:txBody>
+          <a:bodyPr/>
+          <a:lstStyle/>
+          <a:p>
+            <a:pPr/>
+            <a:fld id="{86CB4B4D-7CA3-9044-876B-883B54F8677D}" type="slidenum"/>
+          </a:p>
+        </p:txBody>
+      </p:sp>
+      <p:sp>
+        <p:nvSpPr>
+          <p:cNvPr id="353" name="Shape 353"/>
+          <p:cNvSpPr/>
+          <p:nvPr/>
+        </p:nvSpPr>
+        <p:spPr>
+          <a:xfrm>
+            <a:off x="0" y="206107"/>
+            <a:ext cx="8686800" cy="812483"/>
+          </a:xfrm>
+          <a:prstGeom prst="rect">
+            <a:avLst/>
+          </a:prstGeom>
+          <a:solidFill>
+            <a:srgbClr val="FFFFFF">
+              <a:alpha val="70000"/>
+            </a:srgbClr>
+          </a:solidFill>
+          <a:ln w="12700">
+            <a:miter lim="400000"/>
+          </a:ln>
+          <a:extLst>
+            <a:ext uri="{C572A759-6A51-4108-AA02-DFA0A04FC94B}">
+              <ma14:wrappingTextBoxFlag xmlns:ma14="http://schemas.microsoft.com/office/mac/drawingml/2011/main" val="1"/>
+            </a:ext>
+          </a:extLst>
+        </p:spPr>
+        <p:txBody>
+          <a:bodyPr tIns="91439" bIns="91439" anchor="ctr">
+            <a:normAutofit fontScale="100000" lnSpcReduction="0"/>
+          </a:bodyPr>
+          <a:lstStyle>
             <a:lvl1pPr>
               <a:spcBef>
                 <a:spcPts val="900"/>
@@ -14321,7 +14795,7 @@
           <a:p>
             <a:pPr/>
             <a:r>
-              <a:t>continue learning</a:t>
+              <a:t>walking away? lock it up!</a:t>
             </a:r>
           </a:p>
         </p:txBody>
@@ -14331,7 +14805,556 @@
   <p:clrMapOvr>
     <a:masterClrMapping/>
   </p:clrMapOvr>
-  <p:transition xmlns:p14="http://schemas.microsoft.com/office/powerpoint/2010/main" spd="med" advClick="1" p14:dur="1000"/>
+  <p:transition xmlns:p14="http://schemas.microsoft.com/office/powerpoint/2010/main" spd="med" advClick="1"/>
+</p:sld>
+</file>
+
+<file path=ppt/slides/slide56.xml><?xml version="1.0" encoding="utf-8"?>
+<p:sld xmlns:a="http://schemas.openxmlformats.org/drawingml/2006/main" xmlns:r="http://schemas.openxmlformats.org/officeDocument/2006/relationships" xmlns:p="http://schemas.openxmlformats.org/presentationml/2006/main" showMasterSp="1" showMasterPhAnim="1">
+  <p:cSld>
+    <p:spTree>
+      <p:nvGrpSpPr>
+        <p:cNvPr id="1" name=""/>
+        <p:cNvGrpSpPr/>
+        <p:nvPr/>
+      </p:nvGrpSpPr>
+      <p:grpSpPr>
+        <a:xfrm>
+          <a:off x="0" y="0"/>
+          <a:ext cx="0" cy="0"/>
+          <a:chOff x="0" y="0"/>
+          <a:chExt cx="0" cy="0"/>
+        </a:xfrm>
+      </p:grpSpPr>
+      <p:sp>
+        <p:nvSpPr>
+          <p:cNvPr id="357" name="Shape 357"/>
+          <p:cNvSpPr/>
+          <p:nvPr>
+            <p:ph type="body" idx="1"/>
+          </p:nvPr>
+        </p:nvSpPr>
+        <p:spPr>
+          <a:prstGeom prst="rect">
+            <a:avLst/>
+          </a:prstGeom>
+        </p:spPr>
+        <p:txBody>
+          <a:bodyPr>
+            <a:normAutofit fontScale="100000" lnSpcReduction="0"/>
+          </a:bodyPr>
+          <a:lstStyle/>
+          <a:p>
+            <a:pPr>
+              <a:spcBef>
+                <a:spcPts val="1200"/>
+              </a:spcBef>
+              <a:buClr>
+                <a:srgbClr val="000000"/>
+              </a:buClr>
+            </a:pPr>
+            <a:r>
+              <a:t>iPhone users, make sure your password is at least 6 digits long</a:t>
+            </a:r>
+          </a:p>
+          <a:p>
+            <a:pPr>
+              <a:spcBef>
+                <a:spcPts val="1200"/>
+              </a:spcBef>
+              <a:buClr>
+                <a:srgbClr val="000000"/>
+              </a:buClr>
+            </a:pPr>
+            <a:r>
+              <a:t>Android users, use a long, complicated pattern to unlock</a:t>
+            </a:r>
+          </a:p>
+          <a:p>
+            <a:pPr>
+              <a:spcBef>
+                <a:spcPts val="1200"/>
+              </a:spcBef>
+              <a:buClr>
+                <a:srgbClr val="000000"/>
+              </a:buClr>
+            </a:pPr>
+            <a:r>
+              <a:t>Police can force you to unlock your phone with your fingerprint, but can’t ask for your password</a:t>
+            </a:r>
+          </a:p>
+          <a:p>
+            <a:pPr>
+              <a:spcBef>
+                <a:spcPts val="1200"/>
+              </a:spcBef>
+              <a:buClr>
+                <a:srgbClr val="000000"/>
+              </a:buClr>
+            </a:pPr>
+            <a:r>
+              <a:t>Remember what makes for a good (or bad) password!</a:t>
+            </a:r>
+          </a:p>
+        </p:txBody>
+      </p:sp>
+      <p:sp>
+        <p:nvSpPr>
+          <p:cNvPr id="358" name="Shape 358"/>
+          <p:cNvSpPr/>
+          <p:nvPr>
+            <p:ph type="sldNum" sz="quarter" idx="2"/>
+          </p:nvPr>
+        </p:nvSpPr>
+        <p:spPr>
+          <a:xfrm>
+            <a:off x="5791200" y="6419053"/>
+            <a:ext cx="2133600" cy="368301"/>
+          </a:xfrm>
+          <a:prstGeom prst="rect">
+            <a:avLst/>
+          </a:prstGeom>
+          <a:extLst>
+            <a:ext uri="{C572A759-6A51-4108-AA02-DFA0A04FC94B}">
+              <ma14:wrappingTextBoxFlag xmlns:ma14="http://schemas.microsoft.com/office/mac/drawingml/2011/main" val="1"/>
+            </a:ext>
+          </a:extLst>
+        </p:spPr>
+        <p:txBody>
+          <a:bodyPr/>
+          <a:lstStyle/>
+          <a:p>
+            <a:pPr/>
+            <a:fld id="{86CB4B4D-7CA3-9044-876B-883B54F8677D}" type="slidenum"/>
+          </a:p>
+        </p:txBody>
+      </p:sp>
+      <p:sp>
+        <p:nvSpPr>
+          <p:cNvPr id="359" name="Shape 359"/>
+          <p:cNvSpPr/>
+          <p:nvPr/>
+        </p:nvSpPr>
+        <p:spPr>
+          <a:xfrm>
+            <a:off x="0" y="206107"/>
+            <a:ext cx="8686800" cy="812483"/>
+          </a:xfrm>
+          <a:prstGeom prst="rect">
+            <a:avLst/>
+          </a:prstGeom>
+          <a:solidFill>
+            <a:srgbClr val="FFFFFF">
+              <a:alpha val="70000"/>
+            </a:srgbClr>
+          </a:solidFill>
+          <a:ln w="12700">
+            <a:miter lim="400000"/>
+          </a:ln>
+          <a:extLst>
+            <a:ext uri="{C572A759-6A51-4108-AA02-DFA0A04FC94B}">
+              <ma14:wrappingTextBoxFlag xmlns:ma14="http://schemas.microsoft.com/office/mac/drawingml/2011/main" val="1"/>
+            </a:ext>
+          </a:extLst>
+        </p:spPr>
+        <p:txBody>
+          <a:bodyPr tIns="91439" bIns="91439" anchor="ctr">
+            <a:normAutofit fontScale="100000" lnSpcReduction="0"/>
+          </a:bodyPr>
+          <a:lstStyle>
+            <a:lvl1pPr defTabSz="429768">
+              <a:spcBef>
+                <a:spcPts val="900"/>
+              </a:spcBef>
+              <a:defRPr cap="all" sz="3759">
+                <a:latin typeface="+mn-lt"/>
+                <a:ea typeface="+mn-ea"/>
+                <a:cs typeface="+mn-cs"/>
+                <a:sym typeface="Century Gothic"/>
+              </a:defRPr>
+            </a:lvl1pPr>
+          </a:lstStyle>
+          <a:p>
+            <a:pPr/>
+            <a:r>
+              <a:t>Be sure to lock your phone, too</a:t>
+            </a:r>
+          </a:p>
+        </p:txBody>
+      </p:sp>
+    </p:spTree>
+  </p:cSld>
+  <p:clrMapOvr>
+    <a:masterClrMapping/>
+  </p:clrMapOvr>
+  <p:transition xmlns:p14="http://schemas.microsoft.com/office/powerpoint/2010/main" spd="med" advClick="1"/>
+</p:sld>
+</file>
+
+<file path=ppt/slides/slide57.xml><?xml version="1.0" encoding="utf-8"?>
+<p:sld xmlns:a="http://schemas.openxmlformats.org/drawingml/2006/main" xmlns:r="http://schemas.openxmlformats.org/officeDocument/2006/relationships" xmlns:p="http://schemas.openxmlformats.org/presentationml/2006/main" showMasterSp="1" showMasterPhAnim="1">
+  <p:cSld>
+    <p:spTree>
+      <p:nvGrpSpPr>
+        <p:cNvPr id="1" name=""/>
+        <p:cNvGrpSpPr/>
+        <p:nvPr/>
+      </p:nvGrpSpPr>
+      <p:grpSpPr>
+        <a:xfrm>
+          <a:off x="0" y="0"/>
+          <a:ext cx="0" cy="0"/>
+          <a:chOff x="0" y="0"/>
+          <a:chExt cx="0" cy="0"/>
+        </a:xfrm>
+      </p:grpSpPr>
+      <p:sp>
+        <p:nvSpPr>
+          <p:cNvPr id="363" name="Shape 363"/>
+          <p:cNvSpPr/>
+          <p:nvPr>
+            <p:ph type="body" idx="1"/>
+          </p:nvPr>
+        </p:nvSpPr>
+        <p:spPr>
+          <a:prstGeom prst="rect">
+            <a:avLst/>
+          </a:prstGeom>
+        </p:spPr>
+        <p:txBody>
+          <a:bodyPr>
+            <a:normAutofit fontScale="100000" lnSpcReduction="0"/>
+          </a:bodyPr>
+          <a:lstStyle/>
+          <a:p>
+            <a:pPr marL="410677" indent="-410677" defTabSz="438911">
+              <a:spcBef>
+                <a:spcPts val="1100"/>
+              </a:spcBef>
+              <a:buFontTx/>
+              <a:buAutoNum type="arabicPeriod" startAt="1"/>
+              <a:defRPr sz="3072"/>
+            </a:pPr>
+            <a:r>
+              <a:t>Learn to recognize fraudulent emails and websites</a:t>
+            </a:r>
+          </a:p>
+          <a:p>
+            <a:pPr lvl="3" marL="0" indent="658368" defTabSz="438911">
+              <a:spcBef>
+                <a:spcPts val="1100"/>
+              </a:spcBef>
+              <a:buSzTx/>
+              <a:buFontTx/>
+              <a:buNone/>
+              <a:defRPr sz="3072"/>
+            </a:pPr>
+            <a:r>
+              <a:t>Don’t open, don’t click, don’t download attachments, don’t enter your information</a:t>
+            </a:r>
+          </a:p>
+          <a:p>
+            <a:pPr marL="410677" indent="-410677" defTabSz="438911">
+              <a:spcBef>
+                <a:spcPts val="1100"/>
+              </a:spcBef>
+              <a:buFontTx/>
+              <a:buAutoNum type="arabicPeriod" startAt="1"/>
+              <a:defRPr b="1" sz="3072"/>
+            </a:pPr>
+            <a:r>
+              <a:t>They’re trying to trick you. Be skeptical.</a:t>
+            </a:r>
+          </a:p>
+          <a:p>
+            <a:pPr marL="410677" indent="-410677" defTabSz="438911">
+              <a:spcBef>
+                <a:spcPts val="1100"/>
+              </a:spcBef>
+              <a:buFontTx/>
+              <a:buAutoNum type="arabicPeriod" startAt="1"/>
+              <a:defRPr sz="3072"/>
+            </a:pPr>
+            <a:r>
+              <a:t>Keep your software up to date</a:t>
+            </a:r>
+          </a:p>
+          <a:p>
+            <a:pPr marL="410677" indent="-410677" defTabSz="438911">
+              <a:spcBef>
+                <a:spcPts val="1100"/>
+              </a:spcBef>
+              <a:buFontTx/>
+              <a:buAutoNum type="arabicPeriod" startAt="1"/>
+              <a:defRPr sz="3072"/>
+            </a:pPr>
+            <a:r>
+              <a:t>Use strong passwords and a password manager</a:t>
+            </a:r>
+          </a:p>
+          <a:p>
+            <a:pPr marL="410677" indent="-410677" defTabSz="438911">
+              <a:spcBef>
+                <a:spcPts val="1100"/>
+              </a:spcBef>
+              <a:buFontTx/>
+              <a:buAutoNum type="arabicPeriod" startAt="1"/>
+              <a:defRPr sz="3072"/>
+            </a:pPr>
+            <a:r>
+              <a:t>Use two-factor authentication where available</a:t>
+            </a:r>
+          </a:p>
+        </p:txBody>
+      </p:sp>
+      <p:sp>
+        <p:nvSpPr>
+          <p:cNvPr id="364" name="Shape 364"/>
+          <p:cNvSpPr/>
+          <p:nvPr>
+            <p:ph type="sldNum" sz="quarter" idx="2"/>
+          </p:nvPr>
+        </p:nvSpPr>
+        <p:spPr>
+          <a:xfrm>
+            <a:off x="5791200" y="6419053"/>
+            <a:ext cx="2133600" cy="368301"/>
+          </a:xfrm>
+          <a:prstGeom prst="rect">
+            <a:avLst/>
+          </a:prstGeom>
+          <a:extLst>
+            <a:ext uri="{C572A759-6A51-4108-AA02-DFA0A04FC94B}">
+              <ma14:wrappingTextBoxFlag xmlns:ma14="http://schemas.microsoft.com/office/mac/drawingml/2011/main" val="1"/>
+            </a:ext>
+          </a:extLst>
+        </p:spPr>
+        <p:txBody>
+          <a:bodyPr/>
+          <a:lstStyle/>
+          <a:p>
+            <a:pPr/>
+            <a:fld id="{86CB4B4D-7CA3-9044-876B-883B54F8677D}" type="slidenum"/>
+          </a:p>
+        </p:txBody>
+      </p:sp>
+      <p:sp>
+        <p:nvSpPr>
+          <p:cNvPr id="365" name="Shape 365"/>
+          <p:cNvSpPr/>
+          <p:nvPr/>
+        </p:nvSpPr>
+        <p:spPr>
+          <a:xfrm>
+            <a:off x="0" y="206107"/>
+            <a:ext cx="8686800" cy="812483"/>
+          </a:xfrm>
+          <a:prstGeom prst="rect">
+            <a:avLst/>
+          </a:prstGeom>
+          <a:solidFill>
+            <a:srgbClr val="FFFFFF">
+              <a:alpha val="70000"/>
+            </a:srgbClr>
+          </a:solidFill>
+          <a:ln w="12700">
+            <a:miter lim="400000"/>
+          </a:ln>
+          <a:extLst>
+            <a:ext uri="{C572A759-6A51-4108-AA02-DFA0A04FC94B}">
+              <ma14:wrappingTextBoxFlag xmlns:ma14="http://schemas.microsoft.com/office/mac/drawingml/2011/main" val="1"/>
+            </a:ext>
+          </a:extLst>
+        </p:spPr>
+        <p:txBody>
+          <a:bodyPr tIns="91439" bIns="91439" anchor="ctr">
+            <a:normAutofit fontScale="100000" lnSpcReduction="0"/>
+          </a:bodyPr>
+          <a:lstStyle>
+            <a:lvl1pPr>
+              <a:spcBef>
+                <a:spcPts val="900"/>
+              </a:spcBef>
+              <a:defRPr cap="all" sz="4000">
+                <a:latin typeface="+mn-lt"/>
+                <a:ea typeface="+mn-ea"/>
+                <a:cs typeface="+mn-cs"/>
+                <a:sym typeface="Century Gothic"/>
+              </a:defRPr>
+            </a:lvl1pPr>
+          </a:lstStyle>
+          <a:p>
+            <a:pPr/>
+            <a:r>
+              <a:t>prevent 99% of attacks</a:t>
+            </a:r>
+          </a:p>
+        </p:txBody>
+      </p:sp>
+    </p:spTree>
+  </p:cSld>
+  <p:clrMapOvr>
+    <a:masterClrMapping/>
+  </p:clrMapOvr>
+  <p:transition xmlns:p14="http://schemas.microsoft.com/office/powerpoint/2010/main" spd="med" advClick="1"/>
+</p:sld>
+</file>
+
+<file path=ppt/slides/slide58.xml><?xml version="1.0" encoding="utf-8"?>
+<p:sld xmlns:a="http://schemas.openxmlformats.org/drawingml/2006/main" xmlns:r="http://schemas.openxmlformats.org/officeDocument/2006/relationships" xmlns:p="http://schemas.openxmlformats.org/presentationml/2006/main" showMasterSp="1" showMasterPhAnim="1">
+  <p:cSld>
+    <p:spTree>
+      <p:nvGrpSpPr>
+        <p:cNvPr id="1" name=""/>
+        <p:cNvGrpSpPr/>
+        <p:nvPr/>
+      </p:nvGrpSpPr>
+      <p:grpSpPr>
+        <a:xfrm>
+          <a:off x="0" y="0"/>
+          <a:ext cx="0" cy="0"/>
+          <a:chOff x="0" y="0"/>
+          <a:chExt cx="0" cy="0"/>
+        </a:xfrm>
+      </p:grpSpPr>
+      <p:sp>
+        <p:nvSpPr>
+          <p:cNvPr id="369" name="Shape 369"/>
+          <p:cNvSpPr/>
+          <p:nvPr>
+            <p:ph type="body" idx="1"/>
+          </p:nvPr>
+        </p:nvSpPr>
+        <p:spPr>
+          <a:prstGeom prst="rect">
+            <a:avLst/>
+          </a:prstGeom>
+        </p:spPr>
+        <p:txBody>
+          <a:bodyPr>
+            <a:normAutofit fontScale="100000" lnSpcReduction="0"/>
+          </a:bodyPr>
+          <a:lstStyle/>
+          <a:p>
+            <a:pPr marL="0" indent="0">
+              <a:spcBef>
+                <a:spcPts val="1200"/>
+              </a:spcBef>
+              <a:buSzTx/>
+              <a:buFontTx/>
+              <a:buNone/>
+              <a:defRPr b="1"/>
+            </a:pPr>
+            <a:r>
+              <a:rPr u="sng">
+                <a:solidFill>
+                  <a:srgbClr val="0000FF"/>
+                </a:solidFill>
+                <a:uFill>
+                  <a:solidFill>
+                    <a:srgbClr val="0000FF"/>
+                  </a:solidFill>
+                </a:uFill>
+                <a:hlinkClick r:id="rId2" invalidUrl="" action="" tgtFrame="" tooltip="" history="1" highlightClick="0" endSnd="0"/>
+              </a:rPr>
+              <a:t>Resources and additional trainings will be added here periodically</a:t>
+            </a:r>
+            <a:r>
+              <a:t>.</a:t>
+            </a:r>
+          </a:p>
+        </p:txBody>
+      </p:sp>
+      <p:sp>
+        <p:nvSpPr>
+          <p:cNvPr id="370" name="Shape 370"/>
+          <p:cNvSpPr/>
+          <p:nvPr>
+            <p:ph type="sldNum" sz="quarter" idx="2"/>
+          </p:nvPr>
+        </p:nvSpPr>
+        <p:spPr>
+          <a:xfrm>
+            <a:off x="5791200" y="6419053"/>
+            <a:ext cx="2133600" cy="368301"/>
+          </a:xfrm>
+          <a:prstGeom prst="rect">
+            <a:avLst/>
+          </a:prstGeom>
+          <a:extLst>
+            <a:ext uri="{C572A759-6A51-4108-AA02-DFA0A04FC94B}">
+              <ma14:wrappingTextBoxFlag xmlns:ma14="http://schemas.microsoft.com/office/mac/drawingml/2011/main" val="1"/>
+            </a:ext>
+          </a:extLst>
+        </p:spPr>
+        <p:txBody>
+          <a:bodyPr/>
+          <a:lstStyle/>
+          <a:p>
+            <a:pPr/>
+            <a:fld id="{86CB4B4D-7CA3-9044-876B-883B54F8677D}" type="slidenum"/>
+          </a:p>
+        </p:txBody>
+      </p:sp>
+      <p:sp>
+        <p:nvSpPr>
+          <p:cNvPr id="371" name="Shape 371"/>
+          <p:cNvSpPr/>
+          <p:nvPr/>
+        </p:nvSpPr>
+        <p:spPr>
+          <a:xfrm>
+            <a:off x="0" y="206107"/>
+            <a:ext cx="8686800" cy="812483"/>
+          </a:xfrm>
+          <a:prstGeom prst="rect">
+            <a:avLst/>
+          </a:prstGeom>
+          <a:solidFill>
+            <a:srgbClr val="FFFFFF">
+              <a:alpha val="70000"/>
+            </a:srgbClr>
+          </a:solidFill>
+          <a:ln w="12700">
+            <a:miter lim="400000"/>
+          </a:ln>
+          <a:extLst>
+            <a:ext uri="{C572A759-6A51-4108-AA02-DFA0A04FC94B}">
+              <ma14:wrappingTextBoxFlag xmlns:ma14="http://schemas.microsoft.com/office/mac/drawingml/2011/main" val="1"/>
+            </a:ext>
+          </a:extLst>
+        </p:spPr>
+        <p:txBody>
+          <a:bodyPr tIns="91439" bIns="91439" anchor="ctr">
+            <a:normAutofit fontScale="100000" lnSpcReduction="0"/>
+          </a:bodyPr>
+          <a:lstStyle>
+            <a:lvl1pPr>
+              <a:spcBef>
+                <a:spcPts val="900"/>
+              </a:spcBef>
+              <a:defRPr cap="all" sz="4000">
+                <a:latin typeface="+mn-lt"/>
+                <a:ea typeface="+mn-ea"/>
+                <a:cs typeface="+mn-cs"/>
+                <a:sym typeface="Century Gothic"/>
+              </a:defRPr>
+            </a:lvl1pPr>
+          </a:lstStyle>
+          <a:p>
+            <a:pPr/>
+            <a:r>
+              <a:t>continue learning</a:t>
+            </a:r>
+          </a:p>
+        </p:txBody>
+      </p:sp>
+    </p:spTree>
+  </p:cSld>
+  <p:clrMapOvr>
+    <a:masterClrMapping/>
+  </p:clrMapOvr>
+  <p:transition xmlns:p14="http://schemas.microsoft.com/office/powerpoint/2010/main" spd="med" advClick="1"/>
 </p:sld>
 </file>
 
@@ -14504,7 +15527,7 @@
   <p:clrMapOvr>
     <a:masterClrMapping/>
   </p:clrMapOvr>
-  <p:transition xmlns:p14="http://schemas.microsoft.com/office/powerpoint/2010/main" spd="med" advClick="1" p14:dur="1000"/>
+  <p:transition xmlns:p14="http://schemas.microsoft.com/office/powerpoint/2010/main" spd="med" advClick="1"/>
 </p:sld>
 </file>
 
@@ -14680,7 +15703,7 @@
   <p:clrMapOvr>
     <a:masterClrMapping/>
   </p:clrMapOvr>
-  <p:transition xmlns:p14="http://schemas.microsoft.com/office/powerpoint/2010/main" spd="med" advClick="1" p14:dur="1000"/>
+  <p:transition xmlns:p14="http://schemas.microsoft.com/office/powerpoint/2010/main" spd="med" advClick="1"/>
 </p:sld>
 </file>
 
@@ -14925,7 +15948,7 @@
   <p:clrMapOvr>
     <a:masterClrMapping/>
   </p:clrMapOvr>
-  <p:transition xmlns:p14="http://schemas.microsoft.com/office/powerpoint/2010/main" spd="med" advClick="1" p14:dur="1000"/>
+  <p:transition xmlns:p14="http://schemas.microsoft.com/office/powerpoint/2010/main" spd="med" advClick="1"/>
 </p:sld>
 </file>
 
@@ -15035,7 +16058,7 @@
   <p:clrMapOvr>
     <a:masterClrMapping/>
   </p:clrMapOvr>
-  <p:transition xmlns:p14="http://schemas.microsoft.com/office/powerpoint/2010/main" spd="med" advClick="1" p14:dur="1000"/>
+  <p:transition xmlns:p14="http://schemas.microsoft.com/office/powerpoint/2010/main" spd="med" advClick="1"/>
 </p:sld>
 </file>
 
